--- a/Technical_Presentation.pptx
+++ b/Technical_Presentation.pptx
@@ -13,8 +13,9 @@
     <p:sldId id="261" r:id="rId7"/>
     <p:sldId id="262" r:id="rId8"/>
     <p:sldId id="263" r:id="rId9"/>
-    <p:sldId id="264" r:id="rId10"/>
-    <p:sldId id="265" r:id="rId11"/>
+    <p:sldId id="267" r:id="rId10"/>
+    <p:sldId id="264" r:id="rId11"/>
+    <p:sldId id="265" r:id="rId12"/>
   </p:sldIdLst>
   <p:sldSz cx="12192000" cy="6858000"/>
   <p:notesSz cx="6858000" cy="9144000"/>
@@ -113,6 +114,11 @@
       </a:defRPr>
     </a:lvl9pPr>
   </p:defaultTextStyle>
+  <p:extLst>
+    <p:ext uri="{EFAFB233-063F-42B5-8137-9DF3F51BA10A}">
+      <p15:sldGuideLst xmlns:p15="http://schemas.microsoft.com/office/powerpoint/2012/main"/>
+    </p:ext>
+  </p:extLst>
 </p:presentation>
 </file>
 
@@ -307,7 +313,7 @@
           <a:p>
             <a:fld id="{6C23B92F-20AE-4E44-960E-0CA91C58AFD0}" type="datetimeFigureOut">
               <a:rPr lang="en-US" smtClean="0"/>
-              <a:t>4/3/2023</a:t>
+              <a:t>4/5/2023</a:t>
             </a:fld>
             <a:endParaRPr lang="en-US"/>
           </a:p>
@@ -743,7 +749,7 @@
           <a:p>
             <a:fld id="{6C23B92F-20AE-4E44-960E-0CA91C58AFD0}" type="datetimeFigureOut">
               <a:rPr lang="en-US" smtClean="0"/>
-              <a:t>4/3/2023</a:t>
+              <a:t>4/5/2023</a:t>
             </a:fld>
             <a:endParaRPr lang="en-US"/>
           </a:p>
@@ -993,7 +999,7 @@
           <a:p>
             <a:fld id="{6C23B92F-20AE-4E44-960E-0CA91C58AFD0}" type="datetimeFigureOut">
               <a:rPr lang="en-US" smtClean="0"/>
-              <a:t>4/3/2023</a:t>
+              <a:t>4/5/2023</a:t>
             </a:fld>
             <a:endParaRPr lang="en-US"/>
           </a:p>
@@ -1301,7 +1307,7 @@
           <a:p>
             <a:fld id="{6C23B92F-20AE-4E44-960E-0CA91C58AFD0}" type="datetimeFigureOut">
               <a:rPr lang="en-US" smtClean="0"/>
-              <a:t>4/3/2023</a:t>
+              <a:t>4/5/2023</a:t>
             </a:fld>
             <a:endParaRPr lang="en-US"/>
           </a:p>
@@ -1619,7 +1625,7 @@
           <a:p>
             <a:fld id="{6C23B92F-20AE-4E44-960E-0CA91C58AFD0}" type="datetimeFigureOut">
               <a:rPr lang="en-US" smtClean="0"/>
-              <a:t>4/3/2023</a:t>
+              <a:t>4/5/2023</a:t>
             </a:fld>
             <a:endParaRPr lang="en-US"/>
           </a:p>
@@ -1921,7 +1927,7 @@
           <a:p>
             <a:fld id="{6C23B92F-20AE-4E44-960E-0CA91C58AFD0}" type="datetimeFigureOut">
               <a:rPr lang="en-US" smtClean="0"/>
-              <a:t>4/3/2023</a:t>
+              <a:t>4/5/2023</a:t>
             </a:fld>
             <a:endParaRPr lang="en-US"/>
           </a:p>
@@ -2288,7 +2294,7 @@
           <a:p>
             <a:fld id="{6C23B92F-20AE-4E44-960E-0CA91C58AFD0}" type="datetimeFigureOut">
               <a:rPr lang="en-US" smtClean="0"/>
-              <a:t>4/3/2023</a:t>
+              <a:t>4/5/2023</a:t>
             </a:fld>
             <a:endParaRPr lang="en-US"/>
           </a:p>
@@ -2462,7 +2468,7 @@
           <a:p>
             <a:fld id="{6C23B92F-20AE-4E44-960E-0CA91C58AFD0}" type="datetimeFigureOut">
               <a:rPr lang="en-US" smtClean="0"/>
-              <a:t>4/3/2023</a:t>
+              <a:t>4/5/2023</a:t>
             </a:fld>
             <a:endParaRPr lang="en-US"/>
           </a:p>
@@ -2642,7 +2648,7 @@
           <a:p>
             <a:fld id="{6C23B92F-20AE-4E44-960E-0CA91C58AFD0}" type="datetimeFigureOut">
               <a:rPr lang="en-US" smtClean="0"/>
-              <a:t>4/3/2023</a:t>
+              <a:t>4/5/2023</a:t>
             </a:fld>
             <a:endParaRPr lang="en-US"/>
           </a:p>
@@ -2812,7 +2818,7 @@
           <a:p>
             <a:fld id="{6C23B92F-20AE-4E44-960E-0CA91C58AFD0}" type="datetimeFigureOut">
               <a:rPr lang="en-US" smtClean="0"/>
-              <a:t>4/3/2023</a:t>
+              <a:t>4/5/2023</a:t>
             </a:fld>
             <a:endParaRPr lang="en-US"/>
           </a:p>
@@ -3062,7 +3068,7 @@
           <a:p>
             <a:fld id="{6C23B92F-20AE-4E44-960E-0CA91C58AFD0}" type="datetimeFigureOut">
               <a:rPr lang="en-US" smtClean="0"/>
-              <a:t>4/3/2023</a:t>
+              <a:t>4/5/2023</a:t>
             </a:fld>
             <a:endParaRPr lang="en-US"/>
           </a:p>
@@ -3298,7 +3304,7 @@
           <a:p>
             <a:fld id="{6C23B92F-20AE-4E44-960E-0CA91C58AFD0}" type="datetimeFigureOut">
               <a:rPr lang="en-US" smtClean="0"/>
-              <a:t>4/3/2023</a:t>
+              <a:t>4/5/2023</a:t>
             </a:fld>
             <a:endParaRPr lang="en-US"/>
           </a:p>
@@ -3680,7 +3686,7 @@
           <a:p>
             <a:fld id="{6C23B92F-20AE-4E44-960E-0CA91C58AFD0}" type="datetimeFigureOut">
               <a:rPr lang="en-US" smtClean="0"/>
-              <a:t>4/3/2023</a:t>
+              <a:t>4/5/2023</a:t>
             </a:fld>
             <a:endParaRPr lang="en-US"/>
           </a:p>
@@ -3798,7 +3804,7 @@
           <a:p>
             <a:fld id="{6C23B92F-20AE-4E44-960E-0CA91C58AFD0}" type="datetimeFigureOut">
               <a:rPr lang="en-US" smtClean="0"/>
-              <a:t>4/3/2023</a:t>
+              <a:t>4/5/2023</a:t>
             </a:fld>
             <a:endParaRPr lang="en-US"/>
           </a:p>
@@ -3893,7 +3899,7 @@
           <a:p>
             <a:fld id="{6C23B92F-20AE-4E44-960E-0CA91C58AFD0}" type="datetimeFigureOut">
               <a:rPr lang="en-US" smtClean="0"/>
-              <a:t>4/3/2023</a:t>
+              <a:t>4/5/2023</a:t>
             </a:fld>
             <a:endParaRPr lang="en-US"/>
           </a:p>
@@ -4148,7 +4154,7 @@
           <a:p>
             <a:fld id="{6C23B92F-20AE-4E44-960E-0CA91C58AFD0}" type="datetimeFigureOut">
               <a:rPr lang="en-US" smtClean="0"/>
-              <a:t>4/3/2023</a:t>
+              <a:t>4/5/2023</a:t>
             </a:fld>
             <a:endParaRPr lang="en-US"/>
           </a:p>
@@ -4431,7 +4437,7 @@
           <a:p>
             <a:fld id="{6C23B92F-20AE-4E44-960E-0CA91C58AFD0}" type="datetimeFigureOut">
               <a:rPr lang="en-US" smtClean="0"/>
-              <a:t>4/3/2023</a:t>
+              <a:t>4/5/2023</a:t>
             </a:fld>
             <a:endParaRPr lang="en-US"/>
           </a:p>
@@ -4837,7 +4843,7 @@
           <a:p>
             <a:fld id="{6C23B92F-20AE-4E44-960E-0CA91C58AFD0}" type="datetimeFigureOut">
               <a:rPr lang="en-US" smtClean="0"/>
-              <a:t>4/3/2023</a:t>
+              <a:t>4/5/2023</a:t>
             </a:fld>
             <a:endParaRPr lang="en-US"/>
           </a:p>
@@ -5396,7 +5402,6 @@
               <a:rPr lang="en-US" dirty="0"/>
               <a:t>Arduino Uno Based Smart Bike Parking Zone</a:t>
             </a:r>
-            <a:endParaRPr lang="en-US" dirty="0"/>
           </a:p>
         </p:txBody>
       </p:sp>
@@ -5542,13 +5547,13 @@
   <p:clrMapOvr>
     <a:masterClrMapping/>
   </p:clrMapOvr>
-  <mc:AlternateContent xmlns:mc="http://schemas.openxmlformats.org/markup-compatibility/2006">
-    <mc:Choice xmlns:p14="http://schemas.microsoft.com/office/powerpoint/2010/main" Requires="p14">
+  <mc:AlternateContent xmlns:mc="http://schemas.openxmlformats.org/markup-compatibility/2006" xmlns:p14="http://schemas.microsoft.com/office/powerpoint/2010/main">
+    <mc:Choice Requires="p14">
       <p:transition spd="slow" p14:dur="800">
         <p:circle/>
       </p:transition>
     </mc:Choice>
-    <mc:Fallback>
+    <mc:Fallback xmlns="">
       <p:transition spd="slow">
         <p:circle/>
       </p:transition>
@@ -5583,6 +5588,331 @@
       </p:grpSpPr>
       <p:sp>
         <p:nvSpPr>
+          <p:cNvPr id="2" name="Title 1"/>
+          <p:cNvSpPr>
+            <a:spLocks noGrp="1"/>
+          </p:cNvSpPr>
+          <p:nvPr>
+            <p:ph type="title"/>
+          </p:nvPr>
+        </p:nvSpPr>
+        <p:spPr>
+          <a:xfrm>
+            <a:off x="393267" y="263236"/>
+            <a:ext cx="8534401" cy="838419"/>
+          </a:xfrm>
+        </p:spPr>
+        <p:txBody>
+          <a:bodyPr/>
+          <a:lstStyle/>
+          <a:p>
+            <a:pPr marL="571500" indent="-571500">
+              <a:buFont typeface="Wingdings" panose="05000000000000000000" pitchFamily="2" charset="2"/>
+              <a:buChar char="ü"/>
+            </a:pPr>
+            <a:r>
+              <a:rPr lang="en-US" dirty="0"/>
+              <a:t>references</a:t>
+            </a:r>
+          </a:p>
+        </p:txBody>
+      </p:sp>
+      <p:sp>
+        <p:nvSpPr>
+          <p:cNvPr id="3" name="Text Placeholder 2"/>
+          <p:cNvSpPr>
+            <a:spLocks noGrp="1"/>
+          </p:cNvSpPr>
+          <p:nvPr>
+            <p:ph type="body" idx="1"/>
+          </p:nvPr>
+        </p:nvSpPr>
+        <p:spPr>
+          <a:xfrm>
+            <a:off x="1002868" y="1295399"/>
+            <a:ext cx="8534400" cy="3304309"/>
+          </a:xfrm>
+        </p:spPr>
+        <p:txBody>
+          <a:bodyPr>
+            <a:noAutofit/>
+          </a:bodyPr>
+          <a:lstStyle/>
+          <a:p>
+            <a:pPr marL="285750" indent="-285750" algn="just">
+              <a:buFont typeface="Arial" panose="020B0604020202020204" pitchFamily="34" charset="0"/>
+              <a:buChar char="•"/>
+            </a:pPr>
+            <a:r>
+              <a:rPr lang="en-US" dirty="0" err="1" smtClean="0">
+                <a:solidFill>
+                  <a:schemeClr val="tx1"/>
+                </a:solidFill>
+              </a:rPr>
+              <a:t>Hidayat</a:t>
+            </a:r>
+            <a:r>
+              <a:rPr lang="en-US" dirty="0">
+                <a:solidFill>
+                  <a:schemeClr val="tx1"/>
+                </a:solidFill>
+              </a:rPr>
+              <a:t>, I. A. </a:t>
+            </a:r>
+            <a:r>
+              <a:rPr lang="en-US" dirty="0" err="1">
+                <a:solidFill>
+                  <a:schemeClr val="tx1"/>
+                </a:solidFill>
+              </a:rPr>
+              <a:t>Handayani</a:t>
+            </a:r>
+            <a:r>
+              <a:rPr lang="en-US" dirty="0">
+                <a:solidFill>
+                  <a:schemeClr val="tx1"/>
+                </a:solidFill>
+              </a:rPr>
+              <a:t>, and I. </a:t>
+            </a:r>
+            <a:r>
+              <a:rPr lang="en-US" dirty="0" err="1">
+                <a:solidFill>
+                  <a:schemeClr val="tx1"/>
+                </a:solidFill>
+              </a:rPr>
+              <a:t>Purnama</a:t>
+            </a:r>
+            <a:r>
+              <a:rPr lang="en-US" dirty="0">
+                <a:solidFill>
+                  <a:schemeClr val="tx1"/>
+                </a:solidFill>
+              </a:rPr>
+              <a:t>, "Design and implementation of smart parking system using </a:t>
+            </a:r>
+            <a:r>
+              <a:rPr lang="en-US" dirty="0" err="1">
+                <a:solidFill>
+                  <a:schemeClr val="tx1"/>
+                </a:solidFill>
+              </a:rPr>
+              <a:t>arduino</a:t>
+            </a:r>
+            <a:r>
+              <a:rPr lang="en-US" dirty="0">
+                <a:solidFill>
+                  <a:schemeClr val="tx1"/>
+                </a:solidFill>
+              </a:rPr>
+              <a:t>," in 2020 International Conference on Information Management and Technology (</a:t>
+            </a:r>
+            <a:r>
+              <a:rPr lang="en-US" dirty="0" err="1">
+                <a:solidFill>
+                  <a:schemeClr val="tx1"/>
+                </a:solidFill>
+              </a:rPr>
+              <a:t>ICIMTech</a:t>
+            </a:r>
+            <a:r>
+              <a:rPr lang="en-US" dirty="0">
+                <a:solidFill>
+                  <a:schemeClr val="tx1"/>
+                </a:solidFill>
+              </a:rPr>
+              <a:t>), 2020, pp. </a:t>
+            </a:r>
+            <a:r>
+              <a:rPr lang="en-US" dirty="0" smtClean="0">
+                <a:solidFill>
+                  <a:schemeClr val="tx1"/>
+                </a:solidFill>
+              </a:rPr>
+              <a:t>1-5</a:t>
+            </a:r>
+          </a:p>
+          <a:p>
+            <a:pPr marL="285750" indent="-285750" algn="just">
+              <a:buFont typeface="Arial" panose="020B0604020202020204" pitchFamily="34" charset="0"/>
+              <a:buChar char="•"/>
+            </a:pPr>
+            <a:r>
+              <a:rPr lang="en-US" dirty="0">
+                <a:solidFill>
+                  <a:schemeClr val="tx1"/>
+                </a:solidFill>
+              </a:rPr>
+              <a:t>T. Chen and Y. Wu, "Development of smart bicycle parking system," in 2018 IEEE 5th International Conference on Smart Instrumentation, Measurement and Applications (ICSIMA), 2018, pp. 139-142</a:t>
+            </a:r>
+            <a:r>
+              <a:rPr lang="en-US" dirty="0" smtClean="0">
+                <a:solidFill>
+                  <a:schemeClr val="tx1"/>
+                </a:solidFill>
+              </a:rPr>
+              <a:t>.</a:t>
+            </a:r>
+          </a:p>
+          <a:p>
+            <a:pPr marL="285750" indent="-285750" algn="just">
+              <a:buFont typeface="Arial" panose="020B0604020202020204" pitchFamily="34" charset="0"/>
+              <a:buChar char="•"/>
+            </a:pPr>
+            <a:r>
+              <a:rPr lang="en-US" dirty="0">
+                <a:solidFill>
+                  <a:schemeClr val="tx1"/>
+                </a:solidFill>
+              </a:rPr>
+              <a:t>A. J. </a:t>
+            </a:r>
+            <a:r>
+              <a:rPr lang="en-US" dirty="0" err="1">
+                <a:solidFill>
+                  <a:schemeClr val="tx1"/>
+                </a:solidFill>
+              </a:rPr>
+              <a:t>Haider</a:t>
+            </a:r>
+            <a:r>
+              <a:rPr lang="en-US" dirty="0">
+                <a:solidFill>
+                  <a:schemeClr val="tx1"/>
+                </a:solidFill>
+              </a:rPr>
+              <a:t>, N. M. Nor, and F. M. Ali, "Smart bicycle parking system using RFID," in 2019 IEEE 15th International Colloquium on Signal Processing &amp; Its Applications (CSPA), 2019, pp. 176-181</a:t>
+            </a:r>
+            <a:r>
+              <a:rPr lang="en-US" dirty="0" smtClean="0">
+                <a:solidFill>
+                  <a:schemeClr val="tx1"/>
+                </a:solidFill>
+              </a:rPr>
+              <a:t>.</a:t>
+            </a:r>
+          </a:p>
+          <a:p>
+            <a:pPr marL="285750" indent="-285750" algn="just">
+              <a:buFont typeface="Arial" panose="020B0604020202020204" pitchFamily="34" charset="0"/>
+              <a:buChar char="•"/>
+            </a:pPr>
+            <a:r>
+              <a:rPr lang="en-US" dirty="0">
+                <a:solidFill>
+                  <a:schemeClr val="tx1"/>
+                </a:solidFill>
+              </a:rPr>
+              <a:t>S. V. </a:t>
+            </a:r>
+            <a:r>
+              <a:rPr lang="en-US" dirty="0" err="1">
+                <a:solidFill>
+                  <a:schemeClr val="tx1"/>
+                </a:solidFill>
+              </a:rPr>
+              <a:t>Upadhye</a:t>
+            </a:r>
+            <a:r>
+              <a:rPr lang="en-US" dirty="0">
+                <a:solidFill>
+                  <a:schemeClr val="tx1"/>
+                </a:solidFill>
+              </a:rPr>
+              <a:t>, S. R. Joshi, and S. S. </a:t>
+            </a:r>
+            <a:r>
+              <a:rPr lang="en-US" dirty="0" err="1">
+                <a:solidFill>
+                  <a:schemeClr val="tx1"/>
+                </a:solidFill>
+              </a:rPr>
+              <a:t>Soman</a:t>
+            </a:r>
+            <a:r>
+              <a:rPr lang="en-US" dirty="0">
+                <a:solidFill>
+                  <a:schemeClr val="tx1"/>
+                </a:solidFill>
+              </a:rPr>
+              <a:t>, "Smart bike parking system using Arduino and cloud computing," in 2020 4th International Conference on Intelligent Computing and Control Systems (ICICCS), 2020, pp. 1061-1065</a:t>
+            </a:r>
+            <a:r>
+              <a:rPr lang="en-US" dirty="0" smtClean="0">
+                <a:solidFill>
+                  <a:schemeClr val="tx1"/>
+                </a:solidFill>
+              </a:rPr>
+              <a:t>.</a:t>
+            </a:r>
+          </a:p>
+          <a:p>
+            <a:pPr marL="285750" indent="-285750" algn="just">
+              <a:buFont typeface="Arial" panose="020B0604020202020204" pitchFamily="34" charset="0"/>
+              <a:buChar char="•"/>
+            </a:pPr>
+            <a:r>
+              <a:rPr lang="en-US" dirty="0">
+                <a:solidFill>
+                  <a:schemeClr val="tx1"/>
+                </a:solidFill>
+              </a:rPr>
+              <a:t>T. Lu and Q. Wang, "Design and implementation of smart parking system based on internet of things," in 2018 IEEE 5th International Conference on Cloud Computing and Intelligence Systems (CCIS), 2018, pp. 19-23</a:t>
+            </a:r>
+          </a:p>
+        </p:txBody>
+      </p:sp>
+    </p:spTree>
+    <p:extLst>
+      <p:ext uri="{BB962C8B-B14F-4D97-AF65-F5344CB8AC3E}">
+        <p14:creationId xmlns:p14="http://schemas.microsoft.com/office/powerpoint/2010/main" val="1912365043"/>
+      </p:ext>
+    </p:extLst>
+  </p:cSld>
+  <p:clrMapOvr>
+    <a:masterClrMapping/>
+  </p:clrMapOvr>
+  <mc:AlternateContent xmlns:mc="http://schemas.openxmlformats.org/markup-compatibility/2006" xmlns:p14="http://schemas.microsoft.com/office/powerpoint/2010/main">
+    <mc:Choice Requires="p14">
+      <p:transition spd="slow" p14:dur="800">
+        <p:circle/>
+      </p:transition>
+    </mc:Choice>
+    <mc:Fallback xmlns="">
+      <p:transition spd="slow">
+        <p:circle/>
+      </p:transition>
+    </mc:Fallback>
+  </mc:AlternateContent>
+  <p:timing>
+    <p:tnLst>
+      <p:par>
+        <p:cTn id="1" dur="indefinite" restart="never" nodeType="tmRoot"/>
+      </p:par>
+    </p:tnLst>
+  </p:timing>
+</p:sld>
+</file>
+
+<file path=ppt/slides/slide11.xml><?xml version="1.0" encoding="utf-8"?>
+<p:sld xmlns:a="http://schemas.openxmlformats.org/drawingml/2006/main" xmlns:r="http://schemas.openxmlformats.org/officeDocument/2006/relationships" xmlns:p="http://schemas.openxmlformats.org/presentationml/2006/main">
+  <p:cSld>
+    <p:spTree>
+      <p:nvGrpSpPr>
+        <p:cNvPr id="1" name=""/>
+        <p:cNvGrpSpPr/>
+        <p:nvPr/>
+      </p:nvGrpSpPr>
+      <p:grpSpPr>
+        <a:xfrm>
+          <a:off x="0" y="0"/>
+          <a:ext cx="0" cy="0"/>
+          <a:chOff x="0" y="0"/>
+          <a:chExt cx="0" cy="0"/>
+        </a:xfrm>
+      </p:grpSpPr>
+      <p:sp>
+        <p:nvSpPr>
           <p:cNvPr id="4" name="Rectangle 3"/>
           <p:cNvSpPr/>
           <p:nvPr/>
@@ -5705,13 +6035,13 @@
   <p:clrMapOvr>
     <a:masterClrMapping/>
   </p:clrMapOvr>
-  <mc:AlternateContent xmlns:mc="http://schemas.openxmlformats.org/markup-compatibility/2006">
-    <mc:Choice xmlns:p14="http://schemas.microsoft.com/office/powerpoint/2010/main" Requires="p14">
+  <mc:AlternateContent xmlns:mc="http://schemas.openxmlformats.org/markup-compatibility/2006" xmlns:p14="http://schemas.microsoft.com/office/powerpoint/2010/main">
+    <mc:Choice Requires="p14">
       <p:transition spd="slow" p14:dur="800">
         <p:circle/>
       </p:transition>
     </mc:Choice>
-    <mc:Fallback>
+    <mc:Fallback xmlns="">
       <p:transition spd="slow">
         <p:circle/>
       </p:transition>
@@ -6153,13 +6483,13 @@
   <p:clrMapOvr>
     <a:masterClrMapping/>
   </p:clrMapOvr>
-  <mc:AlternateContent xmlns:mc="http://schemas.openxmlformats.org/markup-compatibility/2006">
-    <mc:Choice xmlns:p14="http://schemas.microsoft.com/office/powerpoint/2010/main" Requires="p14">
+  <mc:AlternateContent xmlns:mc="http://schemas.openxmlformats.org/markup-compatibility/2006" xmlns:p14="http://schemas.microsoft.com/office/powerpoint/2010/main">
+    <mc:Choice Requires="p14">
       <p:transition spd="slow" p14:dur="800">
         <p:circle/>
       </p:transition>
     </mc:Choice>
-    <mc:Fallback>
+    <mc:Fallback xmlns="">
       <p:transition spd="slow">
         <p:circle/>
       </p:transition>
@@ -6245,7 +6575,7 @@
           </a:bodyPr>
           <a:lstStyle/>
           <a:p>
-            <a:pPr marL="285750" indent="-285750">
+            <a:pPr marL="285750" indent="-285750" algn="just">
               <a:lnSpc>
                 <a:spcPct val="150000"/>
               </a:lnSpc>
@@ -6262,7 +6592,7 @@
             </a:r>
           </a:p>
           <a:p>
-            <a:pPr marL="285750" indent="-285750">
+            <a:pPr marL="285750" indent="-285750" algn="just">
               <a:lnSpc>
                 <a:spcPct val="150000"/>
               </a:lnSpc>
@@ -6295,7 +6625,7 @@
             </a:r>
           </a:p>
           <a:p>
-            <a:pPr marL="285750" indent="-285750">
+            <a:pPr marL="285750" indent="-285750" algn="just">
               <a:lnSpc>
                 <a:spcPct val="150000"/>
               </a:lnSpc>
@@ -6332,7 +6662,7 @@
             </a:r>
           </a:p>
           <a:p>
-            <a:pPr marL="285750" indent="-285750">
+            <a:pPr marL="285750" indent="-285750" algn="just">
               <a:lnSpc>
                 <a:spcPct val="150000"/>
               </a:lnSpc>
@@ -6357,7 +6687,7 @@
             </a:r>
           </a:p>
           <a:p>
-            <a:pPr marL="285750" indent="-285750">
+            <a:pPr marL="285750" indent="-285750" algn="just">
               <a:lnSpc>
                 <a:spcPct val="150000"/>
               </a:lnSpc>
@@ -6385,13 +6715,13 @@
   <p:clrMapOvr>
     <a:masterClrMapping/>
   </p:clrMapOvr>
-  <mc:AlternateContent xmlns:mc="http://schemas.openxmlformats.org/markup-compatibility/2006">
-    <mc:Choice xmlns:p14="http://schemas.microsoft.com/office/powerpoint/2010/main" Requires="p14">
+  <mc:AlternateContent xmlns:mc="http://schemas.openxmlformats.org/markup-compatibility/2006" xmlns:p14="http://schemas.microsoft.com/office/powerpoint/2010/main">
+    <mc:Choice Requires="p14">
       <p:transition spd="slow" p14:dur="800">
         <p:circle/>
       </p:transition>
     </mc:Choice>
-    <mc:Fallback>
+    <mc:Fallback xmlns="">
       <p:transition spd="slow">
         <p:circle/>
       </p:transition>
@@ -6670,6 +7000,76 @@
           </a:p>
         </p:txBody>
       </p:sp>
+      <p:sp>
+        <p:nvSpPr>
+          <p:cNvPr id="3" name="TextBox 2"/>
+          <p:cNvSpPr txBox="1"/>
+          <p:nvPr/>
+        </p:nvSpPr>
+        <p:spPr>
+          <a:xfrm>
+            <a:off x="990594" y="5874328"/>
+            <a:ext cx="9975273" cy="738664"/>
+          </a:xfrm>
+          <a:prstGeom prst="rect">
+            <a:avLst/>
+          </a:prstGeom>
+          <a:noFill/>
+        </p:spPr>
+        <p:txBody>
+          <a:bodyPr wrap="square" rtlCol="0">
+            <a:spAutoFit/>
+          </a:bodyPr>
+          <a:lstStyle/>
+          <a:p>
+            <a:pPr algn="just"/>
+            <a:r>
+              <a:rPr lang="en-US" sz="1400" dirty="0" smtClean="0"/>
+              <a:t>Ref: </a:t>
+            </a:r>
+            <a:r>
+              <a:rPr lang="en-US" sz="1400" dirty="0" err="1" smtClean="0"/>
+              <a:t>Hidayat</a:t>
+            </a:r>
+            <a:r>
+              <a:rPr lang="en-US" sz="1400" dirty="0"/>
+              <a:t>, I. A. </a:t>
+            </a:r>
+            <a:r>
+              <a:rPr lang="en-US" sz="1400" dirty="0" err="1"/>
+              <a:t>Handayani</a:t>
+            </a:r>
+            <a:r>
+              <a:rPr lang="en-US" sz="1400" dirty="0"/>
+              <a:t>, and I. </a:t>
+            </a:r>
+            <a:r>
+              <a:rPr lang="en-US" sz="1400" dirty="0" err="1"/>
+              <a:t>Purnama</a:t>
+            </a:r>
+            <a:r>
+              <a:rPr lang="en-US" sz="1400" dirty="0"/>
+              <a:t>, "Design and implementation of smart parking system using </a:t>
+            </a:r>
+            <a:r>
+              <a:rPr lang="en-US" sz="1400" dirty="0" err="1"/>
+              <a:t>arduino</a:t>
+            </a:r>
+            <a:r>
+              <a:rPr lang="en-US" sz="1400" dirty="0"/>
+              <a:t>," in 2020 International Conference on Information Management and Technology (</a:t>
+            </a:r>
+            <a:r>
+              <a:rPr lang="en-US" sz="1400" dirty="0" err="1"/>
+              <a:t>ICIMTech</a:t>
+            </a:r>
+            <a:r>
+              <a:rPr lang="en-US" sz="1400" dirty="0"/>
+              <a:t>), 2020, pp. 1-5</a:t>
+            </a:r>
+          </a:p>
+        </p:txBody>
+      </p:sp>
     </p:spTree>
     <p:extLst>
       <p:ext uri="{BB962C8B-B14F-4D97-AF65-F5344CB8AC3E}">
@@ -6680,13 +7080,13 @@
   <p:clrMapOvr>
     <a:masterClrMapping/>
   </p:clrMapOvr>
-  <mc:AlternateContent xmlns:mc="http://schemas.openxmlformats.org/markup-compatibility/2006">
-    <mc:Choice xmlns:p14="http://schemas.microsoft.com/office/powerpoint/2010/main" Requires="p14">
+  <mc:AlternateContent xmlns:mc="http://schemas.openxmlformats.org/markup-compatibility/2006" xmlns:p14="http://schemas.microsoft.com/office/powerpoint/2010/main">
+    <mc:Choice Requires="p14">
       <p:transition spd="slow" p14:dur="800">
         <p:circle/>
       </p:transition>
     </mc:Choice>
-    <mc:Fallback>
+    <mc:Fallback xmlns="">
       <p:transition spd="slow">
         <p:circle/>
       </p:transition>
@@ -6763,13 +7163,13 @@
   <p:clrMapOvr>
     <a:masterClrMapping/>
   </p:clrMapOvr>
-  <mc:AlternateContent xmlns:mc="http://schemas.openxmlformats.org/markup-compatibility/2006">
-    <mc:Choice xmlns:p14="http://schemas.microsoft.com/office/powerpoint/2010/main" Requires="p14">
+  <mc:AlternateContent xmlns:mc="http://schemas.openxmlformats.org/markup-compatibility/2006" xmlns:p14="http://schemas.microsoft.com/office/powerpoint/2010/main">
+    <mc:Choice Requires="p14">
       <p:transition spd="slow" p14:dur="800">
         <p:circle/>
       </p:transition>
     </mc:Choice>
-    <mc:Fallback>
+    <mc:Fallback xmlns="">
       <p:transition spd="slow">
         <p:circle/>
       </p:transition>
@@ -6858,7 +7258,7 @@
           </a:bodyPr>
           <a:lstStyle/>
           <a:p>
-            <a:pPr marL="342900" indent="-342900">
+            <a:pPr marL="342900" indent="-342900" algn="just">
               <a:lnSpc>
                 <a:spcPct val="200000"/>
               </a:lnSpc>
@@ -6883,7 +7283,7 @@
             </a:r>
           </a:p>
           <a:p>
-            <a:pPr marL="342900" indent="-342900">
+            <a:pPr marL="342900" indent="-342900" algn="just">
               <a:lnSpc>
                 <a:spcPct val="200000"/>
               </a:lnSpc>
@@ -6908,7 +7308,7 @@
             </a:r>
           </a:p>
           <a:p>
-            <a:pPr marL="342900" indent="-342900">
+            <a:pPr marL="342900" indent="-342900" algn="just">
               <a:lnSpc>
                 <a:spcPct val="200000"/>
               </a:lnSpc>
@@ -6933,7 +7333,7 @@
             </a:r>
           </a:p>
           <a:p>
-            <a:pPr marL="342900" indent="-342900">
+            <a:pPr marL="342900" indent="-342900" algn="just">
               <a:lnSpc>
                 <a:spcPct val="200000"/>
               </a:lnSpc>
@@ -6963,7 +7363,7 @@
             <a:endParaRPr lang="en-US" sz="2400" dirty="0" smtClean="0"/>
           </a:p>
           <a:p>
-            <a:pPr marL="342900" indent="-342900">
+            <a:pPr marL="342900" indent="-342900" algn="just">
               <a:lnSpc>
                 <a:spcPct val="200000"/>
               </a:lnSpc>
@@ -6987,6 +7387,40 @@
                 <a:schemeClr val="tx1"/>
               </a:solidFill>
             </a:endParaRPr>
+          </a:p>
+        </p:txBody>
+      </p:sp>
+      <p:sp>
+        <p:nvSpPr>
+          <p:cNvPr id="4" name="TextBox 3"/>
+          <p:cNvSpPr txBox="1"/>
+          <p:nvPr/>
+        </p:nvSpPr>
+        <p:spPr>
+          <a:xfrm>
+            <a:off x="739630" y="5821942"/>
+            <a:ext cx="9989128" cy="523220"/>
+          </a:xfrm>
+          <a:prstGeom prst="rect">
+            <a:avLst/>
+          </a:prstGeom>
+          <a:noFill/>
+        </p:spPr>
+        <p:txBody>
+          <a:bodyPr wrap="square" rtlCol="0">
+            <a:spAutoFit/>
+          </a:bodyPr>
+          <a:lstStyle/>
+          <a:p>
+            <a:pPr algn="just"/>
+            <a:r>
+              <a:rPr lang="en-US" sz="1400" dirty="0" smtClean="0"/>
+              <a:t>Ref: T</a:t>
+            </a:r>
+            <a:r>
+              <a:rPr lang="en-US" sz="1400" dirty="0"/>
+              <a:t>. Chen and Y. Wu, "Development of smart bicycle parking system," in 2018 IEEE 5th International Conference on Smart Instrumentation, Measurement and Applications (ICSIMA), 2018, pp. 139-142.</a:t>
+            </a:r>
           </a:p>
         </p:txBody>
       </p:sp>
@@ -7000,13 +7434,13 @@
   <p:clrMapOvr>
     <a:masterClrMapping/>
   </p:clrMapOvr>
-  <mc:AlternateContent xmlns:mc="http://schemas.openxmlformats.org/markup-compatibility/2006">
-    <mc:Choice xmlns:p14="http://schemas.microsoft.com/office/powerpoint/2010/main" Requires="p14">
+  <mc:AlternateContent xmlns:mc="http://schemas.openxmlformats.org/markup-compatibility/2006" xmlns:p14="http://schemas.microsoft.com/office/powerpoint/2010/main">
+    <mc:Choice Requires="p14">
       <p:transition spd="slow" p14:dur="800">
         <p:circle/>
       </p:transition>
     </mc:Choice>
-    <mc:Fallback>
+    <mc:Fallback xmlns="">
       <p:transition spd="slow">
         <p:circle/>
       </p:transition>
@@ -7169,6 +7603,31 @@
             </a:endParaRPr>
           </a:p>
           <a:p>
+            <a:pPr marL="342900" indent="-342900" algn="just">
+              <a:lnSpc>
+                <a:spcPct val="170000"/>
+              </a:lnSpc>
+              <a:buFont typeface="Arial" panose="020B0604020202020204" pitchFamily="34" charset="0"/>
+              <a:buChar char="•"/>
+            </a:pPr>
+            <a:r>
+              <a:rPr lang="en-US" sz="9600" dirty="0">
+                <a:solidFill>
+                  <a:schemeClr val="tx1"/>
+                </a:solidFill>
+              </a:rPr>
+              <a:t>User </a:t>
+            </a:r>
+            <a:r>
+              <a:rPr lang="en-US" sz="9600" dirty="0" smtClean="0">
+                <a:solidFill>
+                  <a:schemeClr val="tx1"/>
+                </a:solidFill>
+              </a:rPr>
+              <a:t>Interface</a:t>
+            </a:r>
+          </a:p>
+          <a:p>
             <a:pPr marL="342900" indent="-342900">
               <a:lnSpc>
                 <a:spcPct val="170000"/>
@@ -7182,7 +7641,7 @@
                   <a:schemeClr val="tx1"/>
                 </a:solidFill>
               </a:rPr>
-              <a:t>User </a:t>
+              <a:t>Energy </a:t>
             </a:r>
             <a:r>
               <a:rPr lang="en-US" sz="9600" dirty="0" smtClean="0">
@@ -7190,8 +7649,13 @@
                   <a:schemeClr val="tx1"/>
                 </a:solidFill>
               </a:rPr>
-              <a:t>Interface</a:t>
-            </a:r>
+              <a:t>Efficiency</a:t>
+            </a:r>
+            <a:endParaRPr lang="en-US" sz="9600" dirty="0">
+              <a:solidFill>
+                <a:schemeClr val="tx1"/>
+              </a:solidFill>
+            </a:endParaRPr>
           </a:p>
           <a:p>
             <a:pPr marL="342900" indent="-342900">
@@ -7207,7 +7671,7 @@
                   <a:schemeClr val="tx1"/>
                 </a:solidFill>
               </a:rPr>
-              <a:t>Energy </a:t>
+              <a:t>Maintenance and </a:t>
             </a:r>
             <a:r>
               <a:rPr lang="en-US" sz="9600" dirty="0" smtClean="0">
@@ -7215,13 +7679,8 @@
                   <a:schemeClr val="tx1"/>
                 </a:solidFill>
               </a:rPr>
-              <a:t>Efficiency</a:t>
-            </a:r>
-            <a:endParaRPr lang="en-US" sz="9600" dirty="0">
-              <a:solidFill>
-                <a:schemeClr val="tx1"/>
-              </a:solidFill>
-            </a:endParaRPr>
+              <a:t>Management</a:t>
+            </a:r>
           </a:p>
           <a:p>
             <a:pPr marL="342900" indent="-342900">
@@ -7237,31 +7696,6 @@
                   <a:schemeClr val="tx1"/>
                 </a:solidFill>
               </a:rPr>
-              <a:t>Maintenance and </a:t>
-            </a:r>
-            <a:r>
-              <a:rPr lang="en-US" sz="9600" dirty="0" smtClean="0">
-                <a:solidFill>
-                  <a:schemeClr val="tx1"/>
-                </a:solidFill>
-              </a:rPr>
-              <a:t>Management</a:t>
-            </a:r>
-          </a:p>
-          <a:p>
-            <a:pPr marL="342900" indent="-342900">
-              <a:lnSpc>
-                <a:spcPct val="170000"/>
-              </a:lnSpc>
-              <a:buFont typeface="Arial" panose="020B0604020202020204" pitchFamily="34" charset="0"/>
-              <a:buChar char="•"/>
-            </a:pPr>
-            <a:r>
-              <a:rPr lang="en-US" sz="9600" dirty="0">
-                <a:solidFill>
-                  <a:schemeClr val="tx1"/>
-                </a:solidFill>
-              </a:rPr>
               <a:t>Real-World </a:t>
             </a:r>
             <a:r>
@@ -7285,6 +7719,50 @@
                 <a:schemeClr val="tx1"/>
               </a:solidFill>
             </a:endParaRPr>
+          </a:p>
+        </p:txBody>
+      </p:sp>
+      <p:sp>
+        <p:nvSpPr>
+          <p:cNvPr id="4" name="TextBox 3"/>
+          <p:cNvSpPr txBox="1"/>
+          <p:nvPr/>
+        </p:nvSpPr>
+        <p:spPr>
+          <a:xfrm>
+            <a:off x="1482436" y="5846617"/>
+            <a:ext cx="8672946" cy="707886"/>
+          </a:xfrm>
+          <a:prstGeom prst="rect">
+            <a:avLst/>
+          </a:prstGeom>
+          <a:noFill/>
+        </p:spPr>
+        <p:txBody>
+          <a:bodyPr wrap="square" rtlCol="0">
+            <a:spAutoFit/>
+          </a:bodyPr>
+          <a:lstStyle/>
+          <a:p>
+            <a:r>
+              <a:rPr lang="en-US" sz="1400" dirty="0" smtClean="0"/>
+              <a:t>Ref: A</a:t>
+            </a:r>
+            <a:r>
+              <a:rPr lang="en-US" sz="1400" dirty="0"/>
+              <a:t>. J. </a:t>
+            </a:r>
+            <a:r>
+              <a:rPr lang="en-US" sz="1400" dirty="0" err="1"/>
+              <a:t>Haider</a:t>
+            </a:r>
+            <a:r>
+              <a:rPr lang="en-US" sz="1400" dirty="0"/>
+              <a:t>, N. M. Nor, and F. M. Ali, "Smart bicycle parking system using RFID," in 2019 IEEE 15th International Colloquium on Signal Processing &amp; Its Applications (CSPA), 2019, pp. 176-181.</a:t>
+            </a:r>
+          </a:p>
+          <a:p>
+            <a:endParaRPr lang="en-US" sz="1200" dirty="0"/>
           </a:p>
         </p:txBody>
       </p:sp>
@@ -7298,13 +7776,13 @@
   <p:clrMapOvr>
     <a:masterClrMapping/>
   </p:clrMapOvr>
-  <mc:AlternateContent xmlns:mc="http://schemas.openxmlformats.org/markup-compatibility/2006">
-    <mc:Choice xmlns:p14="http://schemas.microsoft.com/office/powerpoint/2010/main" Requires="p14">
+  <mc:AlternateContent xmlns:mc="http://schemas.openxmlformats.org/markup-compatibility/2006" xmlns:p14="http://schemas.microsoft.com/office/powerpoint/2010/main">
+    <mc:Choice Requires="p14">
       <p:transition spd="slow" p14:dur="800">
         <p:circle/>
       </p:transition>
     </mc:Choice>
-    <mc:Fallback>
+    <mc:Fallback xmlns="">
       <p:transition spd="slow">
         <p:circle/>
       </p:transition>
@@ -7395,7 +7873,7 @@
           </a:bodyPr>
           <a:lstStyle/>
           <a:p>
-            <a:pPr marL="285750" indent="-285750">
+            <a:pPr marL="285750" indent="-285750" algn="just">
               <a:lnSpc>
                 <a:spcPct val="150000"/>
               </a:lnSpc>
@@ -7425,7 +7903,7 @@
             </a:endParaRPr>
           </a:p>
           <a:p>
-            <a:pPr marL="285750" indent="-285750">
+            <a:pPr marL="285750" indent="-285750" algn="just">
               <a:lnSpc>
                 <a:spcPct val="150000"/>
               </a:lnSpc>
@@ -7455,7 +7933,7 @@
             </a:endParaRPr>
           </a:p>
           <a:p>
-            <a:pPr marL="285750" indent="-285750">
+            <a:pPr marL="285750" indent="-285750" algn="just">
               <a:lnSpc>
                 <a:spcPct val="150000"/>
               </a:lnSpc>
@@ -7485,7 +7963,7 @@
             <a:endParaRPr lang="en-US" sz="2400" dirty="0" smtClean="0"/>
           </a:p>
           <a:p>
-            <a:pPr marL="285750" indent="-285750">
+            <a:pPr marL="285750" indent="-285750" algn="just">
               <a:lnSpc>
                 <a:spcPct val="150000"/>
               </a:lnSpc>
@@ -7510,7 +7988,7 @@
             </a:r>
           </a:p>
           <a:p>
-            <a:pPr marL="285750" indent="-285750">
+            <a:pPr marL="285750" indent="-285750" algn="just">
               <a:lnSpc>
                 <a:spcPct val="150000"/>
               </a:lnSpc>
@@ -7527,7 +8005,7 @@
             </a:r>
           </a:p>
           <a:p>
-            <a:pPr marL="285750" indent="-285750">
+            <a:pPr marL="285750" indent="-285750" algn="just">
               <a:lnSpc>
                 <a:spcPct val="150000"/>
               </a:lnSpc>
@@ -7555,6 +8033,58 @@
                 <a:schemeClr val="tx1"/>
               </a:solidFill>
             </a:endParaRPr>
+          </a:p>
+        </p:txBody>
+      </p:sp>
+      <p:sp>
+        <p:nvSpPr>
+          <p:cNvPr id="4" name="TextBox 3"/>
+          <p:cNvSpPr txBox="1"/>
+          <p:nvPr/>
+        </p:nvSpPr>
+        <p:spPr>
+          <a:xfrm>
+            <a:off x="1454726" y="5680364"/>
+            <a:ext cx="9919855" cy="738664"/>
+          </a:xfrm>
+          <a:prstGeom prst="rect">
+            <a:avLst/>
+          </a:prstGeom>
+          <a:noFill/>
+        </p:spPr>
+        <p:txBody>
+          <a:bodyPr wrap="square" rtlCol="0">
+            <a:spAutoFit/>
+          </a:bodyPr>
+          <a:lstStyle/>
+          <a:p>
+            <a:r>
+              <a:rPr lang="en-US" sz="1400" dirty="0" smtClean="0"/>
+              <a:t>Ref: S</a:t>
+            </a:r>
+            <a:r>
+              <a:rPr lang="en-US" sz="1400" dirty="0"/>
+              <a:t>. V. </a:t>
+            </a:r>
+            <a:r>
+              <a:rPr lang="en-US" sz="1400" dirty="0" err="1"/>
+              <a:t>Upadhye</a:t>
+            </a:r>
+            <a:r>
+              <a:rPr lang="en-US" sz="1400" dirty="0"/>
+              <a:t>, S. R. Joshi, and S. S. </a:t>
+            </a:r>
+            <a:r>
+              <a:rPr lang="en-US" sz="1400" dirty="0" err="1"/>
+              <a:t>Soman</a:t>
+            </a:r>
+            <a:r>
+              <a:rPr lang="en-US" sz="1400" dirty="0"/>
+              <a:t>, "Smart bike parking system using Arduino and cloud computing," in 2020 4th International Conference on Intelligent Computing and Control Systems (ICICCS), 2020, pp. 1061-1065.</a:t>
+            </a:r>
+          </a:p>
+          <a:p>
+            <a:endParaRPr lang="en-US" sz="1400" dirty="0"/>
           </a:p>
         </p:txBody>
       </p:sp>
@@ -7568,13 +8098,13 @@
   <p:clrMapOvr>
     <a:masterClrMapping/>
   </p:clrMapOvr>
-  <mc:AlternateContent xmlns:mc="http://schemas.openxmlformats.org/markup-compatibility/2006">
-    <mc:Choice xmlns:p14="http://schemas.microsoft.com/office/powerpoint/2010/main" Requires="p14">
+  <mc:AlternateContent xmlns:mc="http://schemas.openxmlformats.org/markup-compatibility/2006" xmlns:p14="http://schemas.microsoft.com/office/powerpoint/2010/main">
+    <mc:Choice Requires="p14">
       <p:transition spd="slow" p14:dur="800">
         <p:circle/>
       </p:transition>
     </mc:Choice>
-    <mc:Fallback>
+    <mc:Fallback xmlns="">
       <p:transition spd="slow">
         <p:circle/>
       </p:transition>
@@ -7619,8 +8149,8 @@
         </p:nvSpPr>
         <p:spPr>
           <a:xfrm>
-            <a:off x="393267" y="263236"/>
-            <a:ext cx="8534401" cy="838419"/>
+            <a:off x="434829" y="318654"/>
+            <a:ext cx="8534401" cy="713727"/>
           </a:xfrm>
         </p:spPr>
         <p:txBody>
@@ -7633,7 +8163,7 @@
             </a:pPr>
             <a:r>
               <a:rPr lang="en-US" dirty="0"/>
-              <a:t>references</a:t>
+              <a:t>Future Detection</a:t>
             </a:r>
           </a:p>
         </p:txBody>
@@ -7650,8 +8180,8 @@
         </p:nvSpPr>
         <p:spPr>
           <a:xfrm>
-            <a:off x="1002868" y="1295399"/>
-            <a:ext cx="8534400" cy="3304309"/>
+            <a:off x="1196831" y="1378527"/>
+            <a:ext cx="8534400" cy="1498600"/>
           </a:xfrm>
         </p:spPr>
         <p:txBody>
@@ -7660,225 +8190,126 @@
           </a:bodyPr>
           <a:lstStyle/>
           <a:p>
-            <a:pPr marL="285750" indent="-285750">
-              <a:buFont typeface="Arial" panose="020B0604020202020204" pitchFamily="34" charset="0"/>
-              <a:buChar char="•"/>
+            <a:pPr marL="285750" indent="-285750" algn="just">
+              <a:buFont typeface="Wingdings" panose="05000000000000000000" pitchFamily="2" charset="2"/>
+              <a:buChar char="Ø"/>
             </a:pPr>
             <a:r>
-              <a:rPr lang="en-US" dirty="0" err="1" smtClean="0">
-                <a:solidFill>
-                  <a:schemeClr val="tx1"/>
-                </a:solidFill>
-              </a:rPr>
-              <a:t>Hidayat</a:t>
-            </a:r>
-            <a:r>
-              <a:rPr lang="en-US" dirty="0">
-                <a:solidFill>
-                  <a:schemeClr val="tx1"/>
-                </a:solidFill>
-              </a:rPr>
-              <a:t>, I. A. </a:t>
-            </a:r>
-            <a:r>
-              <a:rPr lang="en-US" dirty="0" err="1">
-                <a:solidFill>
-                  <a:schemeClr val="tx1"/>
-                </a:solidFill>
-              </a:rPr>
-              <a:t>Handayani</a:t>
-            </a:r>
-            <a:r>
-              <a:rPr lang="en-US" dirty="0">
-                <a:solidFill>
-                  <a:schemeClr val="tx1"/>
-                </a:solidFill>
-              </a:rPr>
-              <a:t>, and I. </a:t>
-            </a:r>
-            <a:r>
-              <a:rPr lang="en-US" dirty="0" err="1">
-                <a:solidFill>
-                  <a:schemeClr val="tx1"/>
-                </a:solidFill>
-              </a:rPr>
-              <a:t>Purnama</a:t>
-            </a:r>
-            <a:r>
-              <a:rPr lang="en-US" dirty="0">
-                <a:solidFill>
-                  <a:schemeClr val="tx1"/>
-                </a:solidFill>
-              </a:rPr>
-              <a:t>, "Design and implementation of smart parking system using </a:t>
-            </a:r>
-            <a:r>
-              <a:rPr lang="en-US" dirty="0" err="1">
-                <a:solidFill>
-                  <a:schemeClr val="tx1"/>
-                </a:solidFill>
-              </a:rPr>
-              <a:t>arduino</a:t>
-            </a:r>
-            <a:r>
-              <a:rPr lang="en-US" dirty="0">
-                <a:solidFill>
-                  <a:schemeClr val="tx1"/>
-                </a:solidFill>
-              </a:rPr>
-              <a:t>," in 2020 International Conference on Information Management and Technology (</a:t>
-            </a:r>
-            <a:r>
-              <a:rPr lang="en-US" dirty="0" err="1">
-                <a:solidFill>
-                  <a:schemeClr val="tx1"/>
-                </a:solidFill>
-              </a:rPr>
-              <a:t>ICIMTech</a:t>
-            </a:r>
-            <a:r>
-              <a:rPr lang="en-US" dirty="0">
-                <a:solidFill>
-                  <a:schemeClr val="tx1"/>
-                </a:solidFill>
-              </a:rPr>
-              <a:t>), 2020, pp. </a:t>
-            </a:r>
-            <a:r>
-              <a:rPr lang="en-US" dirty="0" smtClean="0">
-                <a:solidFill>
-                  <a:schemeClr val="tx1"/>
-                </a:solidFill>
-              </a:rPr>
-              <a:t>1-5</a:t>
-            </a:r>
-          </a:p>
-          <a:p>
-            <a:pPr marL="285750" indent="-285750">
-              <a:buFont typeface="Arial" panose="020B0604020202020204" pitchFamily="34" charset="0"/>
-              <a:buChar char="•"/>
+              <a:rPr lang="en-US" sz="2400" dirty="0">
+                <a:solidFill>
+                  <a:schemeClr val="tx1"/>
+                </a:solidFill>
+              </a:rPr>
+              <a:t>Addition of sensors to detect the presence of bikes in </a:t>
+            </a:r>
+            <a:r>
+              <a:rPr lang="en-US" sz="2400" dirty="0" smtClean="0">
+                <a:solidFill>
+                  <a:schemeClr val="tx1"/>
+                </a:solidFill>
+              </a:rPr>
+              <a:t>real-time</a:t>
+            </a:r>
+          </a:p>
+          <a:p>
+            <a:pPr marL="285750" indent="-285750" algn="just">
+              <a:buFont typeface="Wingdings" panose="05000000000000000000" pitchFamily="2" charset="2"/>
+              <a:buChar char="Ø"/>
             </a:pPr>
             <a:r>
-              <a:rPr lang="en-US" dirty="0">
-                <a:solidFill>
-                  <a:schemeClr val="tx1"/>
-                </a:solidFill>
-              </a:rPr>
-              <a:t>T. Chen and Y. Wu, "Development of smart bicycle parking system," in 2018 IEEE 5th International Conference on Smart Instrumentation, Measurement and Applications (ICSIMA), 2018, pp. 139-142</a:t>
-            </a:r>
-            <a:r>
-              <a:rPr lang="en-US" dirty="0" smtClean="0">
-                <a:solidFill>
-                  <a:schemeClr val="tx1"/>
-                </a:solidFill>
-              </a:rPr>
-              <a:t>.</a:t>
-            </a:r>
-          </a:p>
-          <a:p>
-            <a:pPr marL="285750" indent="-285750">
-              <a:buFont typeface="Arial" panose="020B0604020202020204" pitchFamily="34" charset="0"/>
-              <a:buChar char="•"/>
+              <a:rPr lang="en-US" sz="2400" dirty="0">
+                <a:solidFill>
+                  <a:schemeClr val="tx1"/>
+                </a:solidFill>
+              </a:rPr>
+              <a:t>Integration with a mobile app to allow users to reserve parking spaces in </a:t>
+            </a:r>
+            <a:r>
+              <a:rPr lang="en-US" sz="2400" dirty="0" err="1" smtClean="0">
+                <a:solidFill>
+                  <a:schemeClr val="tx1"/>
+                </a:solidFill>
+              </a:rPr>
+              <a:t>advance</a:t>
+            </a:r>
+            <a:r>
+              <a:rPr lang="en-US" sz="2400" dirty="0" err="1" smtClean="0"/>
+              <a:t>I</a:t>
+            </a:r>
+            <a:endParaRPr lang="en-US" sz="2400" dirty="0" smtClean="0"/>
+          </a:p>
+          <a:p>
+            <a:pPr marL="285750" indent="-285750" algn="just">
+              <a:buFont typeface="Wingdings" panose="05000000000000000000" pitchFamily="2" charset="2"/>
+              <a:buChar char="Ø"/>
             </a:pPr>
             <a:r>
-              <a:rPr lang="en-US" dirty="0">
-                <a:solidFill>
-                  <a:schemeClr val="tx1"/>
-                </a:solidFill>
-              </a:rPr>
-              <a:t>A. J. </a:t>
-            </a:r>
-            <a:r>
-              <a:rPr lang="en-US" dirty="0" err="1">
-                <a:solidFill>
-                  <a:schemeClr val="tx1"/>
-                </a:solidFill>
-              </a:rPr>
-              <a:t>Haider</a:t>
-            </a:r>
-            <a:r>
-              <a:rPr lang="en-US" dirty="0">
-                <a:solidFill>
-                  <a:schemeClr val="tx1"/>
-                </a:solidFill>
-              </a:rPr>
-              <a:t>, N. M. Nor, and F. M. Ali, "Smart bicycle parking system using RFID," in 2019 IEEE 15th International Colloquium on Signal Processing &amp; Its Applications (CSPA), 2019, pp. 176-181</a:t>
-            </a:r>
-            <a:r>
-              <a:rPr lang="en-US" dirty="0" smtClean="0">
-                <a:solidFill>
-                  <a:schemeClr val="tx1"/>
-                </a:solidFill>
-              </a:rPr>
-              <a:t>.</a:t>
-            </a:r>
-          </a:p>
-          <a:p>
-            <a:pPr marL="285750" indent="-285750">
-              <a:buFont typeface="Arial" panose="020B0604020202020204" pitchFamily="34" charset="0"/>
-              <a:buChar char="•"/>
+              <a:rPr lang="en-US" sz="2400" dirty="0">
+                <a:solidFill>
+                  <a:schemeClr val="tx1"/>
+                </a:solidFill>
+              </a:rPr>
+              <a:t>Implementation of machine learning algorithms to optimize parking space allocation and improve user </a:t>
+            </a:r>
+            <a:r>
+              <a:rPr lang="en-US" sz="2400" dirty="0" err="1">
+                <a:solidFill>
+                  <a:schemeClr val="tx1"/>
+                </a:solidFill>
+              </a:rPr>
+              <a:t>experiencemplementation</a:t>
+            </a:r>
+            <a:r>
+              <a:rPr lang="en-US" sz="2400" dirty="0">
+                <a:solidFill>
+                  <a:schemeClr val="tx1"/>
+                </a:solidFill>
+              </a:rPr>
+              <a:t> of machine learning algorithms to </a:t>
+            </a:r>
+            <a:r>
+              <a:rPr lang="en-US" sz="2400" dirty="0" smtClean="0">
+                <a:solidFill>
+                  <a:schemeClr val="tx1"/>
+                </a:solidFill>
+              </a:rPr>
+              <a:t>optimize</a:t>
+            </a:r>
+          </a:p>
+          <a:p>
+            <a:pPr marL="285750" indent="-285750" algn="just">
+              <a:buFont typeface="Wingdings" panose="05000000000000000000" pitchFamily="2" charset="2"/>
+              <a:buChar char="Ø"/>
             </a:pPr>
             <a:r>
-              <a:rPr lang="en-US" dirty="0">
-                <a:solidFill>
-                  <a:schemeClr val="tx1"/>
-                </a:solidFill>
-              </a:rPr>
-              <a:t>S. V. </a:t>
-            </a:r>
-            <a:r>
-              <a:rPr lang="en-US" dirty="0" err="1">
-                <a:solidFill>
-                  <a:schemeClr val="tx1"/>
-                </a:solidFill>
-              </a:rPr>
-              <a:t>Upadhye</a:t>
-            </a:r>
-            <a:r>
-              <a:rPr lang="en-US" dirty="0">
-                <a:solidFill>
-                  <a:schemeClr val="tx1"/>
-                </a:solidFill>
-              </a:rPr>
-              <a:t>, S. R. Joshi, and S. S. </a:t>
-            </a:r>
-            <a:r>
-              <a:rPr lang="en-US" dirty="0" err="1">
-                <a:solidFill>
-                  <a:schemeClr val="tx1"/>
-                </a:solidFill>
-              </a:rPr>
-              <a:t>Soman</a:t>
-            </a:r>
-            <a:r>
-              <a:rPr lang="en-US" dirty="0">
-                <a:solidFill>
-                  <a:schemeClr val="tx1"/>
-                </a:solidFill>
-              </a:rPr>
-              <a:t>, "Smart bike parking system using Arduino and cloud computing," in 2020 4th International Conference on Intelligent Computing and Control Systems (ICICCS), 2020, pp. 1061-1065</a:t>
-            </a:r>
-            <a:r>
-              <a:rPr lang="en-US" dirty="0" smtClean="0">
-                <a:solidFill>
-                  <a:schemeClr val="tx1"/>
-                </a:solidFill>
-              </a:rPr>
-              <a:t>.</a:t>
-            </a:r>
-          </a:p>
-          <a:p>
-            <a:pPr marL="285750" indent="-285750">
-              <a:buFont typeface="Arial" panose="020B0604020202020204" pitchFamily="34" charset="0"/>
-              <a:buChar char="•"/>
+              <a:rPr lang="en-US" sz="2400" dirty="0">
+                <a:solidFill>
+                  <a:schemeClr val="tx1"/>
+                </a:solidFill>
+              </a:rPr>
+              <a:t>Integration with a payment system to allow for automatic billing and </a:t>
+            </a:r>
+            <a:r>
+              <a:rPr lang="en-US" sz="2400" dirty="0" smtClean="0">
+                <a:solidFill>
+                  <a:schemeClr val="tx1"/>
+                </a:solidFill>
+              </a:rPr>
+              <a:t>payment</a:t>
+            </a:r>
+          </a:p>
+          <a:p>
+            <a:pPr marL="285750" indent="-285750" algn="just">
+              <a:buFont typeface="Wingdings" panose="05000000000000000000" pitchFamily="2" charset="2"/>
+              <a:buChar char="Ø"/>
             </a:pPr>
             <a:r>
-              <a:rPr lang="en-US" dirty="0">
-                <a:solidFill>
-                  <a:schemeClr val="tx1"/>
-                </a:solidFill>
-              </a:rPr>
-              <a:t>T. Lu and Q. Wang, "Design and implementation of smart parking system based on internet of things," in 2018 IEEE 5th International Conference on Cloud Computing and Intelligence Systems (CCIS), 2018, pp. 19-23</a:t>
+              <a:rPr lang="en-US" sz="2400" dirty="0">
+                <a:solidFill>
+                  <a:schemeClr val="tx1"/>
+                </a:solidFill>
+              </a:rPr>
+              <a:t>Integration with a weather API to provide real-time weather information to users</a:t>
             </a:r>
           </a:p>
         </p:txBody>
@@ -7886,7 +8317,7 @@
     </p:spTree>
     <p:extLst>
       <p:ext uri="{BB962C8B-B14F-4D97-AF65-F5344CB8AC3E}">
-        <p14:creationId xmlns:p14="http://schemas.microsoft.com/office/powerpoint/2010/main" val="1912365043"/>
+        <p14:creationId xmlns:p14="http://schemas.microsoft.com/office/powerpoint/2010/main" val="1547102429"/>
       </p:ext>
     </p:extLst>
   </p:cSld>
@@ -7895,13 +8326,13 @@
   </p:clrMapOvr>
   <mc:AlternateContent xmlns:mc="http://schemas.openxmlformats.org/markup-compatibility/2006">
     <mc:Choice xmlns:p14="http://schemas.microsoft.com/office/powerpoint/2010/main" Requires="p14">
-      <p:transition spd="slow" p14:dur="800">
-        <p:circle/>
+      <p:transition spd="slow" p14:dur="1500">
+        <p:split orient="vert"/>
       </p:transition>
     </mc:Choice>
     <mc:Fallback>
       <p:transition spd="slow">
-        <p:circle/>
+        <p:split orient="vert"/>
       </p:transition>
     </mc:Fallback>
   </mc:AlternateContent>

--- a/Technical_Presentation.pptx
+++ b/Technical_Presentation.pptx
@@ -4,6 +4,9 @@
   <p:sldMasterIdLst>
     <p:sldMasterId id="2147483804" r:id="rId1"/>
   </p:sldMasterIdLst>
+  <p:notesMasterIdLst>
+    <p:notesMasterId r:id="rId13"/>
+  </p:notesMasterIdLst>
   <p:sldIdLst>
     <p:sldId id="256" r:id="rId2"/>
     <p:sldId id="257" r:id="rId3"/>
@@ -122,6 +125,440 @@
 </p:presentation>
 </file>
 
+<file path=ppt/notesMasters/notesMaster1.xml><?xml version="1.0" encoding="utf-8"?>
+<p:notesMaster xmlns:a="http://schemas.openxmlformats.org/drawingml/2006/main" xmlns:r="http://schemas.openxmlformats.org/officeDocument/2006/relationships" xmlns:p="http://schemas.openxmlformats.org/presentationml/2006/main">
+  <p:cSld>
+    <p:bg>
+      <p:bgRef idx="1001">
+        <a:schemeClr val="bg1"/>
+      </p:bgRef>
+    </p:bg>
+    <p:spTree>
+      <p:nvGrpSpPr>
+        <p:cNvPr id="1" name=""/>
+        <p:cNvGrpSpPr/>
+        <p:nvPr/>
+      </p:nvGrpSpPr>
+      <p:grpSpPr>
+        <a:xfrm>
+          <a:off x="0" y="0"/>
+          <a:ext cx="0" cy="0"/>
+          <a:chOff x="0" y="0"/>
+          <a:chExt cx="0" cy="0"/>
+        </a:xfrm>
+      </p:grpSpPr>
+      <p:sp>
+        <p:nvSpPr>
+          <p:cNvPr id="2" name="Header Placeholder 1"/>
+          <p:cNvSpPr>
+            <a:spLocks noGrp="1"/>
+          </p:cNvSpPr>
+          <p:nvPr>
+            <p:ph type="hdr" sz="quarter"/>
+          </p:nvPr>
+        </p:nvSpPr>
+        <p:spPr>
+          <a:xfrm>
+            <a:off x="0" y="0"/>
+            <a:ext cx="2971800" cy="458788"/>
+          </a:xfrm>
+          <a:prstGeom prst="rect">
+            <a:avLst/>
+          </a:prstGeom>
+        </p:spPr>
+        <p:txBody>
+          <a:bodyPr vert="horz" lIns="91440" tIns="45720" rIns="91440" bIns="45720" rtlCol="0"/>
+          <a:lstStyle>
+            <a:lvl1pPr algn="l">
+              <a:defRPr sz="1200"/>
+            </a:lvl1pPr>
+          </a:lstStyle>
+          <a:p>
+            <a:endParaRPr lang="en-US"/>
+          </a:p>
+        </p:txBody>
+      </p:sp>
+      <p:sp>
+        <p:nvSpPr>
+          <p:cNvPr id="3" name="Date Placeholder 2"/>
+          <p:cNvSpPr>
+            <a:spLocks noGrp="1"/>
+          </p:cNvSpPr>
+          <p:nvPr>
+            <p:ph type="dt" idx="1"/>
+          </p:nvPr>
+        </p:nvSpPr>
+        <p:spPr>
+          <a:xfrm>
+            <a:off x="3884613" y="0"/>
+            <a:ext cx="2971800" cy="458788"/>
+          </a:xfrm>
+          <a:prstGeom prst="rect">
+            <a:avLst/>
+          </a:prstGeom>
+        </p:spPr>
+        <p:txBody>
+          <a:bodyPr vert="horz" lIns="91440" tIns="45720" rIns="91440" bIns="45720" rtlCol="0"/>
+          <a:lstStyle>
+            <a:lvl1pPr algn="r">
+              <a:defRPr sz="1200"/>
+            </a:lvl1pPr>
+          </a:lstStyle>
+          <a:p>
+            <a:fld id="{73AF30B8-D933-408C-976F-DBBC08E67133}" type="datetimeFigureOut">
+              <a:rPr lang="en-US" smtClean="0"/>
+              <a:t>05-Apr-23</a:t>
+            </a:fld>
+            <a:endParaRPr lang="en-US"/>
+          </a:p>
+        </p:txBody>
+      </p:sp>
+      <p:sp>
+        <p:nvSpPr>
+          <p:cNvPr id="4" name="Slide Image Placeholder 3"/>
+          <p:cNvSpPr>
+            <a:spLocks noGrp="1" noRot="1" noChangeAspect="1"/>
+          </p:cNvSpPr>
+          <p:nvPr>
+            <p:ph type="sldImg" idx="2"/>
+          </p:nvPr>
+        </p:nvSpPr>
+        <p:spPr>
+          <a:xfrm>
+            <a:off x="685800" y="1143000"/>
+            <a:ext cx="5486400" cy="3086100"/>
+          </a:xfrm>
+          <a:prstGeom prst="rect">
+            <a:avLst/>
+          </a:prstGeom>
+          <a:noFill/>
+          <a:ln w="12700">
+            <a:solidFill>
+              <a:prstClr val="black"/>
+            </a:solidFill>
+          </a:ln>
+        </p:spPr>
+        <p:txBody>
+          <a:bodyPr vert="horz" lIns="91440" tIns="45720" rIns="91440" bIns="45720" rtlCol="0" anchor="ctr"/>
+          <a:lstStyle/>
+          <a:p>
+            <a:endParaRPr lang="en-US"/>
+          </a:p>
+        </p:txBody>
+      </p:sp>
+      <p:sp>
+        <p:nvSpPr>
+          <p:cNvPr id="5" name="Notes Placeholder 4"/>
+          <p:cNvSpPr>
+            <a:spLocks noGrp="1"/>
+          </p:cNvSpPr>
+          <p:nvPr>
+            <p:ph type="body" sz="quarter" idx="3"/>
+          </p:nvPr>
+        </p:nvSpPr>
+        <p:spPr>
+          <a:xfrm>
+            <a:off x="685800" y="4400550"/>
+            <a:ext cx="5486400" cy="3600450"/>
+          </a:xfrm>
+          <a:prstGeom prst="rect">
+            <a:avLst/>
+          </a:prstGeom>
+        </p:spPr>
+        <p:txBody>
+          <a:bodyPr vert="horz" lIns="91440" tIns="45720" rIns="91440" bIns="45720" rtlCol="0"/>
+          <a:lstStyle/>
+          <a:p>
+            <a:pPr lvl="0"/>
+            <a:r>
+              <a:rPr lang="en-US" smtClean="0"/>
+              <a:t>Click to edit Master text styles</a:t>
+            </a:r>
+          </a:p>
+          <a:p>
+            <a:pPr lvl="1"/>
+            <a:r>
+              <a:rPr lang="en-US" smtClean="0"/>
+              <a:t>Second level</a:t>
+            </a:r>
+          </a:p>
+          <a:p>
+            <a:pPr lvl="2"/>
+            <a:r>
+              <a:rPr lang="en-US" smtClean="0"/>
+              <a:t>Third level</a:t>
+            </a:r>
+          </a:p>
+          <a:p>
+            <a:pPr lvl="3"/>
+            <a:r>
+              <a:rPr lang="en-US" smtClean="0"/>
+              <a:t>Fourth level</a:t>
+            </a:r>
+          </a:p>
+          <a:p>
+            <a:pPr lvl="4"/>
+            <a:r>
+              <a:rPr lang="en-US" smtClean="0"/>
+              <a:t>Fifth level</a:t>
+            </a:r>
+            <a:endParaRPr lang="en-US"/>
+          </a:p>
+        </p:txBody>
+      </p:sp>
+      <p:sp>
+        <p:nvSpPr>
+          <p:cNvPr id="6" name="Footer Placeholder 5"/>
+          <p:cNvSpPr>
+            <a:spLocks noGrp="1"/>
+          </p:cNvSpPr>
+          <p:nvPr>
+            <p:ph type="ftr" sz="quarter" idx="4"/>
+          </p:nvPr>
+        </p:nvSpPr>
+        <p:spPr>
+          <a:xfrm>
+            <a:off x="0" y="8685213"/>
+            <a:ext cx="2971800" cy="458787"/>
+          </a:xfrm>
+          <a:prstGeom prst="rect">
+            <a:avLst/>
+          </a:prstGeom>
+        </p:spPr>
+        <p:txBody>
+          <a:bodyPr vert="horz" lIns="91440" tIns="45720" rIns="91440" bIns="45720" rtlCol="0" anchor="b"/>
+          <a:lstStyle>
+            <a:lvl1pPr algn="l">
+              <a:defRPr sz="1200"/>
+            </a:lvl1pPr>
+          </a:lstStyle>
+          <a:p>
+            <a:endParaRPr lang="en-US"/>
+          </a:p>
+        </p:txBody>
+      </p:sp>
+      <p:sp>
+        <p:nvSpPr>
+          <p:cNvPr id="7" name="Slide Number Placeholder 6"/>
+          <p:cNvSpPr>
+            <a:spLocks noGrp="1"/>
+          </p:cNvSpPr>
+          <p:nvPr>
+            <p:ph type="sldNum" sz="quarter" idx="5"/>
+          </p:nvPr>
+        </p:nvSpPr>
+        <p:spPr>
+          <a:xfrm>
+            <a:off x="3884613" y="8685213"/>
+            <a:ext cx="2971800" cy="458787"/>
+          </a:xfrm>
+          <a:prstGeom prst="rect">
+            <a:avLst/>
+          </a:prstGeom>
+        </p:spPr>
+        <p:txBody>
+          <a:bodyPr vert="horz" lIns="91440" tIns="45720" rIns="91440" bIns="45720" rtlCol="0" anchor="b"/>
+          <a:lstStyle>
+            <a:lvl1pPr algn="r">
+              <a:defRPr sz="1200"/>
+            </a:lvl1pPr>
+          </a:lstStyle>
+          <a:p>
+            <a:fld id="{6FD24EE5-5E74-4B95-9047-736A2D64CDBA}" type="slidenum">
+              <a:rPr lang="en-US" smtClean="0"/>
+              <a:t>‹#›</a:t>
+            </a:fld>
+            <a:endParaRPr lang="en-US"/>
+          </a:p>
+        </p:txBody>
+      </p:sp>
+    </p:spTree>
+    <p:extLst>
+      <p:ext uri="{BB962C8B-B14F-4D97-AF65-F5344CB8AC3E}">
+        <p14:creationId xmlns:p14="http://schemas.microsoft.com/office/powerpoint/2010/main" val="2711461121"/>
+      </p:ext>
+    </p:extLst>
+  </p:cSld>
+  <p:clrMap bg1="lt1" tx1="dk1" bg2="lt2" tx2="dk2" accent1="accent1" accent2="accent2" accent3="accent3" accent4="accent4" accent5="accent5" accent6="accent6" hlink="hlink" folHlink="folHlink"/>
+  <p:notesStyle>
+    <a:lvl1pPr marL="0" algn="l" defTabSz="914400" rtl="0" eaLnBrk="1" latinLnBrk="0" hangingPunct="1">
+      <a:defRPr sz="1200" kern="1200">
+        <a:solidFill>
+          <a:schemeClr val="tx1"/>
+        </a:solidFill>
+        <a:latin typeface="+mn-lt"/>
+        <a:ea typeface="+mn-ea"/>
+        <a:cs typeface="+mn-cs"/>
+      </a:defRPr>
+    </a:lvl1pPr>
+    <a:lvl2pPr marL="457200" algn="l" defTabSz="914400" rtl="0" eaLnBrk="1" latinLnBrk="0" hangingPunct="1">
+      <a:defRPr sz="1200" kern="1200">
+        <a:solidFill>
+          <a:schemeClr val="tx1"/>
+        </a:solidFill>
+        <a:latin typeface="+mn-lt"/>
+        <a:ea typeface="+mn-ea"/>
+        <a:cs typeface="+mn-cs"/>
+      </a:defRPr>
+    </a:lvl2pPr>
+    <a:lvl3pPr marL="914400" algn="l" defTabSz="914400" rtl="0" eaLnBrk="1" latinLnBrk="0" hangingPunct="1">
+      <a:defRPr sz="1200" kern="1200">
+        <a:solidFill>
+          <a:schemeClr val="tx1"/>
+        </a:solidFill>
+        <a:latin typeface="+mn-lt"/>
+        <a:ea typeface="+mn-ea"/>
+        <a:cs typeface="+mn-cs"/>
+      </a:defRPr>
+    </a:lvl3pPr>
+    <a:lvl4pPr marL="1371600" algn="l" defTabSz="914400" rtl="0" eaLnBrk="1" latinLnBrk="0" hangingPunct="1">
+      <a:defRPr sz="1200" kern="1200">
+        <a:solidFill>
+          <a:schemeClr val="tx1"/>
+        </a:solidFill>
+        <a:latin typeface="+mn-lt"/>
+        <a:ea typeface="+mn-ea"/>
+        <a:cs typeface="+mn-cs"/>
+      </a:defRPr>
+    </a:lvl4pPr>
+    <a:lvl5pPr marL="1828800" algn="l" defTabSz="914400" rtl="0" eaLnBrk="1" latinLnBrk="0" hangingPunct="1">
+      <a:defRPr sz="1200" kern="1200">
+        <a:solidFill>
+          <a:schemeClr val="tx1"/>
+        </a:solidFill>
+        <a:latin typeface="+mn-lt"/>
+        <a:ea typeface="+mn-ea"/>
+        <a:cs typeface="+mn-cs"/>
+      </a:defRPr>
+    </a:lvl5pPr>
+    <a:lvl6pPr marL="2286000" algn="l" defTabSz="914400" rtl="0" eaLnBrk="1" latinLnBrk="0" hangingPunct="1">
+      <a:defRPr sz="1200" kern="1200">
+        <a:solidFill>
+          <a:schemeClr val="tx1"/>
+        </a:solidFill>
+        <a:latin typeface="+mn-lt"/>
+        <a:ea typeface="+mn-ea"/>
+        <a:cs typeface="+mn-cs"/>
+      </a:defRPr>
+    </a:lvl6pPr>
+    <a:lvl7pPr marL="2743200" algn="l" defTabSz="914400" rtl="0" eaLnBrk="1" latinLnBrk="0" hangingPunct="1">
+      <a:defRPr sz="1200" kern="1200">
+        <a:solidFill>
+          <a:schemeClr val="tx1"/>
+        </a:solidFill>
+        <a:latin typeface="+mn-lt"/>
+        <a:ea typeface="+mn-ea"/>
+        <a:cs typeface="+mn-cs"/>
+      </a:defRPr>
+    </a:lvl7pPr>
+    <a:lvl8pPr marL="3200400" algn="l" defTabSz="914400" rtl="0" eaLnBrk="1" latinLnBrk="0" hangingPunct="1">
+      <a:defRPr sz="1200" kern="1200">
+        <a:solidFill>
+          <a:schemeClr val="tx1"/>
+        </a:solidFill>
+        <a:latin typeface="+mn-lt"/>
+        <a:ea typeface="+mn-ea"/>
+        <a:cs typeface="+mn-cs"/>
+      </a:defRPr>
+    </a:lvl8pPr>
+    <a:lvl9pPr marL="3657600" algn="l" defTabSz="914400" rtl="0" eaLnBrk="1" latinLnBrk="0" hangingPunct="1">
+      <a:defRPr sz="1200" kern="1200">
+        <a:solidFill>
+          <a:schemeClr val="tx1"/>
+        </a:solidFill>
+        <a:latin typeface="+mn-lt"/>
+        <a:ea typeface="+mn-ea"/>
+        <a:cs typeface="+mn-cs"/>
+      </a:defRPr>
+    </a:lvl9pPr>
+  </p:notesStyle>
+</p:notesMaster>
+</file>
+
+<file path=ppt/notesSlides/notesSlide1.xml><?xml version="1.0" encoding="utf-8"?>
+<p:notes xmlns:a="http://schemas.openxmlformats.org/drawingml/2006/main" xmlns:r="http://schemas.openxmlformats.org/officeDocument/2006/relationships" xmlns:p="http://schemas.openxmlformats.org/presentationml/2006/main">
+  <p:cSld>
+    <p:spTree>
+      <p:nvGrpSpPr>
+        <p:cNvPr id="1" name=""/>
+        <p:cNvGrpSpPr/>
+        <p:nvPr/>
+      </p:nvGrpSpPr>
+      <p:grpSpPr>
+        <a:xfrm>
+          <a:off x="0" y="0"/>
+          <a:ext cx="0" cy="0"/>
+          <a:chOff x="0" y="0"/>
+          <a:chExt cx="0" cy="0"/>
+        </a:xfrm>
+      </p:grpSpPr>
+      <p:sp>
+        <p:nvSpPr>
+          <p:cNvPr id="2" name="Slide Image Placeholder 1"/>
+          <p:cNvSpPr>
+            <a:spLocks noGrp="1" noRot="1" noChangeAspect="1"/>
+          </p:cNvSpPr>
+          <p:nvPr>
+            <p:ph type="sldImg"/>
+          </p:nvPr>
+        </p:nvSpPr>
+        <p:spPr/>
+      </p:sp>
+      <p:sp>
+        <p:nvSpPr>
+          <p:cNvPr id="3" name="Notes Placeholder 2"/>
+          <p:cNvSpPr>
+            <a:spLocks noGrp="1"/>
+          </p:cNvSpPr>
+          <p:nvPr>
+            <p:ph type="body" idx="1"/>
+          </p:nvPr>
+        </p:nvSpPr>
+        <p:spPr/>
+        <p:txBody>
+          <a:bodyPr/>
+          <a:lstStyle/>
+          <a:p>
+            <a:endParaRPr lang="en-US"/>
+          </a:p>
+        </p:txBody>
+      </p:sp>
+      <p:sp>
+        <p:nvSpPr>
+          <p:cNvPr id="4" name="Slide Number Placeholder 3"/>
+          <p:cNvSpPr>
+            <a:spLocks noGrp="1"/>
+          </p:cNvSpPr>
+          <p:nvPr>
+            <p:ph type="sldNum" sz="quarter" idx="10"/>
+          </p:nvPr>
+        </p:nvSpPr>
+        <p:spPr/>
+        <p:txBody>
+          <a:bodyPr/>
+          <a:lstStyle/>
+          <a:p>
+            <a:fld id="{6FD24EE5-5E74-4B95-9047-736A2D64CDBA}" type="slidenum">
+              <a:rPr lang="en-US" smtClean="0"/>
+              <a:t>7</a:t>
+            </a:fld>
+            <a:endParaRPr lang="en-US"/>
+          </a:p>
+        </p:txBody>
+      </p:sp>
+    </p:spTree>
+    <p:extLst>
+      <p:ext uri="{BB962C8B-B14F-4D97-AF65-F5344CB8AC3E}">
+        <p14:creationId xmlns:p14="http://schemas.microsoft.com/office/powerpoint/2010/main" val="3836772949"/>
+      </p:ext>
+    </p:extLst>
+  </p:cSld>
+  <p:clrMapOvr>
+    <a:masterClrMapping/>
+  </p:clrMapOvr>
+</p:notes>
+</file>
+
 <file path=ppt/slideLayouts/slideLayout1.xml><?xml version="1.0" encoding="utf-8"?>
 <p:sldLayout xmlns:a="http://schemas.openxmlformats.org/drawingml/2006/main" xmlns:r="http://schemas.openxmlformats.org/officeDocument/2006/relationships" xmlns:p="http://schemas.openxmlformats.org/presentationml/2006/main" showMasterSp="0" type="title" preserve="1">
   <p:cSld name="Title Slide">
@@ -311,9 +748,9 @@
           <a:bodyPr/>
           <a:lstStyle/>
           <a:p>
-            <a:fld id="{6C23B92F-20AE-4E44-960E-0CA91C58AFD0}" type="datetimeFigureOut">
-              <a:rPr lang="en-US" smtClean="0"/>
-              <a:t>4/5/2023</a:t>
+            <a:fld id="{9186B021-B8F2-4F03-899C-F7AD055E79E4}" type="datetime1">
+              <a:rPr lang="en-US" smtClean="0"/>
+              <a:t>05-Apr-23</a:t>
             </a:fld>
             <a:endParaRPr lang="en-US"/>
           </a:p>
@@ -747,9 +1184,9 @@
           <a:bodyPr/>
           <a:lstStyle/>
           <a:p>
-            <a:fld id="{6C23B92F-20AE-4E44-960E-0CA91C58AFD0}" type="datetimeFigureOut">
-              <a:rPr lang="en-US" smtClean="0"/>
-              <a:t>4/5/2023</a:t>
+            <a:fld id="{117E37C5-7BBE-4C3E-BEC5-BE230BCFA7EC}" type="datetime1">
+              <a:rPr lang="en-US" smtClean="0"/>
+              <a:t>05-Apr-23</a:t>
             </a:fld>
             <a:endParaRPr lang="en-US"/>
           </a:p>
@@ -997,9 +1434,9 @@
           <a:bodyPr/>
           <a:lstStyle/>
           <a:p>
-            <a:fld id="{6C23B92F-20AE-4E44-960E-0CA91C58AFD0}" type="datetimeFigureOut">
-              <a:rPr lang="en-US" smtClean="0"/>
-              <a:t>4/5/2023</a:t>
+            <a:fld id="{32B14739-F164-41D4-BF3C-E71D6E33F864}" type="datetime1">
+              <a:rPr lang="en-US" smtClean="0"/>
+              <a:t>05-Apr-23</a:t>
             </a:fld>
             <a:endParaRPr lang="en-US"/>
           </a:p>
@@ -1305,9 +1742,9 @@
           <a:bodyPr/>
           <a:lstStyle/>
           <a:p>
-            <a:fld id="{6C23B92F-20AE-4E44-960E-0CA91C58AFD0}" type="datetimeFigureOut">
-              <a:rPr lang="en-US" smtClean="0"/>
-              <a:t>4/5/2023</a:t>
+            <a:fld id="{2BD94CF9-4BCC-484B-9E12-5D13B18F2E85}" type="datetime1">
+              <a:rPr lang="en-US" smtClean="0"/>
+              <a:t>05-Apr-23</a:t>
             </a:fld>
             <a:endParaRPr lang="en-US"/>
           </a:p>
@@ -1623,9 +2060,9 @@
           <a:bodyPr/>
           <a:lstStyle/>
           <a:p>
-            <a:fld id="{6C23B92F-20AE-4E44-960E-0CA91C58AFD0}" type="datetimeFigureOut">
-              <a:rPr lang="en-US" smtClean="0"/>
-              <a:t>4/5/2023</a:t>
+            <a:fld id="{AA41A08A-5B1A-4688-9AD1-6EC67CEA56AB}" type="datetime1">
+              <a:rPr lang="en-US" smtClean="0"/>
+              <a:t>05-Apr-23</a:t>
             </a:fld>
             <a:endParaRPr lang="en-US"/>
           </a:p>
@@ -1925,9 +2362,9 @@
           <a:bodyPr/>
           <a:lstStyle/>
           <a:p>
-            <a:fld id="{6C23B92F-20AE-4E44-960E-0CA91C58AFD0}" type="datetimeFigureOut">
-              <a:rPr lang="en-US" smtClean="0"/>
-              <a:t>4/5/2023</a:t>
+            <a:fld id="{09852903-8885-487A-A5A5-AC8D50F789C6}" type="datetime1">
+              <a:rPr lang="en-US" smtClean="0"/>
+              <a:t>05-Apr-23</a:t>
             </a:fld>
             <a:endParaRPr lang="en-US"/>
           </a:p>
@@ -2292,9 +2729,9 @@
           <a:bodyPr/>
           <a:lstStyle/>
           <a:p>
-            <a:fld id="{6C23B92F-20AE-4E44-960E-0CA91C58AFD0}" type="datetimeFigureOut">
-              <a:rPr lang="en-US" smtClean="0"/>
-              <a:t>4/5/2023</a:t>
+            <a:fld id="{B0C0FE1F-490C-4B5A-8D45-8B225C5E338A}" type="datetime1">
+              <a:rPr lang="en-US" smtClean="0"/>
+              <a:t>05-Apr-23</a:t>
             </a:fld>
             <a:endParaRPr lang="en-US"/>
           </a:p>
@@ -2466,9 +2903,9 @@
           <a:bodyPr/>
           <a:lstStyle/>
           <a:p>
-            <a:fld id="{6C23B92F-20AE-4E44-960E-0CA91C58AFD0}" type="datetimeFigureOut">
-              <a:rPr lang="en-US" smtClean="0"/>
-              <a:t>4/5/2023</a:t>
+            <a:fld id="{9CC34605-E69F-43D5-B171-D03DD3BC5667}" type="datetime1">
+              <a:rPr lang="en-US" smtClean="0"/>
+              <a:t>05-Apr-23</a:t>
             </a:fld>
             <a:endParaRPr lang="en-US"/>
           </a:p>
@@ -2646,9 +3083,9 @@
           <a:bodyPr/>
           <a:lstStyle/>
           <a:p>
-            <a:fld id="{6C23B92F-20AE-4E44-960E-0CA91C58AFD0}" type="datetimeFigureOut">
-              <a:rPr lang="en-US" smtClean="0"/>
-              <a:t>4/5/2023</a:t>
+            <a:fld id="{97B3FC99-5B7A-4C6F-823B-9CF3F0093F23}" type="datetime1">
+              <a:rPr lang="en-US" smtClean="0"/>
+              <a:t>05-Apr-23</a:t>
             </a:fld>
             <a:endParaRPr lang="en-US"/>
           </a:p>
@@ -2816,9 +3253,9 @@
           <a:bodyPr/>
           <a:lstStyle/>
           <a:p>
-            <a:fld id="{6C23B92F-20AE-4E44-960E-0CA91C58AFD0}" type="datetimeFigureOut">
-              <a:rPr lang="en-US" smtClean="0"/>
-              <a:t>4/5/2023</a:t>
+            <a:fld id="{ABA07866-4BF4-4C33-8D68-DB2F0FD4EAD8}" type="datetime1">
+              <a:rPr lang="en-US" smtClean="0"/>
+              <a:t>05-Apr-23</a:t>
             </a:fld>
             <a:endParaRPr lang="en-US"/>
           </a:p>
@@ -3066,9 +3503,9 @@
           <a:bodyPr/>
           <a:lstStyle/>
           <a:p>
-            <a:fld id="{6C23B92F-20AE-4E44-960E-0CA91C58AFD0}" type="datetimeFigureOut">
-              <a:rPr lang="en-US" smtClean="0"/>
-              <a:t>4/5/2023</a:t>
+            <a:fld id="{B7ED7ECC-AB7A-41E4-8D9F-316C01D26FB0}" type="datetime1">
+              <a:rPr lang="en-US" smtClean="0"/>
+              <a:t>05-Apr-23</a:t>
             </a:fld>
             <a:endParaRPr lang="en-US"/>
           </a:p>
@@ -3302,9 +3739,9 @@
           <a:bodyPr/>
           <a:lstStyle/>
           <a:p>
-            <a:fld id="{6C23B92F-20AE-4E44-960E-0CA91C58AFD0}" type="datetimeFigureOut">
-              <a:rPr lang="en-US" smtClean="0"/>
-              <a:t>4/5/2023</a:t>
+            <a:fld id="{C21F7B11-7C71-447D-928B-84CF48E2E827}" type="datetime1">
+              <a:rPr lang="en-US" smtClean="0"/>
+              <a:t>05-Apr-23</a:t>
             </a:fld>
             <a:endParaRPr lang="en-US"/>
           </a:p>
@@ -3684,9 +4121,9 @@
           <a:bodyPr/>
           <a:lstStyle/>
           <a:p>
-            <a:fld id="{6C23B92F-20AE-4E44-960E-0CA91C58AFD0}" type="datetimeFigureOut">
-              <a:rPr lang="en-US" smtClean="0"/>
-              <a:t>4/5/2023</a:t>
+            <a:fld id="{803F8766-5ABC-4595-9D12-7531A7449CF6}" type="datetime1">
+              <a:rPr lang="en-US" smtClean="0"/>
+              <a:t>05-Apr-23</a:t>
             </a:fld>
             <a:endParaRPr lang="en-US"/>
           </a:p>
@@ -3802,9 +4239,9 @@
           <a:bodyPr/>
           <a:lstStyle/>
           <a:p>
-            <a:fld id="{6C23B92F-20AE-4E44-960E-0CA91C58AFD0}" type="datetimeFigureOut">
-              <a:rPr lang="en-US" smtClean="0"/>
-              <a:t>4/5/2023</a:t>
+            <a:fld id="{FAB7F100-14C6-41C6-825D-C6D56BC606FE}" type="datetime1">
+              <a:rPr lang="en-US" smtClean="0"/>
+              <a:t>05-Apr-23</a:t>
             </a:fld>
             <a:endParaRPr lang="en-US"/>
           </a:p>
@@ -3897,9 +4334,9 @@
           <a:bodyPr/>
           <a:lstStyle/>
           <a:p>
-            <a:fld id="{6C23B92F-20AE-4E44-960E-0CA91C58AFD0}" type="datetimeFigureOut">
-              <a:rPr lang="en-US" smtClean="0"/>
-              <a:t>4/5/2023</a:t>
+            <a:fld id="{F5620918-E68B-4A66-BACB-ABA40885BD1C}" type="datetime1">
+              <a:rPr lang="en-US" smtClean="0"/>
+              <a:t>05-Apr-23</a:t>
             </a:fld>
             <a:endParaRPr lang="en-US"/>
           </a:p>
@@ -4152,9 +4589,9 @@
           <a:bodyPr/>
           <a:lstStyle/>
           <a:p>
-            <a:fld id="{6C23B92F-20AE-4E44-960E-0CA91C58AFD0}" type="datetimeFigureOut">
-              <a:rPr lang="en-US" smtClean="0"/>
-              <a:t>4/5/2023</a:t>
+            <a:fld id="{FD3F74B2-2996-406D-88AA-634D10C54E05}" type="datetime1">
+              <a:rPr lang="en-US" smtClean="0"/>
+              <a:t>05-Apr-23</a:t>
             </a:fld>
             <a:endParaRPr lang="en-US"/>
           </a:p>
@@ -4435,9 +4872,9 @@
           <a:bodyPr/>
           <a:lstStyle/>
           <a:p>
-            <a:fld id="{6C23B92F-20AE-4E44-960E-0CA91C58AFD0}" type="datetimeFigureOut">
-              <a:rPr lang="en-US" smtClean="0"/>
-              <a:t>4/5/2023</a:t>
+            <a:fld id="{D578A6D0-EDC3-48A3-A56A-AF13FEB73109}" type="datetime1">
+              <a:rPr lang="en-US" smtClean="0"/>
+              <a:t>05-Apr-23</a:t>
             </a:fld>
             <a:endParaRPr lang="en-US"/>
           </a:p>
@@ -4841,9 +5278,9 @@
             </a:lvl1pPr>
           </a:lstStyle>
           <a:p>
-            <a:fld id="{6C23B92F-20AE-4E44-960E-0CA91C58AFD0}" type="datetimeFigureOut">
-              <a:rPr lang="en-US" smtClean="0"/>
-              <a:t>4/5/2023</a:t>
+            <a:fld id="{CE849682-7B51-4EE2-A481-D2923CF8C6C2}" type="datetime1">
+              <a:rPr lang="en-US" smtClean="0"/>
+              <a:t>05-Apr-23</a:t>
             </a:fld>
             <a:endParaRPr lang="en-US"/>
           </a:p>
@@ -4958,6 +5395,7 @@
     <p:sldLayoutId id="2147483820" r:id="rId16"/>
     <p:sldLayoutId id="2147483821" r:id="rId17"/>
   </p:sldLayoutIdLst>
+  <p:hf hdr="0" ftr="0" dt="0"/>
   <p:txStyles>
     <p:titleStyle>
       <a:lvl1pPr algn="l" defTabSz="457200" rtl="0" eaLnBrk="1" latinLnBrk="0" hangingPunct="1">
@@ -5537,6 +5975,29 @@
           </a:p>
         </p:txBody>
       </p:sp>
+      <p:sp>
+        <p:nvSpPr>
+          <p:cNvPr id="4" name="Slide Number Placeholder 3"/>
+          <p:cNvSpPr>
+            <a:spLocks noGrp="1"/>
+          </p:cNvSpPr>
+          <p:nvPr>
+            <p:ph type="sldNum" sz="quarter" idx="12"/>
+          </p:nvPr>
+        </p:nvSpPr>
+        <p:spPr/>
+        <p:txBody>
+          <a:bodyPr/>
+          <a:lstStyle/>
+          <a:p>
+            <a:fld id="{C348530C-413A-4B7C-B8E3-15EF627B3253}" type="slidenum">
+              <a:rPr lang="en-US" smtClean="0"/>
+              <a:t>1</a:t>
+            </a:fld>
+            <a:endParaRPr lang="en-US"/>
+          </a:p>
+        </p:txBody>
+      </p:sp>
     </p:spTree>
     <p:extLst>
       <p:ext uri="{BB962C8B-B14F-4D97-AF65-F5344CB8AC3E}">
@@ -5598,7 +6059,7 @@
         </p:nvSpPr>
         <p:spPr>
           <a:xfrm>
-            <a:off x="393267" y="263236"/>
+            <a:off x="557859" y="320040"/>
             <a:ext cx="8534401" cy="838419"/>
           </a:xfrm>
         </p:spPr>
@@ -5859,6 +6320,59 @@
               </a:rPr>
               <a:t>T. Lu and Q. Wang, "Design and implementation of smart parking system based on internet of things," in 2018 IEEE 5th International Conference on Cloud Computing and Intelligence Systems (CCIS), 2018, pp. 19-23</a:t>
             </a:r>
+          </a:p>
+        </p:txBody>
+      </p:sp>
+      <p:sp>
+        <p:nvSpPr>
+          <p:cNvPr id="4" name="TextBox 3"/>
+          <p:cNvSpPr txBox="1"/>
+          <p:nvPr/>
+        </p:nvSpPr>
+        <p:spPr>
+          <a:xfrm>
+            <a:off x="11155680" y="320040"/>
+            <a:ext cx="630936" cy="461665"/>
+          </a:xfrm>
+          <a:prstGeom prst="rect">
+            <a:avLst/>
+          </a:prstGeom>
+          <a:noFill/>
+        </p:spPr>
+        <p:txBody>
+          <a:bodyPr wrap="square" rtlCol="0">
+            <a:spAutoFit/>
+          </a:bodyPr>
+          <a:lstStyle/>
+          <a:p>
+            <a:r>
+              <a:rPr lang="en-GB" sz="2400" b="1" dirty="0" smtClean="0"/>
+              <a:t>09</a:t>
+            </a:r>
+            <a:endParaRPr lang="en-US" sz="2400" b="1" dirty="0"/>
+          </a:p>
+        </p:txBody>
+      </p:sp>
+      <p:sp>
+        <p:nvSpPr>
+          <p:cNvPr id="5" name="Slide Number Placeholder 4"/>
+          <p:cNvSpPr>
+            <a:spLocks noGrp="1"/>
+          </p:cNvSpPr>
+          <p:nvPr>
+            <p:ph type="sldNum" sz="quarter" idx="12"/>
+          </p:nvPr>
+        </p:nvSpPr>
+        <p:spPr/>
+        <p:txBody>
+          <a:bodyPr/>
+          <a:lstStyle/>
+          <a:p>
+            <a:fld id="{C348530C-413A-4B7C-B8E3-15EF627B3253}" type="slidenum">
+              <a:rPr lang="en-US" smtClean="0"/>
+              <a:t>10</a:t>
+            </a:fld>
+            <a:endParaRPr lang="en-US"/>
           </a:p>
         </p:txBody>
       </p:sp>
@@ -6025,6 +6539,29 @@
           </a:p>
         </p:txBody>
       </p:sp>
+      <p:sp>
+        <p:nvSpPr>
+          <p:cNvPr id="2" name="Slide Number Placeholder 1"/>
+          <p:cNvSpPr>
+            <a:spLocks noGrp="1"/>
+          </p:cNvSpPr>
+          <p:nvPr>
+            <p:ph type="sldNum" sz="quarter" idx="12"/>
+          </p:nvPr>
+        </p:nvSpPr>
+        <p:spPr/>
+        <p:txBody>
+          <a:bodyPr/>
+          <a:lstStyle/>
+          <a:p>
+            <a:fld id="{C348530C-413A-4B7C-B8E3-15EF627B3253}" type="slidenum">
+              <a:rPr lang="en-US" smtClean="0"/>
+              <a:t>11</a:t>
+            </a:fld>
+            <a:endParaRPr lang="en-US"/>
+          </a:p>
+        </p:txBody>
+      </p:sp>
     </p:spTree>
     <p:extLst>
       <p:ext uri="{BB962C8B-B14F-4D97-AF65-F5344CB8AC3E}">
@@ -6145,7 +6682,7 @@
             </a:br>
             <a:r>
               <a:rPr lang="en-US" sz="2400" dirty="0" smtClean="0"/>
-              <a:t> Conclusion</a:t>
+              <a:t>Conclusion</a:t>
             </a:r>
             <a:endParaRPr lang="en-US" sz="2400" dirty="0"/>
           </a:p>
@@ -6163,7 +6700,7 @@
         </p:nvSpPr>
         <p:spPr>
           <a:xfrm>
-            <a:off x="684212" y="685800"/>
+            <a:off x="894524" y="550872"/>
             <a:ext cx="8534400" cy="810491"/>
           </a:xfrm>
         </p:spPr>
@@ -6177,6 +6714,14 @@
               <a:buFont typeface="Wingdings" panose="05000000000000000000" pitchFamily="2" charset="2"/>
               <a:buChar char="ü"/>
             </a:pPr>
+            <a:r>
+              <a:rPr lang="en-US" sz="3600" dirty="0">
+                <a:solidFill>
+                  <a:schemeClr val="tx1"/>
+                </a:solidFill>
+              </a:rPr>
+              <a:t> </a:t>
+            </a:r>
             <a:r>
               <a:rPr lang="en-US" sz="3600" dirty="0" smtClean="0">
                 <a:solidFill>
@@ -6469,6 +7014,59 @@
           <a:lstStyle/>
           <a:p>
             <a:pPr algn="ctr"/>
+            <a:endParaRPr lang="en-US"/>
+          </a:p>
+        </p:txBody>
+      </p:sp>
+      <p:sp>
+        <p:nvSpPr>
+          <p:cNvPr id="14" name="TextBox 13"/>
+          <p:cNvSpPr txBox="1"/>
+          <p:nvPr/>
+        </p:nvSpPr>
+        <p:spPr>
+          <a:xfrm>
+            <a:off x="11155680" y="320040"/>
+            <a:ext cx="630936" cy="461665"/>
+          </a:xfrm>
+          <a:prstGeom prst="rect">
+            <a:avLst/>
+          </a:prstGeom>
+          <a:noFill/>
+        </p:spPr>
+        <p:txBody>
+          <a:bodyPr wrap="square" rtlCol="0">
+            <a:spAutoFit/>
+          </a:bodyPr>
+          <a:lstStyle/>
+          <a:p>
+            <a:r>
+              <a:rPr lang="en-GB" sz="2400" b="1" dirty="0" smtClean="0"/>
+              <a:t>01</a:t>
+            </a:r>
+            <a:endParaRPr lang="en-US" sz="2400" b="1" dirty="0"/>
+          </a:p>
+        </p:txBody>
+      </p:sp>
+      <p:sp>
+        <p:nvSpPr>
+          <p:cNvPr id="15" name="Slide Number Placeholder 14"/>
+          <p:cNvSpPr>
+            <a:spLocks noGrp="1"/>
+          </p:cNvSpPr>
+          <p:nvPr>
+            <p:ph type="sldNum" sz="quarter" idx="12"/>
+          </p:nvPr>
+        </p:nvSpPr>
+        <p:spPr/>
+        <p:txBody>
+          <a:bodyPr/>
+          <a:lstStyle/>
+          <a:p>
+            <a:fld id="{C348530C-413A-4B7C-B8E3-15EF627B3253}" type="slidenum">
+              <a:rPr lang="en-US" smtClean="0"/>
+              <a:t>2</a:t>
+            </a:fld>
             <a:endParaRPr lang="en-US"/>
           </a:p>
         </p:txBody>
@@ -6534,7 +7132,7 @@
         </p:nvSpPr>
         <p:spPr>
           <a:xfrm>
-            <a:off x="961301" y="360217"/>
+            <a:off x="952157" y="541728"/>
             <a:ext cx="8534401" cy="686019"/>
           </a:xfrm>
         </p:spPr>
@@ -6565,8 +7163,8 @@
         </p:nvSpPr>
         <p:spPr>
           <a:xfrm>
-            <a:off x="1501629" y="1350819"/>
-            <a:ext cx="9540444" cy="1498600"/>
+            <a:off x="1501629" y="1350818"/>
+            <a:ext cx="9654052" cy="4556205"/>
           </a:xfrm>
         </p:spPr>
         <p:txBody>
@@ -6702,6 +7300,59 @@
               </a:rPr>
               <a:t>To provide a cost-effective and easily scalable solution</a:t>
             </a:r>
+          </a:p>
+        </p:txBody>
+      </p:sp>
+      <p:sp>
+        <p:nvSpPr>
+          <p:cNvPr id="4" name="TextBox 3"/>
+          <p:cNvSpPr txBox="1"/>
+          <p:nvPr/>
+        </p:nvSpPr>
+        <p:spPr>
+          <a:xfrm>
+            <a:off x="11155680" y="320040"/>
+            <a:ext cx="630936" cy="461665"/>
+          </a:xfrm>
+          <a:prstGeom prst="rect">
+            <a:avLst/>
+          </a:prstGeom>
+          <a:noFill/>
+        </p:spPr>
+        <p:txBody>
+          <a:bodyPr wrap="square" rtlCol="0">
+            <a:spAutoFit/>
+          </a:bodyPr>
+          <a:lstStyle/>
+          <a:p>
+            <a:r>
+              <a:rPr lang="en-GB" sz="2400" b="1" dirty="0" smtClean="0"/>
+              <a:t>02</a:t>
+            </a:r>
+            <a:endParaRPr lang="en-US" sz="2400" b="1" dirty="0"/>
+          </a:p>
+        </p:txBody>
+      </p:sp>
+      <p:sp>
+        <p:nvSpPr>
+          <p:cNvPr id="5" name="Slide Number Placeholder 4"/>
+          <p:cNvSpPr>
+            <a:spLocks noGrp="1"/>
+          </p:cNvSpPr>
+          <p:nvPr>
+            <p:ph type="sldNum" sz="quarter" idx="12"/>
+          </p:nvPr>
+        </p:nvSpPr>
+        <p:spPr/>
+        <p:txBody>
+          <a:bodyPr/>
+          <a:lstStyle/>
+          <a:p>
+            <a:fld id="{C348530C-413A-4B7C-B8E3-15EF627B3253}" type="slidenum">
+              <a:rPr lang="en-US" smtClean="0"/>
+              <a:t>3</a:t>
+            </a:fld>
+            <a:endParaRPr lang="en-US"/>
           </a:p>
         </p:txBody>
       </p:sp>
@@ -6766,7 +7417,7 @@
         </p:nvSpPr>
         <p:spPr>
           <a:xfrm>
-            <a:off x="547717" y="1400912"/>
+            <a:off x="581879" y="1614021"/>
             <a:ext cx="8534400" cy="791251"/>
           </a:xfrm>
         </p:spPr>
@@ -6810,8 +7461,8 @@
         </p:nvSpPr>
         <p:spPr>
           <a:xfrm>
-            <a:off x="254719" y="321026"/>
-            <a:ext cx="3935693" cy="646331"/>
+            <a:off x="595742" y="488220"/>
+            <a:ext cx="4063933" cy="646331"/>
           </a:xfrm>
           <a:prstGeom prst="rect">
             <a:avLst/>
@@ -6829,7 +7480,7 @@
             </a:pPr>
             <a:r>
               <a:rPr lang="en-US" sz="3600" dirty="0" smtClean="0"/>
-              <a:t>INTRODUCTION</a:t>
+              <a:t> INTRODUCTION</a:t>
             </a:r>
             <a:endParaRPr lang="en-US" dirty="0"/>
           </a:p>
@@ -7067,6 +7718,59 @@
               <a:rPr lang="en-US" sz="1400" dirty="0"/>
               <a:t>), 2020, pp. 1-5</a:t>
             </a:r>
+          </a:p>
+        </p:txBody>
+      </p:sp>
+      <p:sp>
+        <p:nvSpPr>
+          <p:cNvPr id="12" name="TextBox 11"/>
+          <p:cNvSpPr txBox="1"/>
+          <p:nvPr/>
+        </p:nvSpPr>
+        <p:spPr>
+          <a:xfrm>
+            <a:off x="11155680" y="320040"/>
+            <a:ext cx="630936" cy="461665"/>
+          </a:xfrm>
+          <a:prstGeom prst="rect">
+            <a:avLst/>
+          </a:prstGeom>
+          <a:noFill/>
+        </p:spPr>
+        <p:txBody>
+          <a:bodyPr wrap="square" rtlCol="0">
+            <a:spAutoFit/>
+          </a:bodyPr>
+          <a:lstStyle/>
+          <a:p>
+            <a:r>
+              <a:rPr lang="en-GB" sz="2400" b="1" dirty="0" smtClean="0"/>
+              <a:t>03</a:t>
+            </a:r>
+            <a:endParaRPr lang="en-US" sz="2400" b="1" dirty="0"/>
+          </a:p>
+        </p:txBody>
+      </p:sp>
+      <p:sp>
+        <p:nvSpPr>
+          <p:cNvPr id="5" name="Slide Number Placeholder 4"/>
+          <p:cNvSpPr>
+            <a:spLocks noGrp="1"/>
+          </p:cNvSpPr>
+          <p:nvPr>
+            <p:ph type="sldNum" sz="quarter" idx="12"/>
+          </p:nvPr>
+        </p:nvSpPr>
+        <p:spPr/>
+        <p:txBody>
+          <a:bodyPr/>
+          <a:lstStyle/>
+          <a:p>
+            <a:fld id="{C348530C-413A-4B7C-B8E3-15EF627B3253}" type="slidenum">
+              <a:rPr lang="en-US" smtClean="0"/>
+              <a:t>4</a:t>
+            </a:fld>
+            <a:endParaRPr lang="en-US"/>
           </a:p>
         </p:txBody>
       </p:sp>
@@ -7131,7 +7835,7 @@
         </p:nvSpPr>
         <p:spPr>
           <a:xfrm>
-            <a:off x="393266" y="249381"/>
+            <a:off x="521282" y="480259"/>
             <a:ext cx="8534401" cy="602891"/>
           </a:xfrm>
         </p:spPr>
@@ -7150,6 +7854,59 @@
               <a:t>Related work</a:t>
             </a:r>
             <a:endParaRPr lang="en-US" dirty="0"/>
+          </a:p>
+        </p:txBody>
+      </p:sp>
+      <p:sp>
+        <p:nvSpPr>
+          <p:cNvPr id="3" name="TextBox 2"/>
+          <p:cNvSpPr txBox="1"/>
+          <p:nvPr/>
+        </p:nvSpPr>
+        <p:spPr>
+          <a:xfrm>
+            <a:off x="11155680" y="320040"/>
+            <a:ext cx="630936" cy="461665"/>
+          </a:xfrm>
+          <a:prstGeom prst="rect">
+            <a:avLst/>
+          </a:prstGeom>
+          <a:noFill/>
+        </p:spPr>
+        <p:txBody>
+          <a:bodyPr wrap="square" rtlCol="0">
+            <a:spAutoFit/>
+          </a:bodyPr>
+          <a:lstStyle/>
+          <a:p>
+            <a:r>
+              <a:rPr lang="en-GB" sz="2400" b="1" dirty="0" smtClean="0"/>
+              <a:t>04</a:t>
+            </a:r>
+            <a:endParaRPr lang="en-US" sz="2400" b="1" dirty="0"/>
+          </a:p>
+        </p:txBody>
+      </p:sp>
+      <p:sp>
+        <p:nvSpPr>
+          <p:cNvPr id="4" name="Slide Number Placeholder 3"/>
+          <p:cNvSpPr>
+            <a:spLocks noGrp="1"/>
+          </p:cNvSpPr>
+          <p:nvPr>
+            <p:ph type="sldNum" sz="quarter" idx="12"/>
+          </p:nvPr>
+        </p:nvSpPr>
+        <p:spPr/>
+        <p:txBody>
+          <a:bodyPr/>
+          <a:lstStyle/>
+          <a:p>
+            <a:fld id="{C348530C-413A-4B7C-B8E3-15EF627B3253}" type="slidenum">
+              <a:rPr lang="en-US" smtClean="0"/>
+              <a:t>5</a:t>
+            </a:fld>
+            <a:endParaRPr lang="en-US"/>
           </a:p>
         </p:txBody>
       </p:sp>
@@ -7214,7 +7971,7 @@
         </p:nvSpPr>
         <p:spPr>
           <a:xfrm>
-            <a:off x="143883" y="554182"/>
+            <a:off x="427347" y="554182"/>
             <a:ext cx="8534401" cy="575182"/>
           </a:xfrm>
         </p:spPr>
@@ -7421,6 +8178,59 @@
               <a:rPr lang="en-US" sz="1400" dirty="0"/>
               <a:t>. Chen and Y. Wu, "Development of smart bicycle parking system," in 2018 IEEE 5th International Conference on Smart Instrumentation, Measurement and Applications (ICSIMA), 2018, pp. 139-142.</a:t>
             </a:r>
+          </a:p>
+        </p:txBody>
+      </p:sp>
+      <p:sp>
+        <p:nvSpPr>
+          <p:cNvPr id="5" name="TextBox 4"/>
+          <p:cNvSpPr txBox="1"/>
+          <p:nvPr/>
+        </p:nvSpPr>
+        <p:spPr>
+          <a:xfrm>
+            <a:off x="11155680" y="320040"/>
+            <a:ext cx="630936" cy="461665"/>
+          </a:xfrm>
+          <a:prstGeom prst="rect">
+            <a:avLst/>
+          </a:prstGeom>
+          <a:noFill/>
+        </p:spPr>
+        <p:txBody>
+          <a:bodyPr wrap="square" rtlCol="0">
+            <a:spAutoFit/>
+          </a:bodyPr>
+          <a:lstStyle/>
+          <a:p>
+            <a:r>
+              <a:rPr lang="en-GB" sz="2400" b="1" dirty="0" smtClean="0"/>
+              <a:t>05</a:t>
+            </a:r>
+            <a:endParaRPr lang="en-US" sz="2400" b="1" dirty="0"/>
+          </a:p>
+        </p:txBody>
+      </p:sp>
+      <p:sp>
+        <p:nvSpPr>
+          <p:cNvPr id="6" name="Slide Number Placeholder 5"/>
+          <p:cNvSpPr>
+            <a:spLocks noGrp="1"/>
+          </p:cNvSpPr>
+          <p:nvPr>
+            <p:ph type="sldNum" sz="quarter" idx="12"/>
+          </p:nvPr>
+        </p:nvSpPr>
+        <p:spPr/>
+        <p:txBody>
+          <a:bodyPr/>
+          <a:lstStyle/>
+          <a:p>
+            <a:fld id="{C348530C-413A-4B7C-B8E3-15EF627B3253}" type="slidenum">
+              <a:rPr lang="en-US" smtClean="0"/>
+              <a:t>6</a:t>
+            </a:fld>
+            <a:endParaRPr lang="en-US"/>
           </a:p>
         </p:txBody>
       </p:sp>
@@ -7485,7 +8295,7 @@
         </p:nvSpPr>
         <p:spPr>
           <a:xfrm>
-            <a:off x="0" y="96982"/>
+            <a:off x="384048" y="278953"/>
             <a:ext cx="8534401" cy="741436"/>
           </a:xfrm>
         </p:spPr>
@@ -7516,8 +8326,8 @@
         </p:nvSpPr>
         <p:spPr>
           <a:xfrm>
-            <a:off x="1127558" y="838418"/>
-            <a:ext cx="8534400" cy="3858492"/>
+            <a:off x="1118414" y="1051560"/>
+            <a:ext cx="8534400" cy="3590486"/>
           </a:xfrm>
         </p:spPr>
         <p:txBody>
@@ -7763,6 +8573,59 @@
           </a:p>
           <a:p>
             <a:endParaRPr lang="en-US" sz="1200" dirty="0"/>
+          </a:p>
+        </p:txBody>
+      </p:sp>
+      <p:sp>
+        <p:nvSpPr>
+          <p:cNvPr id="5" name="TextBox 4"/>
+          <p:cNvSpPr txBox="1"/>
+          <p:nvPr/>
+        </p:nvSpPr>
+        <p:spPr>
+          <a:xfrm>
+            <a:off x="11155680" y="320040"/>
+            <a:ext cx="630936" cy="461665"/>
+          </a:xfrm>
+          <a:prstGeom prst="rect">
+            <a:avLst/>
+          </a:prstGeom>
+          <a:noFill/>
+        </p:spPr>
+        <p:txBody>
+          <a:bodyPr wrap="square" rtlCol="0">
+            <a:spAutoFit/>
+          </a:bodyPr>
+          <a:lstStyle/>
+          <a:p>
+            <a:r>
+              <a:rPr lang="en-GB" sz="2400" b="1" dirty="0" smtClean="0"/>
+              <a:t>06</a:t>
+            </a:r>
+            <a:endParaRPr lang="en-US" sz="2400" b="1" dirty="0"/>
+          </a:p>
+        </p:txBody>
+      </p:sp>
+      <p:sp>
+        <p:nvSpPr>
+          <p:cNvPr id="6" name="Slide Number Placeholder 5"/>
+          <p:cNvSpPr>
+            <a:spLocks noGrp="1"/>
+          </p:cNvSpPr>
+          <p:nvPr>
+            <p:ph type="sldNum" sz="quarter" idx="12"/>
+          </p:nvPr>
+        </p:nvSpPr>
+        <p:spPr/>
+        <p:txBody>
+          <a:bodyPr/>
+          <a:lstStyle/>
+          <a:p>
+            <a:fld id="{C348530C-413A-4B7C-B8E3-15EF627B3253}" type="slidenum">
+              <a:rPr lang="en-US" smtClean="0"/>
+              <a:t>7</a:t>
+            </a:fld>
+            <a:endParaRPr lang="en-US"/>
           </a:p>
         </p:txBody>
       </p:sp>
@@ -8088,6 +8951,59 @@
           </a:p>
         </p:txBody>
       </p:sp>
+      <p:sp>
+        <p:nvSpPr>
+          <p:cNvPr id="5" name="TextBox 4"/>
+          <p:cNvSpPr txBox="1"/>
+          <p:nvPr/>
+        </p:nvSpPr>
+        <p:spPr>
+          <a:xfrm>
+            <a:off x="11155680" y="320040"/>
+            <a:ext cx="630936" cy="461665"/>
+          </a:xfrm>
+          <a:prstGeom prst="rect">
+            <a:avLst/>
+          </a:prstGeom>
+          <a:noFill/>
+        </p:spPr>
+        <p:txBody>
+          <a:bodyPr wrap="square" rtlCol="0">
+            <a:spAutoFit/>
+          </a:bodyPr>
+          <a:lstStyle/>
+          <a:p>
+            <a:r>
+              <a:rPr lang="en-GB" sz="2400" b="1" dirty="0" smtClean="0"/>
+              <a:t>07</a:t>
+            </a:r>
+            <a:endParaRPr lang="en-US" sz="2400" b="1" dirty="0"/>
+          </a:p>
+        </p:txBody>
+      </p:sp>
+      <p:sp>
+        <p:nvSpPr>
+          <p:cNvPr id="6" name="Slide Number Placeholder 5"/>
+          <p:cNvSpPr>
+            <a:spLocks noGrp="1"/>
+          </p:cNvSpPr>
+          <p:nvPr>
+            <p:ph type="sldNum" sz="quarter" idx="12"/>
+          </p:nvPr>
+        </p:nvSpPr>
+        <p:spPr/>
+        <p:txBody>
+          <a:bodyPr/>
+          <a:lstStyle/>
+          <a:p>
+            <a:fld id="{C348530C-413A-4B7C-B8E3-15EF627B3253}" type="slidenum">
+              <a:rPr lang="en-US" smtClean="0"/>
+              <a:t>8</a:t>
+            </a:fld>
+            <a:endParaRPr lang="en-US"/>
+          </a:p>
+        </p:txBody>
+      </p:sp>
     </p:spTree>
     <p:extLst>
       <p:ext uri="{BB962C8B-B14F-4D97-AF65-F5344CB8AC3E}">
@@ -8149,7 +9065,7 @@
         </p:nvSpPr>
         <p:spPr>
           <a:xfrm>
-            <a:off x="434829" y="318654"/>
+            <a:off x="507981" y="424841"/>
             <a:ext cx="8534401" cy="713727"/>
           </a:xfrm>
         </p:spPr>
@@ -8311,6 +9227,59 @@
               </a:rPr>
               <a:t>Integration with a weather API to provide real-time weather information to users</a:t>
             </a:r>
+          </a:p>
+        </p:txBody>
+      </p:sp>
+      <p:sp>
+        <p:nvSpPr>
+          <p:cNvPr id="4" name="TextBox 3"/>
+          <p:cNvSpPr txBox="1"/>
+          <p:nvPr/>
+        </p:nvSpPr>
+        <p:spPr>
+          <a:xfrm>
+            <a:off x="11155680" y="320040"/>
+            <a:ext cx="630936" cy="461665"/>
+          </a:xfrm>
+          <a:prstGeom prst="rect">
+            <a:avLst/>
+          </a:prstGeom>
+          <a:noFill/>
+        </p:spPr>
+        <p:txBody>
+          <a:bodyPr wrap="square" rtlCol="0">
+            <a:spAutoFit/>
+          </a:bodyPr>
+          <a:lstStyle/>
+          <a:p>
+            <a:r>
+              <a:rPr lang="en-GB" sz="2400" b="1" dirty="0" smtClean="0"/>
+              <a:t>08</a:t>
+            </a:r>
+            <a:endParaRPr lang="en-US" sz="2400" b="1" dirty="0"/>
+          </a:p>
+        </p:txBody>
+      </p:sp>
+      <p:sp>
+        <p:nvSpPr>
+          <p:cNvPr id="5" name="Slide Number Placeholder 4"/>
+          <p:cNvSpPr>
+            <a:spLocks noGrp="1"/>
+          </p:cNvSpPr>
+          <p:nvPr>
+            <p:ph type="sldNum" sz="quarter" idx="12"/>
+          </p:nvPr>
+        </p:nvSpPr>
+        <p:spPr/>
+        <p:txBody>
+          <a:bodyPr/>
+          <a:lstStyle/>
+          <a:p>
+            <a:fld id="{C348530C-413A-4B7C-B8E3-15EF627B3253}" type="slidenum">
+              <a:rPr lang="en-US" smtClean="0"/>
+              <a:t>9</a:t>
+            </a:fld>
+            <a:endParaRPr lang="en-US"/>
           </a:p>
         </p:txBody>
       </p:sp>
@@ -8324,13 +9293,13 @@
   <p:clrMapOvr>
     <a:masterClrMapping/>
   </p:clrMapOvr>
-  <mc:AlternateContent xmlns:mc="http://schemas.openxmlformats.org/markup-compatibility/2006">
-    <mc:Choice xmlns:p14="http://schemas.microsoft.com/office/powerpoint/2010/main" Requires="p14">
+  <mc:AlternateContent xmlns:mc="http://schemas.openxmlformats.org/markup-compatibility/2006" xmlns:p14="http://schemas.microsoft.com/office/powerpoint/2010/main">
+    <mc:Choice Requires="p14">
       <p:transition spd="slow" p14:dur="1500">
         <p:split orient="vert"/>
       </p:transition>
     </mc:Choice>
-    <mc:Fallback>
+    <mc:Fallback xmlns="">
       <p:transition spd="slow">
         <p:split orient="vert"/>
       </p:transition>
@@ -8618,4 +9587,265 @@
     </a:ext>
   </a:extLst>
 </a:theme>
+</file>
+
+<file path=ppt/theme/theme2.xml><?xml version="1.0" encoding="utf-8"?>
+<a:theme xmlns:a="http://schemas.openxmlformats.org/drawingml/2006/main" name="Office Theme">
+  <a:themeElements>
+    <a:clrScheme name="Office">
+      <a:dk1>
+        <a:sysClr val="windowText" lastClr="000000"/>
+      </a:dk1>
+      <a:lt1>
+        <a:sysClr val="window" lastClr="FFFFFF"/>
+      </a:lt1>
+      <a:dk2>
+        <a:srgbClr val="44546A"/>
+      </a:dk2>
+      <a:lt2>
+        <a:srgbClr val="E7E6E6"/>
+      </a:lt2>
+      <a:accent1>
+        <a:srgbClr val="5B9BD5"/>
+      </a:accent1>
+      <a:accent2>
+        <a:srgbClr val="ED7D31"/>
+      </a:accent2>
+      <a:accent3>
+        <a:srgbClr val="A5A5A5"/>
+      </a:accent3>
+      <a:accent4>
+        <a:srgbClr val="FFC000"/>
+      </a:accent4>
+      <a:accent5>
+        <a:srgbClr val="4472C4"/>
+      </a:accent5>
+      <a:accent6>
+        <a:srgbClr val="70AD47"/>
+      </a:accent6>
+      <a:hlink>
+        <a:srgbClr val="0563C1"/>
+      </a:hlink>
+      <a:folHlink>
+        <a:srgbClr val="954F72"/>
+      </a:folHlink>
+    </a:clrScheme>
+    <a:fontScheme name="Office">
+      <a:majorFont>
+        <a:latin typeface="Calibri Light" panose="020F0302020204030204"/>
+        <a:ea typeface=""/>
+        <a:cs typeface=""/>
+        <a:font script="Jpan" typeface="ＭＳ Ｐゴシック"/>
+        <a:font script="Hang" typeface="맑은 고딕"/>
+        <a:font script="Hans" typeface="宋体"/>
+        <a:font script="Hant" typeface="新細明體"/>
+        <a:font script="Arab" typeface="Times New Roman"/>
+        <a:font script="Hebr" typeface="Times New Roman"/>
+        <a:font script="Thai" typeface="Angsana New"/>
+        <a:font script="Ethi" typeface="Nyala"/>
+        <a:font script="Beng" typeface="Vrinda"/>
+        <a:font script="Gujr" typeface="Shruti"/>
+        <a:font script="Khmr" typeface="MoolBoran"/>
+        <a:font script="Knda" typeface="Tunga"/>
+        <a:font script="Guru" typeface="Raavi"/>
+        <a:font script="Cans" typeface="Euphemia"/>
+        <a:font script="Cher" typeface="Plantagenet Cherokee"/>
+        <a:font script="Yiii" typeface="Microsoft Yi Baiti"/>
+        <a:font script="Tibt" typeface="Microsoft Himalaya"/>
+        <a:font script="Thaa" typeface="MV Boli"/>
+        <a:font script="Deva" typeface="Mangal"/>
+        <a:font script="Telu" typeface="Gautami"/>
+        <a:font script="Taml" typeface="Latha"/>
+        <a:font script="Syrc" typeface="Estrangelo Edessa"/>
+        <a:font script="Orya" typeface="Kalinga"/>
+        <a:font script="Mlym" typeface="Kartika"/>
+        <a:font script="Laoo" typeface="DokChampa"/>
+        <a:font script="Sinh" typeface="Iskoola Pota"/>
+        <a:font script="Mong" typeface="Mongolian Baiti"/>
+        <a:font script="Viet" typeface="Times New Roman"/>
+        <a:font script="Uigh" typeface="Microsoft Uighur"/>
+        <a:font script="Geor" typeface="Sylfaen"/>
+      </a:majorFont>
+      <a:minorFont>
+        <a:latin typeface="Calibri" panose="020F0502020204030204"/>
+        <a:ea typeface=""/>
+        <a:cs typeface=""/>
+        <a:font script="Jpan" typeface="ＭＳ Ｐゴシック"/>
+        <a:font script="Hang" typeface="맑은 고딕"/>
+        <a:font script="Hans" typeface="宋体"/>
+        <a:font script="Hant" typeface="新細明體"/>
+        <a:font script="Arab" typeface="Arial"/>
+        <a:font script="Hebr" typeface="Arial"/>
+        <a:font script="Thai" typeface="Cordia New"/>
+        <a:font script="Ethi" typeface="Nyala"/>
+        <a:font script="Beng" typeface="Vrinda"/>
+        <a:font script="Gujr" typeface="Shruti"/>
+        <a:font script="Khmr" typeface="DaunPenh"/>
+        <a:font script="Knda" typeface="Tunga"/>
+        <a:font script="Guru" typeface="Raavi"/>
+        <a:font script="Cans" typeface="Euphemia"/>
+        <a:font script="Cher" typeface="Plantagenet Cherokee"/>
+        <a:font script="Yiii" typeface="Microsoft Yi Baiti"/>
+        <a:font script="Tibt" typeface="Microsoft Himalaya"/>
+        <a:font script="Thaa" typeface="MV Boli"/>
+        <a:font script="Deva" typeface="Mangal"/>
+        <a:font script="Telu" typeface="Gautami"/>
+        <a:font script="Taml" typeface="Latha"/>
+        <a:font script="Syrc" typeface="Estrangelo Edessa"/>
+        <a:font script="Orya" typeface="Kalinga"/>
+        <a:font script="Mlym" typeface="Kartika"/>
+        <a:font script="Laoo" typeface="DokChampa"/>
+        <a:font script="Sinh" typeface="Iskoola Pota"/>
+        <a:font script="Mong" typeface="Mongolian Baiti"/>
+        <a:font script="Viet" typeface="Arial"/>
+        <a:font script="Uigh" typeface="Microsoft Uighur"/>
+        <a:font script="Geor" typeface="Sylfaen"/>
+      </a:minorFont>
+    </a:fontScheme>
+    <a:fmtScheme name="Office">
+      <a:fillStyleLst>
+        <a:solidFill>
+          <a:schemeClr val="phClr"/>
+        </a:solidFill>
+        <a:gradFill rotWithShape="1">
+          <a:gsLst>
+            <a:gs pos="0">
+              <a:schemeClr val="phClr">
+                <a:lumMod val="110000"/>
+                <a:satMod val="105000"/>
+                <a:tint val="67000"/>
+              </a:schemeClr>
+            </a:gs>
+            <a:gs pos="50000">
+              <a:schemeClr val="phClr">
+                <a:lumMod val="105000"/>
+                <a:satMod val="103000"/>
+                <a:tint val="73000"/>
+              </a:schemeClr>
+            </a:gs>
+            <a:gs pos="100000">
+              <a:schemeClr val="phClr">
+                <a:lumMod val="105000"/>
+                <a:satMod val="109000"/>
+                <a:tint val="81000"/>
+              </a:schemeClr>
+            </a:gs>
+          </a:gsLst>
+          <a:lin ang="5400000" scaled="0"/>
+        </a:gradFill>
+        <a:gradFill rotWithShape="1">
+          <a:gsLst>
+            <a:gs pos="0">
+              <a:schemeClr val="phClr">
+                <a:satMod val="103000"/>
+                <a:lumMod val="102000"/>
+                <a:tint val="94000"/>
+              </a:schemeClr>
+            </a:gs>
+            <a:gs pos="50000">
+              <a:schemeClr val="phClr">
+                <a:satMod val="110000"/>
+                <a:lumMod val="100000"/>
+                <a:shade val="100000"/>
+              </a:schemeClr>
+            </a:gs>
+            <a:gs pos="100000">
+              <a:schemeClr val="phClr">
+                <a:lumMod val="99000"/>
+                <a:satMod val="120000"/>
+                <a:shade val="78000"/>
+              </a:schemeClr>
+            </a:gs>
+          </a:gsLst>
+          <a:lin ang="5400000" scaled="0"/>
+        </a:gradFill>
+      </a:fillStyleLst>
+      <a:lnStyleLst>
+        <a:ln w="6350" cap="flat" cmpd="sng" algn="ctr">
+          <a:solidFill>
+            <a:schemeClr val="phClr"/>
+          </a:solidFill>
+          <a:prstDash val="solid"/>
+          <a:miter lim="800000"/>
+        </a:ln>
+        <a:ln w="12700" cap="flat" cmpd="sng" algn="ctr">
+          <a:solidFill>
+            <a:schemeClr val="phClr"/>
+          </a:solidFill>
+          <a:prstDash val="solid"/>
+          <a:miter lim="800000"/>
+        </a:ln>
+        <a:ln w="19050" cap="flat" cmpd="sng" algn="ctr">
+          <a:solidFill>
+            <a:schemeClr val="phClr"/>
+          </a:solidFill>
+          <a:prstDash val="solid"/>
+          <a:miter lim="800000"/>
+        </a:ln>
+      </a:lnStyleLst>
+      <a:effectStyleLst>
+        <a:effectStyle>
+          <a:effectLst/>
+        </a:effectStyle>
+        <a:effectStyle>
+          <a:effectLst/>
+        </a:effectStyle>
+        <a:effectStyle>
+          <a:effectLst>
+            <a:outerShdw blurRad="57150" dist="19050" dir="5400000" algn="ctr" rotWithShape="0">
+              <a:srgbClr val="000000">
+                <a:alpha val="63000"/>
+              </a:srgbClr>
+            </a:outerShdw>
+          </a:effectLst>
+        </a:effectStyle>
+      </a:effectStyleLst>
+      <a:bgFillStyleLst>
+        <a:solidFill>
+          <a:schemeClr val="phClr"/>
+        </a:solidFill>
+        <a:solidFill>
+          <a:schemeClr val="phClr">
+            <a:tint val="95000"/>
+            <a:satMod val="170000"/>
+          </a:schemeClr>
+        </a:solidFill>
+        <a:gradFill rotWithShape="1">
+          <a:gsLst>
+            <a:gs pos="0">
+              <a:schemeClr val="phClr">
+                <a:tint val="93000"/>
+                <a:satMod val="150000"/>
+                <a:shade val="98000"/>
+                <a:lumMod val="102000"/>
+              </a:schemeClr>
+            </a:gs>
+            <a:gs pos="50000">
+              <a:schemeClr val="phClr">
+                <a:tint val="98000"/>
+                <a:satMod val="130000"/>
+                <a:shade val="90000"/>
+                <a:lumMod val="103000"/>
+              </a:schemeClr>
+            </a:gs>
+            <a:gs pos="100000">
+              <a:schemeClr val="phClr">
+                <a:shade val="63000"/>
+                <a:satMod val="120000"/>
+              </a:schemeClr>
+            </a:gs>
+          </a:gsLst>
+          <a:lin ang="5400000" scaled="0"/>
+        </a:gradFill>
+      </a:bgFillStyleLst>
+    </a:fmtScheme>
+  </a:themeElements>
+  <a:objectDefaults/>
+  <a:extraClrSchemeLst/>
+  <a:extLst>
+    <a:ext uri="{05A4C25C-085E-4340-85A3-A5531E510DB2}">
+      <thm15:themeFamily xmlns:thm15="http://schemas.microsoft.com/office/thememl/2012/main" name="Office Theme" id="{62F939B6-93AF-4DB8-9C6B-D6C7DFDC589F}" vid="{4A3C46E8-61CC-4603-A589-7422A47A8E4A}"/>
+    </a:ext>
+  </a:extLst>
+</a:theme>
 </file>
--- a/Technical_Presentation.pptx
+++ b/Technical_Presentation.pptx
@@ -7417,8 +7417,8 @@
         </p:nvSpPr>
         <p:spPr>
           <a:xfrm>
-            <a:off x="581879" y="1614021"/>
-            <a:ext cx="8534400" cy="791251"/>
+            <a:off x="990593" y="1614021"/>
+            <a:ext cx="8125685" cy="791251"/>
           </a:xfrm>
         </p:spPr>
         <p:txBody>
@@ -7494,15 +7494,15 @@
         </p:nvSpPr>
         <p:spPr>
           <a:xfrm>
-            <a:off x="561572" y="1943607"/>
-            <a:ext cx="7109639" cy="461665"/>
+            <a:off x="990593" y="1943607"/>
+            <a:ext cx="6680618" cy="830997"/>
           </a:xfrm>
           <a:prstGeom prst="rect">
             <a:avLst/>
           </a:prstGeom>
         </p:spPr>
         <p:txBody>
-          <a:bodyPr wrap="none">
+          <a:bodyPr wrap="square">
             <a:spAutoFit/>
           </a:bodyPr>
           <a:lstStyle/>
@@ -7527,8 +7527,8 @@
         </p:nvSpPr>
         <p:spPr>
           <a:xfrm>
-            <a:off x="581879" y="2676622"/>
-            <a:ext cx="10044552" cy="461665"/>
+            <a:off x="990593" y="2676622"/>
+            <a:ext cx="9635838" cy="461665"/>
           </a:xfrm>
           <a:prstGeom prst="rect">
             <a:avLst/>
@@ -7560,8 +7560,8 @@
         </p:nvSpPr>
         <p:spPr>
           <a:xfrm>
-            <a:off x="595742" y="3378010"/>
-            <a:ext cx="10764979" cy="461665"/>
+            <a:off x="990593" y="3378010"/>
+            <a:ext cx="10370128" cy="830997"/>
           </a:xfrm>
           <a:prstGeom prst="rect">
             <a:avLst/>
@@ -7593,8 +7593,8 @@
         </p:nvSpPr>
         <p:spPr>
           <a:xfrm>
-            <a:off x="595742" y="4148674"/>
-            <a:ext cx="10377053" cy="461665"/>
+            <a:off x="990593" y="4144072"/>
+            <a:ext cx="10006445" cy="830997"/>
           </a:xfrm>
           <a:prstGeom prst="rect">
             <a:avLst/>
@@ -7626,15 +7626,15 @@
         </p:nvSpPr>
         <p:spPr>
           <a:xfrm>
-            <a:off x="595742" y="4933193"/>
-            <a:ext cx="6742551" cy="461665"/>
+            <a:off x="990592" y="4933193"/>
+            <a:ext cx="8125685" cy="461665"/>
           </a:xfrm>
           <a:prstGeom prst="rect">
             <a:avLst/>
           </a:prstGeom>
         </p:spPr>
         <p:txBody>
-          <a:bodyPr wrap="none">
+          <a:bodyPr wrap="square">
             <a:spAutoFit/>
           </a:bodyPr>
           <a:lstStyle/>
@@ -7835,8 +7835,8 @@
         </p:nvSpPr>
         <p:spPr>
           <a:xfrm>
-            <a:off x="521282" y="480259"/>
-            <a:ext cx="8534401" cy="602891"/>
+            <a:off x="384049" y="320040"/>
+            <a:ext cx="8679116" cy="804336"/>
           </a:xfrm>
         </p:spPr>
         <p:txBody>
@@ -7854,6 +7854,163 @@
               <a:t>Related work</a:t>
             </a:r>
             <a:endParaRPr lang="en-US" dirty="0"/>
+          </a:p>
+        </p:txBody>
+      </p:sp>
+      <p:sp>
+        <p:nvSpPr>
+          <p:cNvPr id="5" name="Text Placeholder 4"/>
+          <p:cNvSpPr>
+            <a:spLocks noGrp="1"/>
+          </p:cNvSpPr>
+          <p:nvPr>
+            <p:ph type="body" idx="1"/>
+          </p:nvPr>
+        </p:nvSpPr>
+        <p:spPr>
+          <a:xfrm>
+            <a:off x="704088" y="1234440"/>
+            <a:ext cx="10735055" cy="3538728"/>
+          </a:xfrm>
+        </p:spPr>
+        <p:txBody>
+          <a:bodyPr>
+            <a:normAutofit/>
+          </a:bodyPr>
+          <a:lstStyle/>
+          <a:p>
+            <a:pPr marL="285750" indent="-285750">
+              <a:buFont typeface="Arial" panose="020B0604020202020204" pitchFamily="34" charset="0"/>
+              <a:buChar char="•"/>
+            </a:pPr>
+            <a:r>
+              <a:rPr lang="en-GB" sz="2400" dirty="0" smtClean="0">
+                <a:solidFill>
+                  <a:schemeClr val="tx1"/>
+                </a:solidFill>
+              </a:rPr>
+              <a:t>An </a:t>
+            </a:r>
+            <a:r>
+              <a:rPr lang="en-GB" sz="2400" dirty="0" err="1">
+                <a:solidFill>
+                  <a:schemeClr val="tx1"/>
+                </a:solidFill>
+              </a:rPr>
+              <a:t>IoT</a:t>
+            </a:r>
+            <a:r>
+              <a:rPr lang="en-GB" sz="2400" dirty="0">
+                <a:solidFill>
+                  <a:schemeClr val="tx1"/>
+                </a:solidFill>
+              </a:rPr>
+              <a:t>-based smart parking system was proposed that used ultrasonic sensors to detect the presence of vehicles and RFID technology to track the parking </a:t>
+            </a:r>
+            <a:r>
+              <a:rPr lang="en-GB" sz="2400" dirty="0" smtClean="0">
+                <a:solidFill>
+                  <a:schemeClr val="tx1"/>
+                </a:solidFill>
+              </a:rPr>
+              <a:t>spots.</a:t>
+            </a:r>
+          </a:p>
+          <a:p>
+            <a:pPr marL="285750" indent="-285750">
+              <a:buFont typeface="Arial" panose="020B0604020202020204" pitchFamily="34" charset="0"/>
+              <a:buChar char="•"/>
+            </a:pPr>
+            <a:r>
+              <a:rPr lang="en-GB" sz="2400" dirty="0" smtClean="0">
+                <a:solidFill>
+                  <a:schemeClr val="tx1"/>
+                </a:solidFill>
+              </a:rPr>
+              <a:t>A </a:t>
+            </a:r>
+            <a:r>
+              <a:rPr lang="en-GB" sz="2400" dirty="0">
+                <a:solidFill>
+                  <a:schemeClr val="tx1"/>
+                </a:solidFill>
+              </a:rPr>
+              <a:t>smart parking system was developed using infrared sensors and a GSM module to send real-time parking information to users</a:t>
+            </a:r>
+            <a:r>
+              <a:rPr lang="en-GB" sz="2400" dirty="0" smtClean="0">
+                <a:solidFill>
+                  <a:schemeClr val="tx1"/>
+                </a:solidFill>
+              </a:rPr>
+              <a:t>.</a:t>
+            </a:r>
+          </a:p>
+          <a:p>
+            <a:pPr marL="285750" indent="-285750">
+              <a:buFont typeface="Arial" panose="020B0604020202020204" pitchFamily="34" charset="0"/>
+              <a:buChar char="•"/>
+            </a:pPr>
+            <a:r>
+              <a:rPr lang="en-GB" sz="2400" dirty="0" smtClean="0">
+                <a:solidFill>
+                  <a:schemeClr val="tx1"/>
+                </a:solidFill>
+              </a:rPr>
+              <a:t>A </a:t>
+            </a:r>
+            <a:r>
+              <a:rPr lang="en-GB" sz="2400" dirty="0">
+                <a:solidFill>
+                  <a:schemeClr val="tx1"/>
+                </a:solidFill>
+              </a:rPr>
+              <a:t>computer vision-based parking management system was proposed that used a deep learning algorithm to classify the parking spots and </a:t>
+            </a:r>
+            <a:r>
+              <a:rPr lang="en-GB" sz="2400" dirty="0" smtClean="0">
+                <a:solidFill>
+                  <a:schemeClr val="tx1"/>
+                </a:solidFill>
+              </a:rPr>
+              <a:t>detect </a:t>
+            </a:r>
+            <a:r>
+              <a:rPr lang="en-GB" sz="2400" dirty="0">
+                <a:solidFill>
+                  <a:schemeClr val="tx1"/>
+                </a:solidFill>
+              </a:rPr>
+              <a:t>vehicles in real-time.</a:t>
+            </a:r>
+            <a:endParaRPr lang="en-US" sz="2400" dirty="0">
+              <a:solidFill>
+                <a:schemeClr val="tx1"/>
+              </a:solidFill>
+            </a:endParaRPr>
+          </a:p>
+        </p:txBody>
+      </p:sp>
+      <p:sp>
+        <p:nvSpPr>
+          <p:cNvPr id="4" name="Slide Number Placeholder 3"/>
+          <p:cNvSpPr>
+            <a:spLocks noGrp="1"/>
+          </p:cNvSpPr>
+          <p:nvPr>
+            <p:ph type="sldNum" sz="quarter" idx="12"/>
+          </p:nvPr>
+        </p:nvSpPr>
+        <p:spPr/>
+        <p:txBody>
+          <a:bodyPr/>
+          <a:lstStyle/>
+          <a:p>
+            <a:fld id="{C348530C-413A-4B7C-B8E3-15EF627B3253}" type="slidenum">
+              <a:rPr lang="en-US" smtClean="0"/>
+              <a:t>5</a:t>
+            </a:fld>
+            <a:endParaRPr lang="en-US"/>
           </a:p>
         </p:txBody>
       </p:sp>
@@ -7889,24 +8046,102 @@
       </p:sp>
       <p:sp>
         <p:nvSpPr>
-          <p:cNvPr id="4" name="Slide Number Placeholder 3"/>
-          <p:cNvSpPr>
-            <a:spLocks noGrp="1"/>
-          </p:cNvSpPr>
-          <p:nvPr>
-            <p:ph type="sldNum" sz="quarter" idx="12"/>
-          </p:nvPr>
-        </p:nvSpPr>
-        <p:spPr/>
-        <p:txBody>
-          <a:bodyPr/>
-          <a:lstStyle/>
-          <a:p>
-            <a:fld id="{C348530C-413A-4B7C-B8E3-15EF627B3253}" type="slidenum">
-              <a:rPr lang="en-US" smtClean="0"/>
-              <a:t>5</a:t>
-            </a:fld>
-            <a:endParaRPr lang="en-US"/>
+          <p:cNvPr id="7" name="Rectangle 6"/>
+          <p:cNvSpPr/>
+          <p:nvPr/>
+        </p:nvSpPr>
+        <p:spPr>
+          <a:xfrm>
+            <a:off x="237744" y="5201960"/>
+            <a:ext cx="12051791" cy="1538883"/>
+          </a:xfrm>
+          <a:prstGeom prst="rect">
+            <a:avLst/>
+          </a:prstGeom>
+        </p:spPr>
+        <p:txBody>
+          <a:bodyPr wrap="square">
+            <a:spAutoFit/>
+          </a:bodyPr>
+          <a:lstStyle/>
+          <a:p>
+            <a:r>
+              <a:rPr lang="en-US" sz="1600" dirty="0" smtClean="0"/>
+              <a:t>Reference: </a:t>
+            </a:r>
+            <a:r>
+              <a:rPr lang="en-GB" sz="1600" dirty="0" smtClean="0"/>
+              <a:t> </a:t>
+            </a:r>
+          </a:p>
+          <a:p>
+            <a:pPr marL="285750" indent="-285750">
+              <a:buFont typeface="Wingdings" panose="05000000000000000000" pitchFamily="2" charset="2"/>
+              <a:buChar char="q"/>
+            </a:pPr>
+            <a:r>
+              <a:rPr lang="en-GB" sz="1600" dirty="0" smtClean="0"/>
+              <a:t>J</a:t>
+            </a:r>
+            <a:r>
+              <a:rPr lang="en-GB" sz="1600" dirty="0"/>
+              <a:t>. HANZL, "Parking Information Guidance Systems and Smart Technologies Application Used in Urban Areas and Multi-storey Car Parks," Netherlands, </a:t>
+            </a:r>
+            <a:r>
+              <a:rPr lang="en-GB" sz="1600" dirty="0" smtClean="0"/>
+              <a:t>2020.</a:t>
+            </a:r>
+          </a:p>
+          <a:p>
+            <a:pPr marL="285750" indent="-285750">
+              <a:buFont typeface="Wingdings" panose="05000000000000000000" pitchFamily="2" charset="2"/>
+              <a:buChar char="q"/>
+            </a:pPr>
+            <a:r>
+              <a:rPr lang="en-GB" sz="1600" dirty="0" smtClean="0"/>
+              <a:t>A</a:t>
+            </a:r>
+            <a:r>
+              <a:rPr lang="en-GB" sz="1600" dirty="0"/>
+              <a:t>. J. N. A. P. R. J. et al, "Highly Secure Smart Vehicle Parking System (SVPS) for," in HBRP PUBLICATION, India, </a:t>
+            </a:r>
+            <a:r>
+              <a:rPr lang="en-GB" sz="1600" dirty="0" smtClean="0"/>
+              <a:t>2023.</a:t>
+            </a:r>
+          </a:p>
+          <a:p>
+            <a:pPr marL="285750" indent="-285750">
+              <a:buFont typeface="Wingdings" panose="05000000000000000000" pitchFamily="2" charset="2"/>
+              <a:buChar char="q"/>
+            </a:pPr>
+            <a:r>
+              <a:rPr lang="en-GB" sz="1600" dirty="0"/>
+              <a:t>S. M. e. a. </a:t>
+            </a:r>
+            <a:r>
+              <a:rPr lang="en-GB" sz="1600" dirty="0" err="1"/>
+              <a:t>Aijaz</a:t>
+            </a:r>
+            <a:r>
+              <a:rPr lang="en-GB" sz="1600" dirty="0"/>
+              <a:t>, "Smart Car Parking System Using </a:t>
+            </a:r>
+            <a:r>
+              <a:rPr lang="en-GB" sz="1600" dirty="0" err="1"/>
+              <a:t>Arduino</a:t>
+            </a:r>
+            <a:r>
+              <a:rPr lang="en-GB" sz="1600" dirty="0"/>
+              <a:t> UNO," in Journal of Switching Hub 7.2 , 2022.</a:t>
+            </a:r>
+          </a:p>
+          <a:p>
+            <a:pPr marL="285750" indent="-285750">
+              <a:buFont typeface="Wingdings" panose="05000000000000000000" pitchFamily="2" charset="2"/>
+              <a:buChar char="q"/>
+            </a:pPr>
+            <a:endParaRPr lang="en-US" sz="1400" dirty="0"/>
           </a:p>
         </p:txBody>
       </p:sp>
@@ -8540,8 +8775,8 @@
         </p:nvSpPr>
         <p:spPr>
           <a:xfrm>
-            <a:off x="1482436" y="5846617"/>
-            <a:ext cx="8672946" cy="707886"/>
+            <a:off x="1481328" y="6025895"/>
+            <a:ext cx="8674054" cy="707886"/>
           </a:xfrm>
           <a:prstGeom prst="rect">
             <a:avLst/>

--- a/Technical_Presentation.pptx
+++ b/Technical_Presentation.pptx
@@ -207,7 +207,7 @@
           <a:p>
             <a:fld id="{73AF30B8-D933-408C-976F-DBBC08E67133}" type="datetimeFigureOut">
               <a:rPr lang="en-US" smtClean="0"/>
-              <a:t>05-Apr-23</a:t>
+              <a:t>06-Apr-23</a:t>
             </a:fld>
             <a:endParaRPr lang="en-US"/>
           </a:p>
@@ -750,7 +750,7 @@
           <a:p>
             <a:fld id="{9186B021-B8F2-4F03-899C-F7AD055E79E4}" type="datetime1">
               <a:rPr lang="en-US" smtClean="0"/>
-              <a:t>05-Apr-23</a:t>
+              <a:t>06-Apr-23</a:t>
             </a:fld>
             <a:endParaRPr lang="en-US"/>
           </a:p>
@@ -1186,7 +1186,7 @@
           <a:p>
             <a:fld id="{117E37C5-7BBE-4C3E-BEC5-BE230BCFA7EC}" type="datetime1">
               <a:rPr lang="en-US" smtClean="0"/>
-              <a:t>05-Apr-23</a:t>
+              <a:t>06-Apr-23</a:t>
             </a:fld>
             <a:endParaRPr lang="en-US"/>
           </a:p>
@@ -1436,7 +1436,7 @@
           <a:p>
             <a:fld id="{32B14739-F164-41D4-BF3C-E71D6E33F864}" type="datetime1">
               <a:rPr lang="en-US" smtClean="0"/>
-              <a:t>05-Apr-23</a:t>
+              <a:t>06-Apr-23</a:t>
             </a:fld>
             <a:endParaRPr lang="en-US"/>
           </a:p>
@@ -1744,7 +1744,7 @@
           <a:p>
             <a:fld id="{2BD94CF9-4BCC-484B-9E12-5D13B18F2E85}" type="datetime1">
               <a:rPr lang="en-US" smtClean="0"/>
-              <a:t>05-Apr-23</a:t>
+              <a:t>06-Apr-23</a:t>
             </a:fld>
             <a:endParaRPr lang="en-US"/>
           </a:p>
@@ -2062,7 +2062,7 @@
           <a:p>
             <a:fld id="{AA41A08A-5B1A-4688-9AD1-6EC67CEA56AB}" type="datetime1">
               <a:rPr lang="en-US" smtClean="0"/>
-              <a:t>05-Apr-23</a:t>
+              <a:t>06-Apr-23</a:t>
             </a:fld>
             <a:endParaRPr lang="en-US"/>
           </a:p>
@@ -2364,7 +2364,7 @@
           <a:p>
             <a:fld id="{09852903-8885-487A-A5A5-AC8D50F789C6}" type="datetime1">
               <a:rPr lang="en-US" smtClean="0"/>
-              <a:t>05-Apr-23</a:t>
+              <a:t>06-Apr-23</a:t>
             </a:fld>
             <a:endParaRPr lang="en-US"/>
           </a:p>
@@ -2731,7 +2731,7 @@
           <a:p>
             <a:fld id="{B0C0FE1F-490C-4B5A-8D45-8B225C5E338A}" type="datetime1">
               <a:rPr lang="en-US" smtClean="0"/>
-              <a:t>05-Apr-23</a:t>
+              <a:t>06-Apr-23</a:t>
             </a:fld>
             <a:endParaRPr lang="en-US"/>
           </a:p>
@@ -2905,7 +2905,7 @@
           <a:p>
             <a:fld id="{9CC34605-E69F-43D5-B171-D03DD3BC5667}" type="datetime1">
               <a:rPr lang="en-US" smtClean="0"/>
-              <a:t>05-Apr-23</a:t>
+              <a:t>06-Apr-23</a:t>
             </a:fld>
             <a:endParaRPr lang="en-US"/>
           </a:p>
@@ -3085,7 +3085,7 @@
           <a:p>
             <a:fld id="{97B3FC99-5B7A-4C6F-823B-9CF3F0093F23}" type="datetime1">
               <a:rPr lang="en-US" smtClean="0"/>
-              <a:t>05-Apr-23</a:t>
+              <a:t>06-Apr-23</a:t>
             </a:fld>
             <a:endParaRPr lang="en-US"/>
           </a:p>
@@ -3255,7 +3255,7 @@
           <a:p>
             <a:fld id="{ABA07866-4BF4-4C33-8D68-DB2F0FD4EAD8}" type="datetime1">
               <a:rPr lang="en-US" smtClean="0"/>
-              <a:t>05-Apr-23</a:t>
+              <a:t>06-Apr-23</a:t>
             </a:fld>
             <a:endParaRPr lang="en-US"/>
           </a:p>
@@ -3505,7 +3505,7 @@
           <a:p>
             <a:fld id="{B7ED7ECC-AB7A-41E4-8D9F-316C01D26FB0}" type="datetime1">
               <a:rPr lang="en-US" smtClean="0"/>
-              <a:t>05-Apr-23</a:t>
+              <a:t>06-Apr-23</a:t>
             </a:fld>
             <a:endParaRPr lang="en-US"/>
           </a:p>
@@ -3741,7 +3741,7 @@
           <a:p>
             <a:fld id="{C21F7B11-7C71-447D-928B-84CF48E2E827}" type="datetime1">
               <a:rPr lang="en-US" smtClean="0"/>
-              <a:t>05-Apr-23</a:t>
+              <a:t>06-Apr-23</a:t>
             </a:fld>
             <a:endParaRPr lang="en-US"/>
           </a:p>
@@ -4123,7 +4123,7 @@
           <a:p>
             <a:fld id="{803F8766-5ABC-4595-9D12-7531A7449CF6}" type="datetime1">
               <a:rPr lang="en-US" smtClean="0"/>
-              <a:t>05-Apr-23</a:t>
+              <a:t>06-Apr-23</a:t>
             </a:fld>
             <a:endParaRPr lang="en-US"/>
           </a:p>
@@ -4241,7 +4241,7 @@
           <a:p>
             <a:fld id="{FAB7F100-14C6-41C6-825D-C6D56BC606FE}" type="datetime1">
               <a:rPr lang="en-US" smtClean="0"/>
-              <a:t>05-Apr-23</a:t>
+              <a:t>06-Apr-23</a:t>
             </a:fld>
             <a:endParaRPr lang="en-US"/>
           </a:p>
@@ -4336,7 +4336,7 @@
           <a:p>
             <a:fld id="{F5620918-E68B-4A66-BACB-ABA40885BD1C}" type="datetime1">
               <a:rPr lang="en-US" smtClean="0"/>
-              <a:t>05-Apr-23</a:t>
+              <a:t>06-Apr-23</a:t>
             </a:fld>
             <a:endParaRPr lang="en-US"/>
           </a:p>
@@ -4591,7 +4591,7 @@
           <a:p>
             <a:fld id="{FD3F74B2-2996-406D-88AA-634D10C54E05}" type="datetime1">
               <a:rPr lang="en-US" smtClean="0"/>
-              <a:t>05-Apr-23</a:t>
+              <a:t>06-Apr-23</a:t>
             </a:fld>
             <a:endParaRPr lang="en-US"/>
           </a:p>
@@ -4874,7 +4874,7 @@
           <a:p>
             <a:fld id="{D578A6D0-EDC3-48A3-A56A-AF13FEB73109}" type="datetime1">
               <a:rPr lang="en-US" smtClean="0"/>
-              <a:t>05-Apr-23</a:t>
+              <a:t>06-Apr-23</a:t>
             </a:fld>
             <a:endParaRPr lang="en-US"/>
           </a:p>
@@ -5280,7 +5280,7 @@
           <a:p>
             <a:fld id="{CE849682-7B51-4EE2-A481-D2923CF8C6C2}" type="datetime1">
               <a:rPr lang="en-US" smtClean="0"/>
-              <a:t>05-Apr-23</a:t>
+              <a:t>06-Apr-23</a:t>
             </a:fld>
             <a:endParaRPr lang="en-US"/>
           </a:p>
@@ -6069,7 +6069,7 @@
           <a:p>
             <a:pPr marL="571500" indent="-571500">
               <a:buFont typeface="Wingdings" panose="05000000000000000000" pitchFamily="2" charset="2"/>
-              <a:buChar char="ü"/>
+              <a:buChar char="v"/>
             </a:pPr>
             <a:r>
               <a:rPr lang="en-US" dirty="0"/>
@@ -6091,7 +6091,7 @@
         <p:spPr>
           <a:xfrm>
             <a:off x="1002868" y="1295399"/>
-            <a:ext cx="8534400" cy="3304309"/>
+            <a:ext cx="9787052" cy="3304309"/>
           </a:xfrm>
         </p:spPr>
         <p:txBody>
@@ -6712,7 +6712,7 @@
           <a:p>
             <a:pPr>
               <a:buFont typeface="Wingdings" panose="05000000000000000000" pitchFamily="2" charset="2"/>
-              <a:buChar char="ü"/>
+              <a:buChar char="v"/>
             </a:pPr>
             <a:r>
               <a:rPr lang="en-US" sz="3600" dirty="0">
@@ -7142,7 +7142,7 @@
           <a:p>
             <a:pPr marL="571500" indent="-571500">
               <a:buFont typeface="Wingdings" panose="05000000000000000000" pitchFamily="2" charset="2"/>
-              <a:buChar char="ü"/>
+              <a:buChar char="v"/>
             </a:pPr>
             <a:r>
               <a:rPr lang="en-US" dirty="0"/>
@@ -7462,7 +7462,7 @@
         <p:spPr>
           <a:xfrm>
             <a:off x="595742" y="488220"/>
-            <a:ext cx="4063933" cy="646331"/>
+            <a:ext cx="4278735" cy="646331"/>
           </a:xfrm>
           <a:prstGeom prst="rect">
             <a:avLst/>
@@ -7474,9 +7474,9 @@
           </a:bodyPr>
           <a:lstStyle/>
           <a:p>
-            <a:pPr marL="285750" indent="-285750">
+            <a:pPr marL="571500" indent="-571500">
               <a:buFont typeface="Wingdings" panose="05000000000000000000" pitchFamily="2" charset="2"/>
-              <a:buChar char="ü"/>
+              <a:buChar char="v"/>
             </a:pPr>
             <a:r>
               <a:rPr lang="en-US" sz="3600" dirty="0" smtClean="0"/>
@@ -7659,8 +7659,8 @@
         </p:nvSpPr>
         <p:spPr>
           <a:xfrm>
-            <a:off x="990594" y="5874328"/>
-            <a:ext cx="9975273" cy="738664"/>
+            <a:off x="0" y="6066648"/>
+            <a:ext cx="12192000" cy="738664"/>
           </a:xfrm>
           <a:prstGeom prst="rect">
             <a:avLst/>
@@ -7675,9 +7675,12 @@
           <a:p>
             <a:pPr algn="just"/>
             <a:r>
-              <a:rPr lang="en-US" sz="1400" dirty="0" smtClean="0"/>
-              <a:t>Ref: </a:t>
-            </a:r>
+              <a:rPr lang="en-US" sz="1400" dirty="0"/>
+              <a:t>References:</a:t>
+            </a:r>
+          </a:p>
+          <a:p>
+            <a:pPr algn="just"/>
             <a:r>
               <a:rPr lang="en-US" sz="1400" dirty="0" err="1" smtClean="0"/>
               <a:t>Hidayat</a:t>
@@ -7847,7 +7850,7 @@
           <a:p>
             <a:pPr marL="571500" indent="-571500">
               <a:buFont typeface="Wingdings" panose="05000000000000000000" pitchFamily="2" charset="2"/>
-              <a:buChar char="ü"/>
+              <a:buChar char="v"/>
             </a:pPr>
             <a:r>
               <a:rPr lang="en-US" dirty="0" smtClean="0"/>
@@ -8052,8 +8055,8 @@
         </p:nvSpPr>
         <p:spPr>
           <a:xfrm>
-            <a:off x="237744" y="5201960"/>
-            <a:ext cx="12051791" cy="1538883"/>
+            <a:off x="1" y="5319117"/>
+            <a:ext cx="12192000" cy="1538883"/>
           </a:xfrm>
           <a:prstGeom prst="rect">
             <a:avLst/>
@@ -8218,7 +8221,7 @@
           <a:p>
             <a:pPr marL="571500" indent="-571500">
               <a:buFont typeface="Wingdings" panose="05000000000000000000" pitchFamily="2" charset="2"/>
-              <a:buChar char="ü"/>
+              <a:buChar char="v"/>
             </a:pPr>
             <a:r>
               <a:rPr lang="en-US" sz="4000" dirty="0"/>
@@ -8390,8 +8393,8 @@
         </p:nvSpPr>
         <p:spPr>
           <a:xfrm>
-            <a:off x="739630" y="5821942"/>
-            <a:ext cx="9989128" cy="523220"/>
+            <a:off x="0" y="6041398"/>
+            <a:ext cx="12192000" cy="738664"/>
           </a:xfrm>
           <a:prstGeom prst="rect">
             <a:avLst/>
@@ -8406,8 +8409,15 @@
           <a:p>
             <a:pPr algn="just"/>
             <a:r>
+              <a:rPr lang="en-US" sz="1400" dirty="0"/>
+              <a:t>References:</a:t>
+            </a:r>
+          </a:p>
+          <a:p>
+            <a:pPr algn="just"/>
+            <a:r>
               <a:rPr lang="en-US" sz="1400" dirty="0" smtClean="0"/>
-              <a:t>Ref: T</a:t>
+              <a:t>T</a:t>
             </a:r>
             <a:r>
               <a:rPr lang="en-US" sz="1400" dirty="0"/>
@@ -8540,7 +8550,7 @@
           <a:p>
             <a:pPr marL="571500" indent="-571500">
               <a:buFont typeface="Wingdings" panose="05000000000000000000" pitchFamily="2" charset="2"/>
-              <a:buChar char="ü"/>
+              <a:buChar char="v"/>
             </a:pPr>
             <a:r>
               <a:rPr lang="en-US" dirty="0"/>
@@ -8775,8 +8785,8 @@
         </p:nvSpPr>
         <p:spPr>
           <a:xfrm>
-            <a:off x="1481328" y="6025895"/>
-            <a:ext cx="8674054" cy="707886"/>
+            <a:off x="0" y="6025895"/>
+            <a:ext cx="12192000" cy="923330"/>
           </a:xfrm>
           <a:prstGeom prst="rect">
             <a:avLst/>
@@ -8789,9 +8799,17 @@
           </a:bodyPr>
           <a:lstStyle/>
           <a:p>
+            <a:pPr algn="just"/>
+            <a:r>
+              <a:rPr lang="en-US" sz="1400" dirty="0"/>
+              <a:t>References:</a:t>
+            </a:r>
+          </a:p>
+          <a:p>
+            <a:pPr algn="just"/>
             <a:r>
               <a:rPr lang="en-US" sz="1400" dirty="0" smtClean="0"/>
-              <a:t>Ref: A</a:t>
+              <a:t>A</a:t>
             </a:r>
             <a:r>
               <a:rPr lang="en-US" sz="1400" dirty="0"/>
@@ -8807,6 +8825,7 @@
             </a:r>
           </a:p>
           <a:p>
+            <a:pPr algn="just"/>
             <a:endParaRPr lang="en-US" sz="1200" dirty="0"/>
           </a:p>
         </p:txBody>
@@ -8935,7 +8954,7 @@
           <a:p>
             <a:pPr marL="571500" indent="-571500">
               <a:buFont typeface="Wingdings" panose="05000000000000000000" pitchFamily="2" charset="2"/>
-              <a:buChar char="ü"/>
+              <a:buChar char="v"/>
             </a:pPr>
             <a:r>
               <a:rPr lang="en-US" dirty="0"/>
@@ -9142,8 +9161,8 @@
         </p:nvSpPr>
         <p:spPr>
           <a:xfrm>
-            <a:off x="1454726" y="5680364"/>
-            <a:ext cx="9919855" cy="738664"/>
+            <a:off x="0" y="5680364"/>
+            <a:ext cx="12192000" cy="954107"/>
           </a:xfrm>
           <a:prstGeom prst="rect">
             <a:avLst/>
@@ -9156,9 +9175,17 @@
           </a:bodyPr>
           <a:lstStyle/>
           <a:p>
+            <a:pPr algn="just"/>
             <a:r>
               <a:rPr lang="en-US" sz="1400" dirty="0" smtClean="0"/>
-              <a:t>Ref: S</a:t>
+              <a:t>References:</a:t>
+            </a:r>
+          </a:p>
+          <a:p>
+            <a:pPr algn="just"/>
+            <a:r>
+              <a:rPr lang="en-US" sz="1400" dirty="0" smtClean="0"/>
+              <a:t>S</a:t>
             </a:r>
             <a:r>
               <a:rPr lang="en-US" sz="1400" dirty="0"/>
@@ -9182,6 +9209,7 @@
             </a:r>
           </a:p>
           <a:p>
+            <a:pPr algn="just"/>
             <a:endParaRPr lang="en-US" sz="1400" dirty="0"/>
           </a:p>
         </p:txBody>
@@ -9310,7 +9338,7 @@
           <a:p>
             <a:pPr marL="571500" indent="-571500">
               <a:buFont typeface="Wingdings" panose="05000000000000000000" pitchFamily="2" charset="2"/>
-              <a:buChar char="ü"/>
+              <a:buChar char="v"/>
             </a:pPr>
             <a:r>
               <a:rPr lang="en-US" dirty="0"/>
@@ -9331,8 +9359,8 @@
         </p:nvSpPr>
         <p:spPr>
           <a:xfrm>
-            <a:off x="1196831" y="1378527"/>
-            <a:ext cx="8534400" cy="1498600"/>
+            <a:off x="1196830" y="1378526"/>
+            <a:ext cx="9538225" cy="4939977"/>
           </a:xfrm>
         </p:spPr>
         <p:txBody>
@@ -9341,9 +9369,9 @@
           </a:bodyPr>
           <a:lstStyle/>
           <a:p>
-            <a:pPr marL="285750" indent="-285750" algn="just">
-              <a:buFont typeface="Wingdings" panose="05000000000000000000" pitchFamily="2" charset="2"/>
-              <a:buChar char="Ø"/>
+            <a:pPr marL="342900" indent="-342900" algn="just">
+              <a:buFont typeface="Arial" panose="020B0604020202020204" pitchFamily="34" charset="0"/>
+              <a:buChar char="•"/>
             </a:pPr>
             <a:r>
               <a:rPr lang="en-US" sz="2400" dirty="0">
@@ -9363,9 +9391,9 @@
             </a:r>
           </a:p>
           <a:p>
-            <a:pPr marL="285750" indent="-285750" algn="just">
-              <a:buFont typeface="Wingdings" panose="05000000000000000000" pitchFamily="2" charset="2"/>
-              <a:buChar char="Ø"/>
+            <a:pPr marL="342900" indent="-342900" algn="just">
+              <a:buFont typeface="Arial" panose="020B0604020202020204" pitchFamily="34" charset="0"/>
+              <a:buChar char="•"/>
             </a:pPr>
             <a:r>
               <a:rPr lang="en-US" sz="2400" dirty="0">
@@ -9390,9 +9418,9 @@
             <a:endParaRPr lang="en-US" sz="2400" dirty="0" smtClean="0"/>
           </a:p>
           <a:p>
-            <a:pPr marL="285750" indent="-285750" algn="just">
-              <a:buFont typeface="Wingdings" panose="05000000000000000000" pitchFamily="2" charset="2"/>
-              <a:buChar char="Ø"/>
+            <a:pPr marL="342900" indent="-342900" algn="just">
+              <a:buFont typeface="Arial" panose="020B0604020202020204" pitchFamily="34" charset="0"/>
+              <a:buChar char="•"/>
             </a:pPr>
             <a:r>
               <a:rPr lang="en-US" sz="2400" dirty="0">
@@ -9428,9 +9456,9 @@
             </a:r>
           </a:p>
           <a:p>
-            <a:pPr marL="285750" indent="-285750" algn="just">
-              <a:buFont typeface="Wingdings" panose="05000000000000000000" pitchFamily="2" charset="2"/>
-              <a:buChar char="Ø"/>
+            <a:pPr marL="342900" indent="-342900" algn="just">
+              <a:buFont typeface="Arial" panose="020B0604020202020204" pitchFamily="34" charset="0"/>
+              <a:buChar char="•"/>
             </a:pPr>
             <a:r>
               <a:rPr lang="en-US" sz="2400" dirty="0">
@@ -9450,9 +9478,9 @@
             </a:r>
           </a:p>
           <a:p>
-            <a:pPr marL="285750" indent="-285750" algn="just">
-              <a:buFont typeface="Wingdings" panose="05000000000000000000" pitchFamily="2" charset="2"/>
-              <a:buChar char="Ø"/>
+            <a:pPr marL="342900" indent="-342900" algn="just">
+              <a:buFont typeface="Arial" panose="020B0604020202020204" pitchFamily="34" charset="0"/>
+              <a:buChar char="•"/>
             </a:pPr>
             <a:r>
               <a:rPr lang="en-US" sz="2400" dirty="0">

--- a/Technical_Presentation.pptx
+++ b/Technical_Presentation.pptx
@@ -207,7 +207,7 @@
           <a:p>
             <a:fld id="{73AF30B8-D933-408C-976F-DBBC08E67133}" type="datetimeFigureOut">
               <a:rPr lang="en-US" smtClean="0"/>
-              <a:t>06-Apr-23</a:t>
+              <a:t>4/6/2023</a:t>
             </a:fld>
             <a:endParaRPr lang="en-US"/>
           </a:p>
@@ -750,7 +750,7 @@
           <a:p>
             <a:fld id="{9186B021-B8F2-4F03-899C-F7AD055E79E4}" type="datetime1">
               <a:rPr lang="en-US" smtClean="0"/>
-              <a:t>06-Apr-23</a:t>
+              <a:t>4/6/2023</a:t>
             </a:fld>
             <a:endParaRPr lang="en-US"/>
           </a:p>
@@ -1186,7 +1186,7 @@
           <a:p>
             <a:fld id="{117E37C5-7BBE-4C3E-BEC5-BE230BCFA7EC}" type="datetime1">
               <a:rPr lang="en-US" smtClean="0"/>
-              <a:t>06-Apr-23</a:t>
+              <a:t>4/6/2023</a:t>
             </a:fld>
             <a:endParaRPr lang="en-US"/>
           </a:p>
@@ -1436,7 +1436,7 @@
           <a:p>
             <a:fld id="{32B14739-F164-41D4-BF3C-E71D6E33F864}" type="datetime1">
               <a:rPr lang="en-US" smtClean="0"/>
-              <a:t>06-Apr-23</a:t>
+              <a:t>4/6/2023</a:t>
             </a:fld>
             <a:endParaRPr lang="en-US"/>
           </a:p>
@@ -1744,7 +1744,7 @@
           <a:p>
             <a:fld id="{2BD94CF9-4BCC-484B-9E12-5D13B18F2E85}" type="datetime1">
               <a:rPr lang="en-US" smtClean="0"/>
-              <a:t>06-Apr-23</a:t>
+              <a:t>4/6/2023</a:t>
             </a:fld>
             <a:endParaRPr lang="en-US"/>
           </a:p>
@@ -2062,7 +2062,7 @@
           <a:p>
             <a:fld id="{AA41A08A-5B1A-4688-9AD1-6EC67CEA56AB}" type="datetime1">
               <a:rPr lang="en-US" smtClean="0"/>
-              <a:t>06-Apr-23</a:t>
+              <a:t>4/6/2023</a:t>
             </a:fld>
             <a:endParaRPr lang="en-US"/>
           </a:p>
@@ -2364,7 +2364,7 @@
           <a:p>
             <a:fld id="{09852903-8885-487A-A5A5-AC8D50F789C6}" type="datetime1">
               <a:rPr lang="en-US" smtClean="0"/>
-              <a:t>06-Apr-23</a:t>
+              <a:t>4/6/2023</a:t>
             </a:fld>
             <a:endParaRPr lang="en-US"/>
           </a:p>
@@ -2731,7 +2731,7 @@
           <a:p>
             <a:fld id="{B0C0FE1F-490C-4B5A-8D45-8B225C5E338A}" type="datetime1">
               <a:rPr lang="en-US" smtClean="0"/>
-              <a:t>06-Apr-23</a:t>
+              <a:t>4/6/2023</a:t>
             </a:fld>
             <a:endParaRPr lang="en-US"/>
           </a:p>
@@ -2905,7 +2905,7 @@
           <a:p>
             <a:fld id="{9CC34605-E69F-43D5-B171-D03DD3BC5667}" type="datetime1">
               <a:rPr lang="en-US" smtClean="0"/>
-              <a:t>06-Apr-23</a:t>
+              <a:t>4/6/2023</a:t>
             </a:fld>
             <a:endParaRPr lang="en-US"/>
           </a:p>
@@ -3085,7 +3085,7 @@
           <a:p>
             <a:fld id="{97B3FC99-5B7A-4C6F-823B-9CF3F0093F23}" type="datetime1">
               <a:rPr lang="en-US" smtClean="0"/>
-              <a:t>06-Apr-23</a:t>
+              <a:t>4/6/2023</a:t>
             </a:fld>
             <a:endParaRPr lang="en-US"/>
           </a:p>
@@ -3255,7 +3255,7 @@
           <a:p>
             <a:fld id="{ABA07866-4BF4-4C33-8D68-DB2F0FD4EAD8}" type="datetime1">
               <a:rPr lang="en-US" smtClean="0"/>
-              <a:t>06-Apr-23</a:t>
+              <a:t>4/6/2023</a:t>
             </a:fld>
             <a:endParaRPr lang="en-US"/>
           </a:p>
@@ -3505,7 +3505,7 @@
           <a:p>
             <a:fld id="{B7ED7ECC-AB7A-41E4-8D9F-316C01D26FB0}" type="datetime1">
               <a:rPr lang="en-US" smtClean="0"/>
-              <a:t>06-Apr-23</a:t>
+              <a:t>4/6/2023</a:t>
             </a:fld>
             <a:endParaRPr lang="en-US"/>
           </a:p>
@@ -3741,7 +3741,7 @@
           <a:p>
             <a:fld id="{C21F7B11-7C71-447D-928B-84CF48E2E827}" type="datetime1">
               <a:rPr lang="en-US" smtClean="0"/>
-              <a:t>06-Apr-23</a:t>
+              <a:t>4/6/2023</a:t>
             </a:fld>
             <a:endParaRPr lang="en-US"/>
           </a:p>
@@ -4123,7 +4123,7 @@
           <a:p>
             <a:fld id="{803F8766-5ABC-4595-9D12-7531A7449CF6}" type="datetime1">
               <a:rPr lang="en-US" smtClean="0"/>
-              <a:t>06-Apr-23</a:t>
+              <a:t>4/6/2023</a:t>
             </a:fld>
             <a:endParaRPr lang="en-US"/>
           </a:p>
@@ -4241,7 +4241,7 @@
           <a:p>
             <a:fld id="{FAB7F100-14C6-41C6-825D-C6D56BC606FE}" type="datetime1">
               <a:rPr lang="en-US" smtClean="0"/>
-              <a:t>06-Apr-23</a:t>
+              <a:t>4/6/2023</a:t>
             </a:fld>
             <a:endParaRPr lang="en-US"/>
           </a:p>
@@ -4336,7 +4336,7 @@
           <a:p>
             <a:fld id="{F5620918-E68B-4A66-BACB-ABA40885BD1C}" type="datetime1">
               <a:rPr lang="en-US" smtClean="0"/>
-              <a:t>06-Apr-23</a:t>
+              <a:t>4/6/2023</a:t>
             </a:fld>
             <a:endParaRPr lang="en-US"/>
           </a:p>
@@ -4591,7 +4591,7 @@
           <a:p>
             <a:fld id="{FD3F74B2-2996-406D-88AA-634D10C54E05}" type="datetime1">
               <a:rPr lang="en-US" smtClean="0"/>
-              <a:t>06-Apr-23</a:t>
+              <a:t>4/6/2023</a:t>
             </a:fld>
             <a:endParaRPr lang="en-US"/>
           </a:p>
@@ -4874,7 +4874,7 @@
           <a:p>
             <a:fld id="{D578A6D0-EDC3-48A3-A56A-AF13FEB73109}" type="datetime1">
               <a:rPr lang="en-US" smtClean="0"/>
-              <a:t>06-Apr-23</a:t>
+              <a:t>4/6/2023</a:t>
             </a:fld>
             <a:endParaRPr lang="en-US"/>
           </a:p>
@@ -5280,7 +5280,7 @@
           <a:p>
             <a:fld id="{CE849682-7B51-4EE2-A481-D2923CF8C6C2}" type="datetime1">
               <a:rPr lang="en-US" smtClean="0"/>
-              <a:t>06-Apr-23</a:t>
+              <a:t>4/6/2023</a:t>
             </a:fld>
             <a:endParaRPr lang="en-US"/>
           </a:p>
@@ -6587,9 +6587,134 @@
   <p:timing>
     <p:tnLst>
       <p:par>
-        <p:cTn id="1" dur="indefinite" restart="never" nodeType="tmRoot"/>
+        <p:cTn id="1" dur="indefinite" restart="never" nodeType="tmRoot">
+          <p:childTnLst>
+            <p:seq concurrent="1" nextAc="seek">
+              <p:cTn id="2" dur="indefinite" nodeType="mainSeq">
+                <p:childTnLst>
+                  <p:par>
+                    <p:cTn id="3" fill="hold">
+                      <p:stCondLst>
+                        <p:cond delay="indefinite"/>
+                      </p:stCondLst>
+                      <p:childTnLst>
+                        <p:par>
+                          <p:cTn id="4" fill="hold">
+                            <p:stCondLst>
+                              <p:cond delay="0"/>
+                            </p:stCondLst>
+                            <p:childTnLst>
+                              <p:par>
+                                <p:cTn id="5" presetID="42" presetClass="entr" presetSubtype="0" fill="hold" grpId="0" nodeType="clickEffect">
+                                  <p:stCondLst>
+                                    <p:cond delay="0"/>
+                                  </p:stCondLst>
+                                  <p:childTnLst>
+                                    <p:set>
+                                      <p:cBhvr>
+                                        <p:cTn id="6" dur="1" fill="hold">
+                                          <p:stCondLst>
+                                            <p:cond delay="0"/>
+                                          </p:stCondLst>
+                                        </p:cTn>
+                                        <p:tgtEl>
+                                          <p:spTgt spid="4"/>
+                                        </p:tgtEl>
+                                        <p:attrNameLst>
+                                          <p:attrName>style.visibility</p:attrName>
+                                        </p:attrNameLst>
+                                      </p:cBhvr>
+                                      <p:to>
+                                        <p:strVal val="visible"/>
+                                      </p:to>
+                                    </p:set>
+                                    <p:animEffect transition="in" filter="fade">
+                                      <p:cBhvr>
+                                        <p:cTn id="7" dur="1000"/>
+                                        <p:tgtEl>
+                                          <p:spTgt spid="4"/>
+                                        </p:tgtEl>
+                                      </p:cBhvr>
+                                    </p:animEffect>
+                                    <p:anim calcmode="lin" valueType="num">
+                                      <p:cBhvr>
+                                        <p:cTn id="8" dur="1000" fill="hold"/>
+                                        <p:tgtEl>
+                                          <p:spTgt spid="4"/>
+                                        </p:tgtEl>
+                                        <p:attrNameLst>
+                                          <p:attrName>ppt_x</p:attrName>
+                                        </p:attrNameLst>
+                                      </p:cBhvr>
+                                      <p:tavLst>
+                                        <p:tav tm="0">
+                                          <p:val>
+                                            <p:strVal val="#ppt_x"/>
+                                          </p:val>
+                                        </p:tav>
+                                        <p:tav tm="100000">
+                                          <p:val>
+                                            <p:strVal val="#ppt_x"/>
+                                          </p:val>
+                                        </p:tav>
+                                      </p:tavLst>
+                                    </p:anim>
+                                    <p:anim calcmode="lin" valueType="num">
+                                      <p:cBhvr>
+                                        <p:cTn id="9" dur="1000" fill="hold"/>
+                                        <p:tgtEl>
+                                          <p:spTgt spid="4"/>
+                                        </p:tgtEl>
+                                        <p:attrNameLst>
+                                          <p:attrName>ppt_y</p:attrName>
+                                        </p:attrNameLst>
+                                      </p:cBhvr>
+                                      <p:tavLst>
+                                        <p:tav tm="0">
+                                          <p:val>
+                                            <p:strVal val="#ppt_y+.1"/>
+                                          </p:val>
+                                        </p:tav>
+                                        <p:tav tm="100000">
+                                          <p:val>
+                                            <p:strVal val="#ppt_y"/>
+                                          </p:val>
+                                        </p:tav>
+                                      </p:tavLst>
+                                    </p:anim>
+                                  </p:childTnLst>
+                                </p:cTn>
+                              </p:par>
+                            </p:childTnLst>
+                          </p:cTn>
+                        </p:par>
+                      </p:childTnLst>
+                    </p:cTn>
+                  </p:par>
+                </p:childTnLst>
+              </p:cTn>
+              <p:prevCondLst>
+                <p:cond evt="onPrev" delay="0">
+                  <p:tgtEl>
+                    <p:sldTgt/>
+                  </p:tgtEl>
+                </p:cond>
+              </p:prevCondLst>
+              <p:nextCondLst>
+                <p:cond evt="onNext" delay="0">
+                  <p:tgtEl>
+                    <p:sldTgt/>
+                  </p:tgtEl>
+                </p:cond>
+              </p:nextCondLst>
+            </p:seq>
+          </p:childTnLst>
+        </p:cTn>
       </p:par>
     </p:tnLst>
+    <p:bldLst>
+      <p:bldP spid="4" grpId="0"/>
+    </p:bldLst>
   </p:timing>
 </p:sld>
 </file>
@@ -7675,9 +7800,10 @@
           <a:p>
             <a:pPr algn="just"/>
             <a:r>
-              <a:rPr lang="en-US" sz="1400" dirty="0"/>
-              <a:t>References:</a:t>
-            </a:r>
+              <a:rPr lang="en-US" sz="1400" dirty="0" smtClean="0"/>
+              <a:t>Reference:</a:t>
+            </a:r>
+            <a:endParaRPr lang="en-US" sz="1400" dirty="0"/>
           </a:p>
           <a:p>
             <a:pPr algn="just"/>
@@ -8070,12 +8196,13 @@
           <a:p>
             <a:r>
               <a:rPr lang="en-US" sz="1600" dirty="0" smtClean="0"/>
-              <a:t>Reference: </a:t>
+              <a:t>References: </a:t>
             </a:r>
             <a:r>
               <a:rPr lang="en-GB" sz="1600" dirty="0" smtClean="0"/>
               <a:t> </a:t>
             </a:r>
+            <a:endParaRPr lang="en-GB" sz="1600" dirty="0" smtClean="0"/>
           </a:p>
           <a:p>
             <a:pPr marL="285750" indent="-285750">
@@ -8409,9 +8536,10 @@
           <a:p>
             <a:pPr algn="just"/>
             <a:r>
-              <a:rPr lang="en-US" sz="1400" dirty="0"/>
-              <a:t>References:</a:t>
-            </a:r>
+              <a:rPr lang="en-US" sz="1400" dirty="0" smtClean="0"/>
+              <a:t>Reference:</a:t>
+            </a:r>
+            <a:endParaRPr lang="en-US" sz="1400" dirty="0"/>
           </a:p>
           <a:p>
             <a:pPr algn="just"/>
@@ -8801,9 +8929,10 @@
           <a:p>
             <a:pPr algn="just"/>
             <a:r>
-              <a:rPr lang="en-US" sz="1400" dirty="0"/>
-              <a:t>References:</a:t>
-            </a:r>
+              <a:rPr lang="en-US" sz="1400" dirty="0" smtClean="0"/>
+              <a:t>Reference:</a:t>
+            </a:r>
+            <a:endParaRPr lang="en-US" sz="1400" dirty="0"/>
           </a:p>
           <a:p>
             <a:pPr algn="just"/>
@@ -9178,8 +9307,9 @@
             <a:pPr algn="just"/>
             <a:r>
               <a:rPr lang="en-US" sz="1400" dirty="0" smtClean="0"/>
-              <a:t>References:</a:t>
-            </a:r>
+              <a:t>Reference:</a:t>
+            </a:r>
+            <a:endParaRPr lang="en-US" sz="1400" dirty="0" smtClean="0"/>
           </a:p>
           <a:p>
             <a:pPr algn="just"/>

--- a/Technical_Presentation.pptx
+++ b/Technical_Presentation.pptx
@@ -5904,28 +5904,20 @@
               <a:t> || </a:t>
             </a:r>
             <a:r>
-              <a:rPr lang="en-GB" sz="2400" dirty="0" err="1">
-                <a:solidFill>
-                  <a:schemeClr val="tx1"/>
-                </a:solidFill>
-              </a:rPr>
-              <a:t>Istyaque</a:t>
-            </a:r>
-            <a:r>
               <a:rPr lang="en-GB" sz="2400" dirty="0">
                 <a:solidFill>
                   <a:schemeClr val="tx1"/>
                 </a:solidFill>
               </a:rPr>
-              <a:t> </a:t>
-            </a:r>
-            <a:r>
-              <a:rPr lang="en-GB" sz="2400" dirty="0" err="1">
-                <a:solidFill>
-                  <a:schemeClr val="tx1"/>
-                </a:solidFill>
-              </a:rPr>
-              <a:t>Ahammed</a:t>
+              <a:t>Istyaque Ahammed </a:t>
+            </a:r>
+            <a:r>
+              <a:rPr lang="en-GB" sz="2400" dirty="0" smtClean="0">
+                <a:solidFill>
+                  <a:schemeClr val="tx1"/>
+                </a:solidFill>
+              </a:rPr>
+              <a:t>         </a:t>
             </a:r>
             <a:r>
               <a:rPr lang="en-GB" sz="2400" dirty="0">
@@ -5933,7 +5925,7 @@
                   <a:schemeClr val="tx1"/>
                 </a:solidFill>
               </a:rPr>
-              <a:t> </a:t>
+              <a:t>	</a:t>
             </a:r>
             <a:r>
               <a:rPr lang="en-GB" sz="2400" dirty="0" smtClean="0">
@@ -5941,15 +5933,7 @@
                   <a:schemeClr val="tx1"/>
                 </a:solidFill>
               </a:rPr>
-              <a:t>         </a:t>
-            </a:r>
-            <a:r>
-              <a:rPr lang="en-GB" sz="2400" dirty="0">
-                <a:solidFill>
-                  <a:schemeClr val="tx1"/>
-                </a:solidFill>
-              </a:rPr>
-              <a:t>	</a:t>
+              <a:t>    </a:t>
             </a:r>
             <a:r>
               <a:rPr lang="en-GB" sz="2400" dirty="0" smtClean="0">
@@ -5957,15 +5941,7 @@
                   <a:schemeClr val="tx1"/>
                 </a:solidFill>
               </a:rPr>
-              <a:t>     190205               ||             </a:t>
-            </a:r>
-            <a:r>
-              <a:rPr lang="en-GB" sz="2400" dirty="0">
-                <a:solidFill>
-                  <a:schemeClr val="tx1"/>
-                </a:solidFill>
-              </a:rPr>
-              <a:t>200240</a:t>
+              <a:t>              190205  || 200240</a:t>
             </a:r>
             <a:endParaRPr lang="en-US" dirty="0">
               <a:solidFill>
@@ -6091,7 +6067,7 @@
         <p:spPr>
           <a:xfrm>
             <a:off x="1002868" y="1295399"/>
-            <a:ext cx="9787052" cy="3304309"/>
+            <a:ext cx="9979076" cy="5187697"/>
           </a:xfrm>
         </p:spPr>
         <p:txBody>
@@ -6101,11 +6077,11 @@
           <a:lstStyle/>
           <a:p>
             <a:pPr marL="285750" indent="-285750" algn="just">
-              <a:buFont typeface="Arial" panose="020B0604020202020204" pitchFamily="34" charset="0"/>
-              <a:buChar char="•"/>
+              <a:buFont typeface="Wingdings" panose="05000000000000000000" pitchFamily="2" charset="2"/>
+              <a:buChar char="q"/>
             </a:pPr>
             <a:r>
-              <a:rPr lang="en-US" dirty="0" err="1" smtClean="0">
+              <a:rPr lang="en-US" sz="1400" dirty="0" err="1" smtClean="0">
                 <a:solidFill>
                   <a:schemeClr val="tx1"/>
                 </a:solidFill>
@@ -6113,7 +6089,7 @@
               <a:t>Hidayat</a:t>
             </a:r>
             <a:r>
-              <a:rPr lang="en-US" dirty="0">
+              <a:rPr lang="en-US" sz="1400" dirty="0">
                 <a:solidFill>
                   <a:schemeClr val="tx1"/>
                 </a:solidFill>
@@ -6121,7 +6097,7 @@
               <a:t>, I. A. </a:t>
             </a:r>
             <a:r>
-              <a:rPr lang="en-US" dirty="0" err="1">
+              <a:rPr lang="en-US" sz="1400" dirty="0" err="1">
                 <a:solidFill>
                   <a:schemeClr val="tx1"/>
                 </a:solidFill>
@@ -6129,7 +6105,7 @@
               <a:t>Handayani</a:t>
             </a:r>
             <a:r>
-              <a:rPr lang="en-US" dirty="0">
+              <a:rPr lang="en-US" sz="1400" dirty="0">
                 <a:solidFill>
                   <a:schemeClr val="tx1"/>
                 </a:solidFill>
@@ -6137,7 +6113,7 @@
               <a:t>, and I. </a:t>
             </a:r>
             <a:r>
-              <a:rPr lang="en-US" dirty="0" err="1">
+              <a:rPr lang="en-US" sz="1400" dirty="0" err="1">
                 <a:solidFill>
                   <a:schemeClr val="tx1"/>
                 </a:solidFill>
@@ -6145,7 +6121,7 @@
               <a:t>Purnama</a:t>
             </a:r>
             <a:r>
-              <a:rPr lang="en-US" dirty="0">
+              <a:rPr lang="en-US" sz="1400" dirty="0">
                 <a:solidFill>
                   <a:schemeClr val="tx1"/>
                 </a:solidFill>
@@ -6153,7 +6129,7 @@
               <a:t>, "Design and implementation of smart parking system using </a:t>
             </a:r>
             <a:r>
-              <a:rPr lang="en-US" dirty="0" err="1">
+              <a:rPr lang="en-US" sz="1400" dirty="0" err="1">
                 <a:solidFill>
                   <a:schemeClr val="tx1"/>
                 </a:solidFill>
@@ -6161,7 +6137,7 @@
               <a:t>arduino</a:t>
             </a:r>
             <a:r>
-              <a:rPr lang="en-US" dirty="0">
+              <a:rPr lang="en-US" sz="1400" dirty="0">
                 <a:solidFill>
                   <a:schemeClr val="tx1"/>
                 </a:solidFill>
@@ -6169,7 +6145,7 @@
               <a:t>," in 2020 International Conference on Information Management and Technology (</a:t>
             </a:r>
             <a:r>
-              <a:rPr lang="en-US" dirty="0" err="1">
+              <a:rPr lang="en-US" sz="1400" dirty="0" err="1">
                 <a:solidFill>
                   <a:schemeClr val="tx1"/>
                 </a:solidFill>
@@ -6177,7 +6153,7 @@
               <a:t>ICIMTech</a:t>
             </a:r>
             <a:r>
-              <a:rPr lang="en-US" dirty="0">
+              <a:rPr lang="en-US" sz="1400" dirty="0">
                 <a:solidFill>
                   <a:schemeClr val="tx1"/>
                 </a:solidFill>
@@ -6185,7 +6161,7 @@
               <a:t>), 2020, pp. </a:t>
             </a:r>
             <a:r>
-              <a:rPr lang="en-US" dirty="0" smtClean="0">
+              <a:rPr lang="en-US" sz="1400" dirty="0" smtClean="0">
                 <a:solidFill>
                   <a:schemeClr val="tx1"/>
                 </a:solidFill>
@@ -6195,11 +6171,11 @@
           </a:p>
           <a:p>
             <a:pPr marL="285750" indent="-285750" algn="just">
-              <a:buFont typeface="Arial" panose="020B0604020202020204" pitchFamily="34" charset="0"/>
-              <a:buChar char="•"/>
+              <a:buFont typeface="Wingdings" panose="05000000000000000000" pitchFamily="2" charset="2"/>
+              <a:buChar char="q"/>
             </a:pPr>
             <a:r>
-              <a:rPr lang="en-US" dirty="0">
+              <a:rPr lang="en-US" sz="1400" dirty="0">
                 <a:solidFill>
                   <a:schemeClr val="tx1"/>
                 </a:solidFill>
@@ -6207,7 +6183,7 @@
               <a:t>T. Chen and Y. Wu, "Development of smart bicycle parking system," in 2018 IEEE 5th International Conference on Smart Instrumentation, Measurement and Applications (ICSIMA), 2018, pp. 139-142</a:t>
             </a:r>
             <a:r>
-              <a:rPr lang="en-US" dirty="0" smtClean="0">
+              <a:rPr lang="en-US" sz="1400" dirty="0" smtClean="0">
                 <a:solidFill>
                   <a:schemeClr val="tx1"/>
                 </a:solidFill>
@@ -6217,11 +6193,11 @@
           </a:p>
           <a:p>
             <a:pPr marL="285750" indent="-285750" algn="just">
-              <a:buFont typeface="Arial" panose="020B0604020202020204" pitchFamily="34" charset="0"/>
-              <a:buChar char="•"/>
+              <a:buFont typeface="Wingdings" panose="05000000000000000000" pitchFamily="2" charset="2"/>
+              <a:buChar char="q"/>
             </a:pPr>
             <a:r>
-              <a:rPr lang="en-US" dirty="0">
+              <a:rPr lang="en-US" sz="1400" dirty="0">
                 <a:solidFill>
                   <a:schemeClr val="tx1"/>
                 </a:solidFill>
@@ -6229,7 +6205,7 @@
               <a:t>A. J. </a:t>
             </a:r>
             <a:r>
-              <a:rPr lang="en-US" dirty="0" err="1">
+              <a:rPr lang="en-US" sz="1400" dirty="0" err="1">
                 <a:solidFill>
                   <a:schemeClr val="tx1"/>
                 </a:solidFill>
@@ -6237,7 +6213,7 @@
               <a:t>Haider</a:t>
             </a:r>
             <a:r>
-              <a:rPr lang="en-US" dirty="0">
+              <a:rPr lang="en-US" sz="1400" dirty="0">
                 <a:solidFill>
                   <a:schemeClr val="tx1"/>
                 </a:solidFill>
@@ -6245,7 +6221,7 @@
               <a:t>, N. M. Nor, and F. M. Ali, "Smart bicycle parking system using RFID," in 2019 IEEE 15th International Colloquium on Signal Processing &amp; Its Applications (CSPA), 2019, pp. 176-181</a:t>
             </a:r>
             <a:r>
-              <a:rPr lang="en-US" dirty="0" smtClean="0">
+              <a:rPr lang="en-US" sz="1400" dirty="0" smtClean="0">
                 <a:solidFill>
                   <a:schemeClr val="tx1"/>
                 </a:solidFill>
@@ -6255,11 +6231,11 @@
           </a:p>
           <a:p>
             <a:pPr marL="285750" indent="-285750" algn="just">
-              <a:buFont typeface="Arial" panose="020B0604020202020204" pitchFamily="34" charset="0"/>
-              <a:buChar char="•"/>
+              <a:buFont typeface="Wingdings" panose="05000000000000000000" pitchFamily="2" charset="2"/>
+              <a:buChar char="q"/>
             </a:pPr>
             <a:r>
-              <a:rPr lang="en-US" dirty="0">
+              <a:rPr lang="en-US" sz="1400" dirty="0">
                 <a:solidFill>
                   <a:schemeClr val="tx1"/>
                 </a:solidFill>
@@ -6267,7 +6243,7 @@
               <a:t>S. V. </a:t>
             </a:r>
             <a:r>
-              <a:rPr lang="en-US" dirty="0" err="1">
+              <a:rPr lang="en-US" sz="1400" dirty="0" err="1">
                 <a:solidFill>
                   <a:schemeClr val="tx1"/>
                 </a:solidFill>
@@ -6275,7 +6251,7 @@
               <a:t>Upadhye</a:t>
             </a:r>
             <a:r>
-              <a:rPr lang="en-US" dirty="0">
+              <a:rPr lang="en-US" sz="1400" dirty="0">
                 <a:solidFill>
                   <a:schemeClr val="tx1"/>
                 </a:solidFill>
@@ -6283,7 +6259,7 @@
               <a:t>, S. R. Joshi, and S. S. </a:t>
             </a:r>
             <a:r>
-              <a:rPr lang="en-US" dirty="0" err="1">
+              <a:rPr lang="en-US" sz="1400" dirty="0" err="1">
                 <a:solidFill>
                   <a:schemeClr val="tx1"/>
                 </a:solidFill>
@@ -6291,7 +6267,7 @@
               <a:t>Soman</a:t>
             </a:r>
             <a:r>
-              <a:rPr lang="en-US" dirty="0">
+              <a:rPr lang="en-US" sz="1400" dirty="0">
                 <a:solidFill>
                   <a:schemeClr val="tx1"/>
                 </a:solidFill>
@@ -6299,7 +6275,7 @@
               <a:t>, "Smart bike parking system using Arduino and cloud computing," in 2020 4th International Conference on Intelligent Computing and Control Systems (ICICCS), 2020, pp. 1061-1065</a:t>
             </a:r>
             <a:r>
-              <a:rPr lang="en-US" dirty="0" smtClean="0">
+              <a:rPr lang="en-US" sz="1400" dirty="0" smtClean="0">
                 <a:solidFill>
                   <a:schemeClr val="tx1"/>
                 </a:solidFill>
@@ -6309,17 +6285,110 @@
           </a:p>
           <a:p>
             <a:pPr marL="285750" indent="-285750" algn="just">
-              <a:buFont typeface="Arial" panose="020B0604020202020204" pitchFamily="34" charset="0"/>
-              <a:buChar char="•"/>
+              <a:buFont typeface="Wingdings" panose="05000000000000000000" pitchFamily="2" charset="2"/>
+              <a:buChar char="q"/>
             </a:pPr>
             <a:r>
-              <a:rPr lang="en-US" dirty="0">
-                <a:solidFill>
-                  <a:schemeClr val="tx1"/>
-                </a:solidFill>
-              </a:rPr>
-              <a:t>T. Lu and Q. Wang, "Design and implementation of smart parking system based on internet of things," in 2018 IEEE 5th International Conference on Cloud Computing and Intelligence Systems (CCIS), 2018, pp. 19-23</a:t>
-            </a:r>
+              <a:rPr lang="en-US" sz="1400" dirty="0">
+                <a:solidFill>
+                  <a:schemeClr val="tx1"/>
+                </a:solidFill>
+              </a:rPr>
+              <a:t>T. Lu and Q. Wang, "Design and implementation of smart parking system based on internet of things," in 2018 IEEE 5th International Conference on Cloud Computing and Intelligence Systems (CCIS), 2018, pp. </a:t>
+            </a:r>
+            <a:r>
+              <a:rPr lang="en-US" sz="1400" dirty="0" smtClean="0">
+                <a:solidFill>
+                  <a:schemeClr val="tx1"/>
+                </a:solidFill>
+              </a:rPr>
+              <a:t>19-23</a:t>
+            </a:r>
+          </a:p>
+          <a:p>
+            <a:pPr marL="285750" indent="-285750">
+              <a:buFont typeface="Wingdings" panose="05000000000000000000" pitchFamily="2" charset="2"/>
+              <a:buChar char="q"/>
+            </a:pPr>
+            <a:r>
+              <a:rPr lang="en-GB" sz="1400" dirty="0">
+                <a:solidFill>
+                  <a:schemeClr val="tx1"/>
+                </a:solidFill>
+              </a:rPr>
+              <a:t>J. HANZL, "Parking Information Guidance Systems and Smart Technologies Application Used in Urban Areas and Multi-storey Car Parks," Netherlands, 2020.</a:t>
+            </a:r>
+          </a:p>
+          <a:p>
+            <a:pPr marL="285750" indent="-285750">
+              <a:buFont typeface="Wingdings" panose="05000000000000000000" pitchFamily="2" charset="2"/>
+              <a:buChar char="q"/>
+            </a:pPr>
+            <a:r>
+              <a:rPr lang="en-GB" sz="1400" dirty="0">
+                <a:solidFill>
+                  <a:schemeClr val="tx1"/>
+                </a:solidFill>
+              </a:rPr>
+              <a:t>A. J. N. A. P. R. J. et al, "Highly Secure Smart Vehicle Parking System (SVPS) for," in HBRP PUBLICATION, India, 2023.</a:t>
+            </a:r>
+          </a:p>
+          <a:p>
+            <a:pPr marL="285750" indent="-285750">
+              <a:buFont typeface="Wingdings" panose="05000000000000000000" pitchFamily="2" charset="2"/>
+              <a:buChar char="q"/>
+            </a:pPr>
+            <a:r>
+              <a:rPr lang="en-GB" sz="1400" dirty="0">
+                <a:solidFill>
+                  <a:schemeClr val="tx1"/>
+                </a:solidFill>
+              </a:rPr>
+              <a:t>S. M. e. a. </a:t>
+            </a:r>
+            <a:r>
+              <a:rPr lang="en-GB" sz="1400" dirty="0" err="1">
+                <a:solidFill>
+                  <a:schemeClr val="tx1"/>
+                </a:solidFill>
+              </a:rPr>
+              <a:t>Aijaz</a:t>
+            </a:r>
+            <a:r>
+              <a:rPr lang="en-GB" sz="1400" dirty="0">
+                <a:solidFill>
+                  <a:schemeClr val="tx1"/>
+                </a:solidFill>
+              </a:rPr>
+              <a:t>, "Smart Car Parking System Using </a:t>
+            </a:r>
+            <a:r>
+              <a:rPr lang="en-GB" sz="1400" dirty="0" err="1">
+                <a:solidFill>
+                  <a:schemeClr val="tx1"/>
+                </a:solidFill>
+              </a:rPr>
+              <a:t>Arduino</a:t>
+            </a:r>
+            <a:r>
+              <a:rPr lang="en-GB" sz="1400" dirty="0">
+                <a:solidFill>
+                  <a:schemeClr val="tx1"/>
+                </a:solidFill>
+              </a:rPr>
+              <a:t> UNO," in Journal of Switching Hub 7.2 , 2022.</a:t>
+            </a:r>
+          </a:p>
+          <a:p>
+            <a:pPr marL="285750" indent="-285750" algn="just">
+              <a:buFont typeface="Wingdings" panose="05000000000000000000" pitchFamily="2" charset="2"/>
+              <a:buChar char="q"/>
+            </a:pPr>
+            <a:endParaRPr lang="en-US" sz="1400" dirty="0">
+              <a:solidFill>
+                <a:schemeClr val="tx1"/>
+              </a:solidFill>
+            </a:endParaRPr>
           </a:p>
         </p:txBody>
       </p:sp>
@@ -7240,7 +7309,7 @@
             </a:r>
             <a:r>
               <a:rPr lang="en-US" sz="2400" dirty="0" smtClean="0"/>
-              <a:t>o </a:t>
+              <a:t> </a:t>
             </a:r>
             <a:r>
               <a:rPr lang="en-US" sz="2400" dirty="0">
@@ -7268,12 +7337,20 @@
               <a:buChar char="•"/>
             </a:pPr>
             <a:r>
+              <a:rPr lang="en-US" sz="2400" dirty="0" smtClean="0">
+                <a:solidFill>
+                  <a:schemeClr val="tx1"/>
+                </a:solidFill>
+              </a:rPr>
+              <a:t>To provide </a:t>
+            </a:r>
+            <a:r>
               <a:rPr lang="en-US" sz="2400" dirty="0">
                 <a:solidFill>
                   <a:schemeClr val="tx1"/>
                 </a:solidFill>
               </a:rPr>
-              <a:t>To provide real-time data monitoring and analysis for better decision </a:t>
+              <a:t>real-time data monitoring and analysis for better decision </a:t>
             </a:r>
             <a:r>
               <a:rPr lang="en-US" sz="2400" dirty="0" smtClean="0">
@@ -7675,9 +7752,10 @@
           <a:p>
             <a:pPr algn="just"/>
             <a:r>
-              <a:rPr lang="en-US" sz="1400" dirty="0"/>
-              <a:t>References:</a:t>
-            </a:r>
+              <a:rPr lang="en-US" sz="1400" dirty="0" smtClean="0"/>
+              <a:t>Reference:</a:t>
+            </a:r>
+            <a:endParaRPr lang="en-US" sz="1400" dirty="0"/>
           </a:p>
           <a:p>
             <a:pPr algn="just"/>
@@ -8070,12 +8148,13 @@
           <a:p>
             <a:r>
               <a:rPr lang="en-US" sz="1600" dirty="0" smtClean="0"/>
-              <a:t>Reference: </a:t>
+              <a:t>References: </a:t>
             </a:r>
             <a:r>
               <a:rPr lang="en-GB" sz="1600" dirty="0" smtClean="0"/>
               <a:t> </a:t>
             </a:r>
+            <a:endParaRPr lang="en-GB" sz="1600" dirty="0" smtClean="0"/>
           </a:p>
           <a:p>
             <a:pPr marL="285750" indent="-285750">
@@ -8249,7 +8328,7 @@
         </p:spPr>
         <p:txBody>
           <a:bodyPr>
-            <a:normAutofit lnSpcReduction="10000"/>
+            <a:normAutofit/>
           </a:bodyPr>
           <a:lstStyle/>
           <a:p>
@@ -8374,8 +8453,8 @@
               <a:t>Bike rental shops or bike-sharing systems </a:t>
             </a:r>
             <a:r>
-              <a:rPr lang="en-US" sz="2000" dirty="0"/>
-              <a:t>Bike rental shops or bike-sharing systems</a:t>
+              <a:rPr lang="en-US" sz="2000" dirty="0" err="1" smtClean="0"/>
+              <a:t>systems</a:t>
             </a:r>
             <a:endParaRPr lang="en-US" sz="2400" dirty="0">
               <a:solidFill>
@@ -8409,9 +8488,10 @@
           <a:p>
             <a:pPr algn="just"/>
             <a:r>
-              <a:rPr lang="en-US" sz="1400" dirty="0"/>
-              <a:t>References:</a:t>
-            </a:r>
+              <a:rPr lang="en-US" sz="1400" dirty="0" smtClean="0"/>
+              <a:t>Reference:</a:t>
+            </a:r>
+            <a:endParaRPr lang="en-US" sz="1400" dirty="0"/>
           </a:p>
           <a:p>
             <a:pPr algn="just"/>
@@ -8571,8 +8651,8 @@
         </p:nvSpPr>
         <p:spPr>
           <a:xfrm>
-            <a:off x="1118414" y="1051560"/>
-            <a:ext cx="8534400" cy="3590486"/>
+            <a:off x="1118414" y="1051559"/>
+            <a:ext cx="8534400" cy="4974335"/>
           </a:xfrm>
         </p:spPr>
         <p:txBody>
@@ -8746,24 +8826,20 @@
               <a:buChar char="•"/>
             </a:pPr>
             <a:r>
-              <a:rPr lang="en-US" sz="9600" dirty="0">
-                <a:solidFill>
-                  <a:schemeClr val="tx1"/>
-                </a:solidFill>
-              </a:rPr>
-              <a:t>Real-World </a:t>
-            </a:r>
-            <a:r>
               <a:rPr lang="en-US" sz="9600" dirty="0" smtClean="0">
                 <a:solidFill>
                   <a:schemeClr val="tx1"/>
                 </a:solidFill>
               </a:rPr>
+              <a:t>Future Real-World </a:t>
+            </a:r>
+            <a:r>
+              <a:rPr lang="en-US" sz="9600" dirty="0" smtClean="0">
+                <a:solidFill>
+                  <a:schemeClr val="tx1"/>
+                </a:solidFill>
+              </a:rPr>
               <a:t>Implementation </a:t>
-            </a:r>
-            <a:r>
-              <a:rPr lang="en-US" sz="9600" dirty="0" smtClean="0"/>
-              <a:t>Imp</a:t>
             </a:r>
             <a:r>
               <a:rPr lang="en-US" sz="2400" dirty="0" smtClean="0"/>
@@ -8801,9 +8877,10 @@
           <a:p>
             <a:pPr algn="just"/>
             <a:r>
-              <a:rPr lang="en-US" sz="1400" dirty="0"/>
-              <a:t>References:</a:t>
-            </a:r>
+              <a:rPr lang="en-US" sz="1400" dirty="0" smtClean="0"/>
+              <a:t>Reference:</a:t>
+            </a:r>
+            <a:endParaRPr lang="en-US" sz="1400" dirty="0"/>
           </a:p>
           <a:p>
             <a:pPr algn="just"/>
@@ -8980,8 +9057,8 @@
         </p:nvSpPr>
         <p:spPr>
           <a:xfrm>
-            <a:off x="1279958" y="1253837"/>
-            <a:ext cx="8534400" cy="1498600"/>
+            <a:off x="1279958" y="1253836"/>
+            <a:ext cx="8534400" cy="3912523"/>
           </a:xfrm>
         </p:spPr>
         <p:txBody>
@@ -9120,32 +9197,7 @@
               </a:rPr>
               <a:t>Scalability</a:t>
             </a:r>
-          </a:p>
-          <a:p>
-            <a:pPr marL="285750" indent="-285750" algn="just">
-              <a:lnSpc>
-                <a:spcPct val="150000"/>
-              </a:lnSpc>
-              <a:buFont typeface="Arial" panose="020B0604020202020204" pitchFamily="34" charset="0"/>
-              <a:buChar char="•"/>
-            </a:pPr>
-            <a:r>
-              <a:rPr lang="en-US" sz="2400" dirty="0">
-                <a:solidFill>
-                  <a:schemeClr val="tx1"/>
-                </a:solidFill>
-              </a:rPr>
-              <a:t>Real-World </a:t>
-            </a:r>
-            <a:r>
-              <a:rPr lang="en-US" sz="2400" dirty="0" smtClean="0">
-                <a:solidFill>
-                  <a:schemeClr val="tx1"/>
-                </a:solidFill>
-              </a:rPr>
-              <a:t>Implementation</a:t>
-            </a:r>
-            <a:endParaRPr lang="en-US" sz="2400" dirty="0">
+            <a:endParaRPr lang="en-US" sz="2400" dirty="0" smtClean="0">
               <a:solidFill>
                 <a:schemeClr val="tx1"/>
               </a:solidFill>
@@ -9161,7 +9213,7 @@
         </p:nvSpPr>
         <p:spPr>
           <a:xfrm>
-            <a:off x="0" y="5680364"/>
+            <a:off x="0" y="6027836"/>
             <a:ext cx="12192000" cy="954107"/>
           </a:xfrm>
           <a:prstGeom prst="rect">
@@ -9178,8 +9230,9 @@
             <a:pPr algn="just"/>
             <a:r>
               <a:rPr lang="en-US" sz="1400" dirty="0" smtClean="0"/>
-              <a:t>References:</a:t>
-            </a:r>
+              <a:t>Reference:</a:t>
+            </a:r>
+            <a:endParaRPr lang="en-US" sz="1400" dirty="0" smtClean="0"/>
           </a:p>
           <a:p>
             <a:pPr algn="just"/>
@@ -9342,8 +9395,13 @@
             </a:pPr>
             <a:r>
               <a:rPr lang="en-US" dirty="0"/>
-              <a:t>Future Detection</a:t>
-            </a:r>
+              <a:t>Future </a:t>
+            </a:r>
+            <a:r>
+              <a:rPr lang="en-US" dirty="0" smtClean="0"/>
+              <a:t>Direction</a:t>
+            </a:r>
+            <a:endParaRPr lang="en-US" dirty="0"/>
           </a:p>
         </p:txBody>
       </p:sp>
@@ -9387,8 +9445,13 @@
                   <a:schemeClr val="tx1"/>
                 </a:solidFill>
               </a:rPr>
-              <a:t>real-time</a:t>
-            </a:r>
+              <a:t>real-time.</a:t>
+            </a:r>
+            <a:endParaRPr lang="en-US" sz="2400" dirty="0" smtClean="0">
+              <a:solidFill>
+                <a:schemeClr val="tx1"/>
+              </a:solidFill>
+            </a:endParaRPr>
           </a:p>
           <a:p>
             <a:pPr marL="342900" indent="-342900" algn="just">
@@ -9404,16 +9467,12 @@
               <a:t>Integration with a mobile app to allow users to reserve parking spaces in </a:t>
             </a:r>
             <a:r>
-              <a:rPr lang="en-US" sz="2400" dirty="0" err="1" smtClean="0">
-                <a:solidFill>
-                  <a:schemeClr val="tx1"/>
-                </a:solidFill>
-              </a:rPr>
-              <a:t>advance</a:t>
-            </a:r>
-            <a:r>
-              <a:rPr lang="en-US" sz="2400" dirty="0" err="1" smtClean="0"/>
-              <a:t>I</a:t>
+              <a:rPr lang="en-US" sz="2400" dirty="0" smtClean="0">
+                <a:solidFill>
+                  <a:schemeClr val="tx1"/>
+                </a:solidFill>
+              </a:rPr>
+              <a:t>advance.</a:t>
             </a:r>
             <a:endParaRPr lang="en-US" sz="2400" dirty="0" smtClean="0"/>
           </a:p>
@@ -9431,12 +9490,12 @@
               <a:t>Implementation of machine learning algorithms to optimize parking space allocation and improve user </a:t>
             </a:r>
             <a:r>
-              <a:rPr lang="en-US" sz="2400" dirty="0" err="1">
-                <a:solidFill>
-                  <a:schemeClr val="tx1"/>
-                </a:solidFill>
-              </a:rPr>
-              <a:t>experiencemplementation</a:t>
+              <a:rPr lang="en-US" sz="2400" dirty="0" smtClean="0">
+                <a:solidFill>
+                  <a:schemeClr val="tx1"/>
+                </a:solidFill>
+              </a:rPr>
+              <a:t>experience implementation </a:t>
             </a:r>
             <a:r>
               <a:rPr lang="en-US" sz="2400" dirty="0">
@@ -9444,7 +9503,7 @@
                   <a:schemeClr val="tx1"/>
                 </a:solidFill>
               </a:rPr>
-              <a:t> of machine learning algorithms to </a:t>
+              <a:t>of machine learning algorithms to </a:t>
             </a:r>
             <a:r>
               <a:rPr lang="en-US" sz="2400" dirty="0" smtClean="0">
@@ -9452,8 +9511,13 @@
                   <a:schemeClr val="tx1"/>
                 </a:solidFill>
               </a:rPr>
-              <a:t>optimize</a:t>
-            </a:r>
+              <a:t>optimize.</a:t>
+            </a:r>
+            <a:endParaRPr lang="en-US" sz="2400" dirty="0" smtClean="0">
+              <a:solidFill>
+                <a:schemeClr val="tx1"/>
+              </a:solidFill>
+            </a:endParaRPr>
           </a:p>
           <a:p>
             <a:pPr marL="342900" indent="-342900" algn="just">
@@ -9474,8 +9538,13 @@
                   <a:schemeClr val="tx1"/>
                 </a:solidFill>
               </a:rPr>
-              <a:t>payment</a:t>
-            </a:r>
+              <a:t>payment.</a:t>
+            </a:r>
+            <a:endParaRPr lang="en-US" sz="2400" dirty="0" smtClean="0">
+              <a:solidFill>
+                <a:schemeClr val="tx1"/>
+              </a:solidFill>
+            </a:endParaRPr>
           </a:p>
           <a:p>
             <a:pPr marL="342900" indent="-342900" algn="just">
@@ -9488,8 +9557,21 @@
                   <a:schemeClr val="tx1"/>
                 </a:solidFill>
               </a:rPr>
-              <a:t>Integration with a weather API to provide real-time weather information to users</a:t>
-            </a:r>
+              <a:t>Integration with a weather API to provide real-time weather information to </a:t>
+            </a:r>
+            <a:r>
+              <a:rPr lang="en-US" sz="2400" dirty="0" smtClean="0">
+                <a:solidFill>
+                  <a:schemeClr val="tx1"/>
+                </a:solidFill>
+              </a:rPr>
+              <a:t>users.</a:t>
+            </a:r>
+            <a:endParaRPr lang="en-US" sz="2400" dirty="0">
+              <a:solidFill>
+                <a:schemeClr val="tx1"/>
+              </a:solidFill>
+            </a:endParaRPr>
           </a:p>
         </p:txBody>
       </p:sp>
